--- a/input/images-source/USCore USCDI Table.pptx
+++ b/input/images-source/USCore USCDI Table.pptx
@@ -11,7 +11,7 @@
   <p:sldIdLst>
     <p:sldId id="256" r:id="rId7"/>
   </p:sldIdLst>
-  <p:sldSz cy="25603200" cx="9144000"/>
+  <p:sldSz cy="36576000" cx="9144000"/>
   <p:notesSz cx="6858000" cy="9144000"/>
   <p:defaultTextStyle>
     <a:defPPr lvl="0" marR="0" rtl="0" algn="l">
@@ -245,7 +245,7 @@
   <p:extLst>
     <p:ext uri="{EFAFB233-063F-42B5-8137-9DF3F51BA10A}">
       <p15:sldGuideLst>
-        <p15:guide id="1" orient="horz" pos="8064">
+        <p15:guide id="1" orient="horz" pos="11520">
           <p15:clr>
             <a:srgbClr val="A4A3A4"/>
           </p15:clr>
@@ -288,8 +288,8 @@
         </p:nvSpPr>
         <p:spPr>
           <a:xfrm>
-            <a:off x="2817006" y="685800"/>
-            <a:ext cx="1224600" cy="3429000"/>
+            <a:off x="3000708" y="685800"/>
+            <a:ext cx="857400" cy="3429000"/>
           </a:xfrm>
           <a:custGeom>
             <a:rect b="b" l="l" r="r" t="t"/>
@@ -714,8 +714,8 @@
         </p:nvSpPr>
         <p:spPr>
           <a:xfrm>
-            <a:off x="2877992" y="1143000"/>
-            <a:ext cx="1101900" cy="3086100"/>
+            <a:off x="3043289" y="1143000"/>
+            <a:ext cx="771600" cy="3086100"/>
           </a:xfrm>
           <a:custGeom>
             <a:rect b="b" l="l" r="r" t="t"/>
@@ -896,8 +896,8 @@
         </p:nvSpPr>
         <p:spPr>
           <a:xfrm>
-            <a:off x="311708" y="3706329"/>
-            <a:ext cx="8520600" cy="10217400"/>
+            <a:off x="311708" y="5294756"/>
+            <a:ext cx="8520600" cy="14596500"/>
           </a:xfrm>
           <a:prstGeom prst="rect">
             <a:avLst/>
@@ -1021,8 +1021,8 @@
         </p:nvSpPr>
         <p:spPr>
           <a:xfrm>
-            <a:off x="311700" y="14107644"/>
-            <a:ext cx="8520600" cy="3945300"/>
+            <a:off x="311700" y="20153778"/>
+            <a:ext cx="8520600" cy="5635800"/>
           </a:xfrm>
           <a:prstGeom prst="rect">
             <a:avLst/>
@@ -1173,8 +1173,8 @@
         </p:nvSpPr>
         <p:spPr>
           <a:xfrm>
-            <a:off x="8472458" y="23212457"/>
-            <a:ext cx="548700" cy="1959000"/>
+            <a:off x="8472458" y="33160653"/>
+            <a:ext cx="548700" cy="2798400"/>
           </a:xfrm>
           <a:prstGeom prst="rect">
             <a:avLst/>
@@ -1275,8 +1275,8 @@
         </p:nvSpPr>
         <p:spPr>
           <a:xfrm>
-            <a:off x="311700" y="5506044"/>
-            <a:ext cx="8520600" cy="9774000"/>
+            <a:off x="311700" y="7865778"/>
+            <a:ext cx="8520600" cy="13962900"/>
           </a:xfrm>
           <a:prstGeom prst="rect">
             <a:avLst/>
@@ -1404,8 +1404,8 @@
         </p:nvSpPr>
         <p:spPr>
           <a:xfrm>
-            <a:off x="311700" y="15691076"/>
-            <a:ext cx="8520600" cy="6475200"/>
+            <a:off x="311700" y="22415822"/>
+            <a:ext cx="8520600" cy="9250500"/>
           </a:xfrm>
           <a:prstGeom prst="rect">
             <a:avLst/>
@@ -1529,8 +1529,8 @@
         </p:nvSpPr>
         <p:spPr>
           <a:xfrm>
-            <a:off x="8472458" y="23212457"/>
-            <a:ext cx="548700" cy="1959000"/>
+            <a:off x="8472458" y="33160653"/>
+            <a:ext cx="548700" cy="2798400"/>
           </a:xfrm>
           <a:prstGeom prst="rect">
             <a:avLst/>
@@ -1631,8 +1631,8 @@
         </p:nvSpPr>
         <p:spPr>
           <a:xfrm>
-            <a:off x="8472458" y="23212457"/>
-            <a:ext cx="548700" cy="1959000"/>
+            <a:off x="8472458" y="33160653"/>
+            <a:ext cx="548700" cy="2798400"/>
           </a:xfrm>
           <a:prstGeom prst="rect">
             <a:avLst/>
@@ -1733,8 +1733,8 @@
         </p:nvSpPr>
         <p:spPr>
           <a:xfrm>
-            <a:off x="11318" y="24334877"/>
-            <a:ext cx="945000" cy="1299300"/>
+            <a:off x="11318" y="34764109"/>
+            <a:ext cx="945000" cy="1855800"/>
           </a:xfrm>
           <a:prstGeom prst="rect">
             <a:avLst/>
@@ -1870,8 +1870,8 @@
         </p:nvSpPr>
         <p:spPr>
           <a:xfrm>
-            <a:off x="552594" y="6530681"/>
-            <a:ext cx="7951500" cy="17662500"/>
+            <a:off x="552594" y="9329544"/>
+            <a:ext cx="7951500" cy="25231800"/>
           </a:xfrm>
           <a:prstGeom prst="rect">
             <a:avLst/>
@@ -2134,8 +2134,8 @@
         </p:nvSpPr>
         <p:spPr>
           <a:xfrm>
-            <a:off x="555756" y="2224669"/>
-            <a:ext cx="6473700" cy="3105300"/>
+            <a:off x="555756" y="3178098"/>
+            <a:ext cx="6473700" cy="4435800"/>
           </a:xfrm>
           <a:prstGeom prst="rect">
             <a:avLst/>
@@ -2278,8 +2278,8 @@
         </p:nvSpPr>
         <p:spPr>
           <a:xfrm>
-            <a:off x="554498" y="826445"/>
-            <a:ext cx="6108000" cy="1299300"/>
+            <a:off x="554498" y="1180636"/>
+            <a:ext cx="6108000" cy="1855800"/>
           </a:xfrm>
           <a:prstGeom prst="rect">
             <a:avLst/>
@@ -2450,8 +2450,8 @@
         </p:nvSpPr>
         <p:spPr>
           <a:xfrm>
-            <a:off x="6479139" y="19424747"/>
-            <a:ext cx="2318100" cy="136200"/>
+            <a:off x="6479139" y="27749638"/>
+            <a:ext cx="2318100" cy="194400"/>
           </a:xfrm>
           <a:prstGeom prst="rect">
             <a:avLst/>
@@ -2503,8 +2503,8 @@
         </p:nvSpPr>
         <p:spPr>
           <a:xfrm>
-            <a:off x="2132398" y="15256272"/>
-            <a:ext cx="4283700" cy="3062700"/>
+            <a:off x="2132398" y="21794674"/>
+            <a:ext cx="4283700" cy="4375200"/>
           </a:xfrm>
           <a:prstGeom prst="rect">
             <a:avLst/>
@@ -2767,8 +2767,8 @@
         </p:nvSpPr>
         <p:spPr>
           <a:xfrm>
-            <a:off x="2117058" y="11952493"/>
-            <a:ext cx="6234900" cy="3112500"/>
+            <a:off x="2117058" y="17074989"/>
+            <a:ext cx="6234900" cy="4446600"/>
           </a:xfrm>
           <a:prstGeom prst="rect">
             <a:avLst/>
@@ -3031,8 +3031,8 @@
         </p:nvSpPr>
         <p:spPr>
           <a:xfrm>
-            <a:off x="2111802" y="3999094"/>
-            <a:ext cx="6624600" cy="7761900"/>
+            <a:off x="2111802" y="5712991"/>
+            <a:ext cx="6624600" cy="11088300"/>
           </a:xfrm>
           <a:prstGeom prst="rect">
             <a:avLst/>
@@ -3173,8 +3173,8 @@
         </p:nvSpPr>
         <p:spPr>
           <a:xfrm>
-            <a:off x="0" y="23966261"/>
-            <a:ext cx="9144000" cy="1689300"/>
+            <a:off x="0" y="34237516"/>
+            <a:ext cx="9144000" cy="2412900"/>
           </a:xfrm>
           <a:prstGeom prst="rect">
             <a:avLst/>
@@ -3242,8 +3242,8 @@
         </p:blipFill>
         <p:spPr>
           <a:xfrm>
-            <a:off x="1" y="6200797"/>
-            <a:ext cx="1803284" cy="12367192"/>
+            <a:off x="1" y="8858282"/>
+            <a:ext cx="1803284" cy="17667420"/>
           </a:xfrm>
           <a:prstGeom prst="rect">
             <a:avLst/>
@@ -3262,7 +3262,7 @@
         </p:nvGrpSpPr>
         <p:grpSpPr>
           <a:xfrm>
-            <a:off x="6499007" y="20569899"/>
+            <a:off x="6499007" y="29385570"/>
             <a:ext cx="2309708" cy="506873"/>
             <a:chOff x="9702892" y="96218"/>
             <a:chExt cx="2304868" cy="505811"/>
@@ -3368,8 +3368,8 @@
         </p:nvSpPr>
         <p:spPr>
           <a:xfrm flipH="1">
-            <a:off x="5340787" y="5061133"/>
-            <a:ext cx="3809100" cy="20529900"/>
+            <a:off x="5340787" y="7230189"/>
+            <a:ext cx="3809100" cy="29328300"/>
           </a:xfrm>
           <a:prstGeom prst="rtTriangle">
             <a:avLst/>
@@ -3419,8 +3419,8 @@
         </p:nvSpPr>
         <p:spPr>
           <a:xfrm flipH="1">
-            <a:off x="6678456" y="12324832"/>
-            <a:ext cx="2469600" cy="13309200"/>
+            <a:off x="6678456" y="17606902"/>
+            <a:ext cx="2469600" cy="19013100"/>
           </a:xfrm>
           <a:prstGeom prst="rtTriangle">
             <a:avLst/>
@@ -3472,8 +3472,8 @@
         </p:nvSpPr>
         <p:spPr>
           <a:xfrm>
-            <a:off x="554498" y="826445"/>
-            <a:ext cx="6108000" cy="1299300"/>
+            <a:off x="554498" y="1180636"/>
+            <a:ext cx="6108000" cy="1855800"/>
           </a:xfrm>
           <a:prstGeom prst="rect">
             <a:avLst/>
@@ -3607,8 +3607,8 @@
         </p:nvSpPr>
         <p:spPr>
           <a:xfrm>
-            <a:off x="-22860" y="640576"/>
-            <a:ext cx="335400" cy="1363200"/>
+            <a:off x="-22860" y="915109"/>
+            <a:ext cx="335400" cy="1947900"/>
           </a:xfrm>
           <a:prstGeom prst="rect">
             <a:avLst/>
@@ -3667,8 +3667,8 @@
         </p:nvSpPr>
         <p:spPr>
           <a:xfrm>
-            <a:off x="554488" y="12269783"/>
-            <a:ext cx="8000700" cy="11923200"/>
+            <a:off x="554488" y="17528261"/>
+            <a:ext cx="8000700" cy="17033100"/>
           </a:xfrm>
           <a:prstGeom prst="rect">
             <a:avLst/>
@@ -3931,8 +3931,8 @@
         </p:nvSpPr>
         <p:spPr>
           <a:xfrm>
-            <a:off x="555757" y="5132863"/>
-            <a:ext cx="7999500" cy="6098100"/>
+            <a:off x="555757" y="7332661"/>
+            <a:ext cx="7999500" cy="8711700"/>
           </a:xfrm>
           <a:prstGeom prst="rect">
             <a:avLst/>
@@ -4075,8 +4075,8 @@
         </p:nvSpPr>
         <p:spPr>
           <a:xfrm>
-            <a:off x="11318" y="24334877"/>
-            <a:ext cx="945000" cy="1299300"/>
+            <a:off x="11318" y="34764109"/>
+            <a:ext cx="945000" cy="1855800"/>
           </a:xfrm>
           <a:prstGeom prst="rect">
             <a:avLst/>
@@ -4210,8 +4210,8 @@
         </p:nvGrpSpPr>
         <p:grpSpPr>
           <a:xfrm>
-            <a:off x="7215133" y="359246"/>
-            <a:ext cx="1928879" cy="2292145"/>
+            <a:off x="7215133" y="513219"/>
+            <a:ext cx="1928879" cy="3274564"/>
             <a:chOff x="9620161" y="96218"/>
             <a:chExt cx="2571839" cy="613973"/>
           </a:xfrm>
@@ -4359,8 +4359,8 @@
         </p:nvSpPr>
         <p:spPr>
           <a:xfrm>
-            <a:off x="554498" y="826445"/>
-            <a:ext cx="6108000" cy="1299300"/>
+            <a:off x="554498" y="1180636"/>
+            <a:ext cx="6108000" cy="1855800"/>
           </a:xfrm>
           <a:prstGeom prst="rect">
             <a:avLst/>
@@ -4494,8 +4494,8 @@
         </p:nvSpPr>
         <p:spPr>
           <a:xfrm>
-            <a:off x="-22860" y="640576"/>
-            <a:ext cx="335400" cy="1363200"/>
+            <a:off x="-22860" y="915109"/>
+            <a:ext cx="335400" cy="1947900"/>
           </a:xfrm>
           <a:prstGeom prst="rect">
             <a:avLst/>
@@ -4554,8 +4554,8 @@
         </p:nvSpPr>
         <p:spPr>
           <a:xfrm>
-            <a:off x="554488" y="12269783"/>
-            <a:ext cx="8000700" cy="11923200"/>
+            <a:off x="554488" y="17528261"/>
+            <a:ext cx="8000700" cy="17033100"/>
           </a:xfrm>
           <a:prstGeom prst="rect">
             <a:avLst/>
@@ -4818,8 +4818,8 @@
         </p:nvSpPr>
         <p:spPr>
           <a:xfrm>
-            <a:off x="555757" y="5132863"/>
-            <a:ext cx="7999500" cy="6098100"/>
+            <a:off x="555757" y="7332661"/>
+            <a:ext cx="7999500" cy="8711700"/>
           </a:xfrm>
           <a:prstGeom prst="rect">
             <a:avLst/>
@@ -4962,8 +4962,8 @@
         </p:nvSpPr>
         <p:spPr>
           <a:xfrm>
-            <a:off x="11318" y="24334877"/>
-            <a:ext cx="945000" cy="1299300"/>
+            <a:off x="11318" y="34764109"/>
+            <a:ext cx="945000" cy="1855800"/>
           </a:xfrm>
           <a:prstGeom prst="rect">
             <a:avLst/>
@@ -5097,8 +5097,8 @@
         </p:nvGrpSpPr>
         <p:grpSpPr>
           <a:xfrm>
-            <a:off x="7215133" y="359246"/>
-            <a:ext cx="1928879" cy="2292145"/>
+            <a:off x="7215133" y="513219"/>
+            <a:ext cx="1928879" cy="3274564"/>
             <a:chOff x="9620161" y="96218"/>
             <a:chExt cx="2571839" cy="613973"/>
           </a:xfrm>
@@ -5244,8 +5244,8 @@
         </p:nvGrpSpPr>
         <p:grpSpPr>
           <a:xfrm>
-            <a:off x="11329" y="-6042"/>
-            <a:ext cx="8109997" cy="25673296"/>
+            <a:off x="11329" y="-8632"/>
+            <a:ext cx="8109997" cy="36676922"/>
             <a:chOff x="15090" y="-1619"/>
             <a:chExt cx="10813329" cy="6876837"/>
           </a:xfrm>
@@ -5361,8 +5361,8 @@
         </p:nvSpPr>
         <p:spPr>
           <a:xfrm>
-            <a:off x="-22860" y="640576"/>
-            <a:ext cx="335400" cy="1363200"/>
+            <a:off x="-22860" y="915109"/>
+            <a:ext cx="335400" cy="1947900"/>
           </a:xfrm>
           <a:prstGeom prst="rect">
             <a:avLst/>
@@ -5421,8 +5421,8 @@
         </p:nvSpPr>
         <p:spPr>
           <a:xfrm>
-            <a:off x="5715012" y="3020062"/>
-            <a:ext cx="3429000" cy="18827100"/>
+            <a:off x="5715012" y="4314375"/>
+            <a:ext cx="3429000" cy="26896200"/>
           </a:xfrm>
           <a:prstGeom prst="rect">
             <a:avLst/>
@@ -5687,8 +5687,8 @@
         </p:nvSpPr>
         <p:spPr>
           <a:xfrm>
-            <a:off x="554488" y="11361299"/>
-            <a:ext cx="4678800" cy="12117900"/>
+            <a:off x="554488" y="16230427"/>
+            <a:ext cx="4678800" cy="17311200"/>
           </a:xfrm>
           <a:prstGeom prst="rect">
             <a:avLst/>
@@ -5951,8 +5951,8 @@
         </p:nvSpPr>
         <p:spPr>
           <a:xfrm>
-            <a:off x="555745" y="6457830"/>
-            <a:ext cx="4678800" cy="4903800"/>
+            <a:off x="555745" y="9225471"/>
+            <a:ext cx="4678800" cy="7005600"/>
           </a:xfrm>
           <a:prstGeom prst="rect">
             <a:avLst/>
@@ -6095,8 +6095,8 @@
         </p:nvSpPr>
         <p:spPr>
           <a:xfrm>
-            <a:off x="11318" y="24334877"/>
-            <a:ext cx="945000" cy="1299300"/>
+            <a:off x="11318" y="34764109"/>
+            <a:ext cx="945000" cy="1855800"/>
           </a:xfrm>
           <a:prstGeom prst="rect">
             <a:avLst/>
@@ -6237,7 +6237,7 @@
         </p:blipFill>
         <p:spPr>
           <a:xfrm>
-            <a:off x="1" y="3020031"/>
+            <a:off x="1" y="4314330"/>
             <a:ext cx="5560255" cy="338018"/>
           </a:xfrm>
           <a:prstGeom prst="rect">
@@ -6259,8 +6259,8 @@
         </p:nvSpPr>
         <p:spPr>
           <a:xfrm>
-            <a:off x="554498" y="826445"/>
-            <a:ext cx="6108000" cy="1299300"/>
+            <a:off x="554498" y="1180636"/>
+            <a:ext cx="6108000" cy="1855800"/>
           </a:xfrm>
           <a:prstGeom prst="rect">
             <a:avLst/>
@@ -6401,7 +6401,7 @@
         </p:blipFill>
         <p:spPr>
           <a:xfrm>
-            <a:off x="11" y="1634500"/>
+            <a:off x="11" y="2335001"/>
             <a:ext cx="836810" cy="853544"/>
           </a:xfrm>
           <a:prstGeom prst="rect">
@@ -6421,8 +6421,8 @@
         </p:nvGrpSpPr>
         <p:grpSpPr>
           <a:xfrm>
-            <a:off x="7215133" y="359246"/>
-            <a:ext cx="1928879" cy="2292145"/>
+            <a:off x="7215133" y="513219"/>
+            <a:ext cx="1928879" cy="3274564"/>
             <a:chOff x="9620161" y="96218"/>
             <a:chExt cx="2571839" cy="613973"/>
           </a:xfrm>
@@ -6568,8 +6568,8 @@
         </p:nvSpPr>
         <p:spPr>
           <a:xfrm>
-            <a:off x="-22860" y="640576"/>
-            <a:ext cx="335400" cy="1363200"/>
+            <a:off x="-22860" y="915109"/>
+            <a:ext cx="335400" cy="1947900"/>
           </a:xfrm>
           <a:prstGeom prst="rect">
             <a:avLst/>
@@ -6628,8 +6628,8 @@
         </p:nvSpPr>
         <p:spPr>
           <a:xfrm>
-            <a:off x="554498" y="826445"/>
-            <a:ext cx="6108000" cy="1299300"/>
+            <a:off x="554498" y="1180636"/>
+            <a:ext cx="6108000" cy="1855800"/>
           </a:xfrm>
           <a:prstGeom prst="rect">
             <a:avLst/>
@@ -6765,8 +6765,8 @@
         </p:nvSpPr>
         <p:spPr>
           <a:xfrm>
-            <a:off x="5555974" y="6530682"/>
-            <a:ext cx="2999100" cy="17662500"/>
+            <a:off x="5555974" y="9329545"/>
+            <a:ext cx="2999100" cy="25231800"/>
           </a:xfrm>
           <a:prstGeom prst="rect">
             <a:avLst/>
@@ -7031,8 +7031,8 @@
         </p:nvSpPr>
         <p:spPr>
           <a:xfrm>
-            <a:off x="552585" y="6530681"/>
-            <a:ext cx="4794600" cy="17662500"/>
+            <a:off x="552585" y="9329544"/>
+            <a:ext cx="4794600" cy="25231800"/>
           </a:xfrm>
           <a:prstGeom prst="rect">
             <a:avLst/>
@@ -7295,8 +7295,8 @@
         </p:nvSpPr>
         <p:spPr>
           <a:xfrm>
-            <a:off x="555756" y="2224669"/>
-            <a:ext cx="6473700" cy="3105300"/>
+            <a:off x="555756" y="3178098"/>
+            <a:ext cx="6473700" cy="4435800"/>
           </a:xfrm>
           <a:prstGeom prst="rect">
             <a:avLst/>
@@ -7439,8 +7439,8 @@
         </p:nvSpPr>
         <p:spPr>
           <a:xfrm>
-            <a:off x="11318" y="24334877"/>
-            <a:ext cx="945000" cy="1299300"/>
+            <a:off x="11318" y="34764109"/>
+            <a:ext cx="945000" cy="1855800"/>
           </a:xfrm>
           <a:prstGeom prst="rect">
             <a:avLst/>
@@ -7574,8 +7574,8 @@
         </p:nvGrpSpPr>
         <p:grpSpPr>
           <a:xfrm>
-            <a:off x="7215133" y="359246"/>
-            <a:ext cx="1928879" cy="2292145"/>
+            <a:off x="7215133" y="513219"/>
+            <a:ext cx="1928879" cy="3274564"/>
             <a:chOff x="9620161" y="96218"/>
             <a:chExt cx="2571839" cy="613973"/>
           </a:xfrm>
@@ -7728,8 +7728,8 @@
         </p:blipFill>
         <p:spPr>
           <a:xfrm flipH="1">
-            <a:off x="5770769" y="10594789"/>
-            <a:ext cx="3379124" cy="15039353"/>
+            <a:off x="5770769" y="15135413"/>
+            <a:ext cx="3379124" cy="21484793"/>
           </a:xfrm>
           <a:prstGeom prst="rect">
             <a:avLst/>
@@ -7748,8 +7748,8 @@
         </p:nvSpPr>
         <p:spPr>
           <a:xfrm>
-            <a:off x="-22860" y="640576"/>
-            <a:ext cx="335400" cy="1363200"/>
+            <a:off x="-22860" y="915109"/>
+            <a:ext cx="335400" cy="1947900"/>
           </a:xfrm>
           <a:prstGeom prst="rect">
             <a:avLst/>
@@ -7808,8 +7808,8 @@
         </p:nvSpPr>
         <p:spPr>
           <a:xfrm>
-            <a:off x="554498" y="826445"/>
-            <a:ext cx="6108000" cy="1299300"/>
+            <a:off x="554498" y="1180636"/>
+            <a:ext cx="6108000" cy="1855800"/>
           </a:xfrm>
           <a:prstGeom prst="rect">
             <a:avLst/>
@@ -7945,8 +7945,8 @@
         </p:nvSpPr>
         <p:spPr>
           <a:xfrm>
-            <a:off x="5555974" y="6530682"/>
-            <a:ext cx="2999100" cy="17662500"/>
+            <a:off x="5555974" y="9329545"/>
+            <a:ext cx="2999100" cy="25231800"/>
           </a:xfrm>
           <a:prstGeom prst="rect">
             <a:avLst/>
@@ -8211,8 +8211,8 @@
         </p:nvSpPr>
         <p:spPr>
           <a:xfrm>
-            <a:off x="552585" y="6530681"/>
-            <a:ext cx="4794600" cy="17662500"/>
+            <a:off x="552585" y="9329544"/>
+            <a:ext cx="4794600" cy="25231800"/>
           </a:xfrm>
           <a:prstGeom prst="rect">
             <a:avLst/>
@@ -8475,8 +8475,8 @@
         </p:nvSpPr>
         <p:spPr>
           <a:xfrm>
-            <a:off x="555756" y="2224669"/>
-            <a:ext cx="6473700" cy="3105300"/>
+            <a:off x="555756" y="3178098"/>
+            <a:ext cx="6473700" cy="4435800"/>
           </a:xfrm>
           <a:prstGeom prst="rect">
             <a:avLst/>
@@ -8619,8 +8619,8 @@
         </p:nvSpPr>
         <p:spPr>
           <a:xfrm>
-            <a:off x="11318" y="24334877"/>
-            <a:ext cx="945000" cy="1299300"/>
+            <a:off x="11318" y="34764109"/>
+            <a:ext cx="945000" cy="1855800"/>
           </a:xfrm>
           <a:prstGeom prst="rect">
             <a:avLst/>
@@ -8754,8 +8754,8 @@
         </p:nvGrpSpPr>
         <p:grpSpPr>
           <a:xfrm>
-            <a:off x="7215133" y="359246"/>
-            <a:ext cx="1928879" cy="2292145"/>
+            <a:off x="7215133" y="513219"/>
+            <a:ext cx="1928879" cy="3274564"/>
             <a:chOff x="9620161" y="96218"/>
             <a:chExt cx="2571839" cy="613973"/>
           </a:xfrm>
@@ -8901,8 +8901,8 @@
         </p:nvSpPr>
         <p:spPr>
           <a:xfrm>
-            <a:off x="-22860" y="640576"/>
-            <a:ext cx="335400" cy="1363200"/>
+            <a:off x="-22860" y="915109"/>
+            <a:ext cx="335400" cy="1947900"/>
           </a:xfrm>
           <a:prstGeom prst="rect">
             <a:avLst/>
@@ -8961,8 +8961,8 @@
         </p:nvSpPr>
         <p:spPr>
           <a:xfrm>
-            <a:off x="554498" y="826445"/>
-            <a:ext cx="6108000" cy="1299300"/>
+            <a:off x="554498" y="1180636"/>
+            <a:ext cx="6108000" cy="1855800"/>
           </a:xfrm>
           <a:prstGeom prst="rect">
             <a:avLst/>
@@ -9098,8 +9098,8 @@
         </p:nvSpPr>
         <p:spPr>
           <a:xfrm>
-            <a:off x="6109194" y="8460194"/>
-            <a:ext cx="2431800" cy="13605600"/>
+            <a:off x="6109194" y="12085992"/>
+            <a:ext cx="2431800" cy="19436100"/>
           </a:xfrm>
           <a:prstGeom prst="rect">
             <a:avLst/>
@@ -9364,8 +9364,8 @@
         </p:nvSpPr>
         <p:spPr>
           <a:xfrm>
-            <a:off x="3356055" y="8460194"/>
-            <a:ext cx="2431800" cy="13605600"/>
+            <a:off x="3356055" y="12085992"/>
+            <a:ext cx="2431800" cy="19436100"/>
           </a:xfrm>
           <a:prstGeom prst="rect">
             <a:avLst/>
@@ -9630,8 +9630,8 @@
         </p:nvSpPr>
         <p:spPr>
           <a:xfrm>
-            <a:off x="586409" y="8460194"/>
-            <a:ext cx="2431800" cy="13605600"/>
+            <a:off x="586409" y="12085992"/>
+            <a:ext cx="2431800" cy="19436100"/>
           </a:xfrm>
           <a:prstGeom prst="rect">
             <a:avLst/>
@@ -9896,8 +9896,8 @@
         </p:nvSpPr>
         <p:spPr>
           <a:xfrm>
-            <a:off x="555745" y="3988711"/>
-            <a:ext cx="7241700" cy="3105300"/>
+            <a:off x="555745" y="5698159"/>
+            <a:ext cx="7241700" cy="4435800"/>
           </a:xfrm>
           <a:prstGeom prst="rect">
             <a:avLst/>
@@ -10040,8 +10040,8 @@
         </p:nvSpPr>
         <p:spPr>
           <a:xfrm>
-            <a:off x="11318" y="24334877"/>
-            <a:ext cx="945000" cy="1299300"/>
+            <a:off x="11318" y="34764109"/>
+            <a:ext cx="945000" cy="1855800"/>
           </a:xfrm>
           <a:prstGeom prst="rect">
             <a:avLst/>
@@ -10175,8 +10175,8 @@
         </p:nvGrpSpPr>
         <p:grpSpPr>
           <a:xfrm>
-            <a:off x="7215133" y="359246"/>
-            <a:ext cx="1928879" cy="2292145"/>
+            <a:off x="7215133" y="513219"/>
+            <a:ext cx="1928879" cy="3274564"/>
             <a:chOff x="9620161" y="96218"/>
             <a:chExt cx="2571839" cy="613973"/>
           </a:xfrm>
@@ -10324,8 +10324,8 @@
         </p:nvSpPr>
         <p:spPr>
           <a:xfrm>
-            <a:off x="311700" y="10706453"/>
-            <a:ext cx="8520600" cy="4190400"/>
+            <a:off x="311700" y="15294933"/>
+            <a:ext cx="8520600" cy="5986500"/>
           </a:xfrm>
           <a:prstGeom prst="rect">
             <a:avLst/>
@@ -10449,8 +10449,8 @@
         </p:nvSpPr>
         <p:spPr>
           <a:xfrm>
-            <a:off x="8472458" y="23212457"/>
-            <a:ext cx="548700" cy="1959000"/>
+            <a:off x="8472458" y="33160653"/>
+            <a:ext cx="548700" cy="2798400"/>
           </a:xfrm>
           <a:prstGeom prst="rect">
             <a:avLst/>
@@ -10549,8 +10549,8 @@
         </p:nvSpPr>
         <p:spPr>
           <a:xfrm>
-            <a:off x="0" y="25223629"/>
-            <a:ext cx="9144000" cy="450600"/>
+            <a:off x="0" y="36033756"/>
+            <a:ext cx="9144000" cy="643500"/>
           </a:xfrm>
           <a:prstGeom prst="rect">
             <a:avLst/>
@@ -10613,8 +10613,8 @@
         </p:nvSpPr>
         <p:spPr>
           <a:xfrm>
-            <a:off x="554498" y="826445"/>
-            <a:ext cx="6108000" cy="1299300"/>
+            <a:off x="554498" y="1180636"/>
+            <a:ext cx="6108000" cy="1855800"/>
           </a:xfrm>
           <a:prstGeom prst="rect">
             <a:avLst/>
@@ -10748,8 +10748,8 @@
         </p:nvSpPr>
         <p:spPr>
           <a:xfrm>
-            <a:off x="-22860" y="640576"/>
-            <a:ext cx="335400" cy="1363200"/>
+            <a:off x="-22860" y="915109"/>
+            <a:ext cx="335400" cy="1947900"/>
           </a:xfrm>
           <a:prstGeom prst="rect">
             <a:avLst/>
@@ -10808,8 +10808,8 @@
         </p:nvSpPr>
         <p:spPr>
           <a:xfrm>
-            <a:off x="6422674" y="16551599"/>
-            <a:ext cx="1364400" cy="7072800"/>
+            <a:off x="6422674" y="23645141"/>
+            <a:ext cx="1364400" cy="10104000"/>
           </a:xfrm>
           <a:prstGeom prst="rect">
             <a:avLst/>
@@ -11072,8 +11072,8 @@
         </p:nvSpPr>
         <p:spPr>
           <a:xfrm>
-            <a:off x="6430535" y="9473867"/>
-            <a:ext cx="1330800" cy="5763600"/>
+            <a:off x="6430535" y="13534095"/>
+            <a:ext cx="1330800" cy="8233500"/>
           </a:xfrm>
           <a:prstGeom prst="rect">
             <a:avLst/>
@@ -11342,8 +11342,8 @@
         </p:nvSpPr>
         <p:spPr>
           <a:xfrm>
-            <a:off x="4675636" y="16551599"/>
-            <a:ext cx="1364400" cy="7072800"/>
+            <a:off x="4675636" y="23645141"/>
+            <a:ext cx="1364400" cy="10104000"/>
           </a:xfrm>
           <a:prstGeom prst="rect">
             <a:avLst/>
@@ -11606,8 +11606,8 @@
         </p:nvSpPr>
         <p:spPr>
           <a:xfrm>
-            <a:off x="4688688" y="9473867"/>
-            <a:ext cx="1330800" cy="5763600"/>
+            <a:off x="4688688" y="13534095"/>
+            <a:ext cx="1330800" cy="8233500"/>
           </a:xfrm>
           <a:prstGeom prst="rect">
             <a:avLst/>
@@ -11876,8 +11876,8 @@
         </p:nvSpPr>
         <p:spPr>
           <a:xfrm>
-            <a:off x="2882854" y="16551599"/>
-            <a:ext cx="1364400" cy="7072800"/>
+            <a:off x="2882854" y="23645141"/>
+            <a:ext cx="1364400" cy="10104000"/>
           </a:xfrm>
           <a:prstGeom prst="rect">
             <a:avLst/>
@@ -12140,8 +12140,8 @@
         </p:nvSpPr>
         <p:spPr>
           <a:xfrm>
-            <a:off x="2901102" y="9473867"/>
-            <a:ext cx="1330800" cy="5763600"/>
+            <a:off x="2901102" y="13534095"/>
+            <a:ext cx="1330800" cy="8233500"/>
           </a:xfrm>
           <a:prstGeom prst="rect">
             <a:avLst/>
@@ -12410,8 +12410,8 @@
         </p:nvSpPr>
         <p:spPr>
           <a:xfrm>
-            <a:off x="1064444" y="16551599"/>
-            <a:ext cx="1364400" cy="7072800"/>
+            <a:off x="1064444" y="23645141"/>
+            <a:ext cx="1364400" cy="10104000"/>
           </a:xfrm>
           <a:prstGeom prst="rect">
             <a:avLst/>
@@ -12674,8 +12674,8 @@
         </p:nvSpPr>
         <p:spPr>
           <a:xfrm>
-            <a:off x="1098271" y="9473867"/>
-            <a:ext cx="1330800" cy="5763600"/>
+            <a:off x="1098271" y="13534095"/>
+            <a:ext cx="1330800" cy="8233500"/>
           </a:xfrm>
           <a:prstGeom prst="rect">
             <a:avLst/>
@@ -12944,8 +12944,8 @@
         </p:nvSpPr>
         <p:spPr>
           <a:xfrm>
-            <a:off x="555745" y="3988711"/>
-            <a:ext cx="7241700" cy="3105300"/>
+            <a:off x="555745" y="5698159"/>
+            <a:ext cx="7241700" cy="4435800"/>
           </a:xfrm>
           <a:prstGeom prst="rect">
             <a:avLst/>
@@ -13088,8 +13088,8 @@
         </p:nvSpPr>
         <p:spPr>
           <a:xfrm>
-            <a:off x="11318" y="24334877"/>
-            <a:ext cx="945000" cy="1299300"/>
+            <a:off x="11318" y="34764109"/>
+            <a:ext cx="945000" cy="1855800"/>
           </a:xfrm>
           <a:prstGeom prst="rect">
             <a:avLst/>
@@ -13223,8 +13223,8 @@
         </p:nvGrpSpPr>
         <p:grpSpPr>
           <a:xfrm>
-            <a:off x="7215133" y="359246"/>
-            <a:ext cx="1928879" cy="2292145"/>
+            <a:off x="7215133" y="513219"/>
+            <a:ext cx="1928879" cy="3274564"/>
             <a:chOff x="9620161" y="96218"/>
             <a:chExt cx="2571839" cy="613973"/>
           </a:xfrm>
@@ -13372,8 +13372,8 @@
         </p:nvSpPr>
         <p:spPr>
           <a:xfrm>
-            <a:off x="3359437" y="826411"/>
-            <a:ext cx="3733200" cy="1590300"/>
+            <a:off x="3359437" y="1180587"/>
+            <a:ext cx="3733200" cy="2272200"/>
           </a:xfrm>
           <a:prstGeom prst="rect">
             <a:avLst/>
@@ -13507,8 +13507,8 @@
         </p:nvSpPr>
         <p:spPr>
           <a:xfrm>
-            <a:off x="-22860" y="640576"/>
-            <a:ext cx="335400" cy="1363200"/>
+            <a:off x="-22860" y="915109"/>
+            <a:ext cx="335400" cy="1947900"/>
           </a:xfrm>
           <a:prstGeom prst="rect">
             <a:avLst/>
@@ -13568,7 +13568,7 @@
         <p:spPr>
           <a:xfrm>
             <a:off x="347871" y="0"/>
-            <a:ext cx="2852400" cy="25603200"/>
+            <a:ext cx="2852400" cy="36576000"/>
           </a:xfrm>
           <a:prstGeom prst="rect">
             <a:avLst/>
@@ -13591,8 +13591,8 @@
         </p:nvSpPr>
         <p:spPr>
           <a:xfrm>
-            <a:off x="6182140" y="18355356"/>
-            <a:ext cx="2186700" cy="1491600"/>
+            <a:off x="6182140" y="26221937"/>
+            <a:ext cx="2186700" cy="2130900"/>
           </a:xfrm>
           <a:prstGeom prst="rect">
             <a:avLst/>
@@ -13855,8 +13855,8 @@
         </p:nvSpPr>
         <p:spPr>
           <a:xfrm>
-            <a:off x="6182140" y="20103884"/>
-            <a:ext cx="2186700" cy="4039800"/>
+            <a:off x="6182140" y="28719834"/>
+            <a:ext cx="2186700" cy="5771400"/>
           </a:xfrm>
           <a:prstGeom prst="rect">
             <a:avLst/>
@@ -14119,8 +14119,8 @@
         </p:nvSpPr>
         <p:spPr>
           <a:xfrm>
-            <a:off x="3677482" y="20103884"/>
-            <a:ext cx="2186700" cy="4039800"/>
+            <a:off x="3677482" y="28719834"/>
+            <a:ext cx="2186700" cy="5771400"/>
           </a:xfrm>
           <a:prstGeom prst="rect">
             <a:avLst/>
@@ -14383,8 +14383,8 @@
         </p:nvSpPr>
         <p:spPr>
           <a:xfrm>
-            <a:off x="3677482" y="18355356"/>
-            <a:ext cx="2186700" cy="1491600"/>
+            <a:off x="3677482" y="26221937"/>
+            <a:ext cx="2186700" cy="2130900"/>
           </a:xfrm>
           <a:prstGeom prst="rect">
             <a:avLst/>
@@ -14647,8 +14647,8 @@
         </p:nvSpPr>
         <p:spPr>
           <a:xfrm>
-            <a:off x="6182140" y="12930036"/>
-            <a:ext cx="2186700" cy="4039800"/>
+            <a:off x="6182140" y="18471481"/>
+            <a:ext cx="2186700" cy="5771400"/>
           </a:xfrm>
           <a:prstGeom prst="rect">
             <a:avLst/>
@@ -14911,8 +14911,8 @@
         </p:nvSpPr>
         <p:spPr>
           <a:xfrm>
-            <a:off x="6182140" y="11181520"/>
-            <a:ext cx="2186700" cy="1491600"/>
+            <a:off x="6182140" y="15973600"/>
+            <a:ext cx="2186700" cy="2130900"/>
           </a:xfrm>
           <a:prstGeom prst="rect">
             <a:avLst/>
@@ -15175,8 +15175,8 @@
         </p:nvSpPr>
         <p:spPr>
           <a:xfrm>
-            <a:off x="3677482" y="12930036"/>
-            <a:ext cx="2186700" cy="4039800"/>
+            <a:off x="3677482" y="18471481"/>
+            <a:ext cx="2186700" cy="5771400"/>
           </a:xfrm>
           <a:prstGeom prst="rect">
             <a:avLst/>
@@ -15439,8 +15439,8 @@
         </p:nvSpPr>
         <p:spPr>
           <a:xfrm>
-            <a:off x="3677482" y="11181520"/>
-            <a:ext cx="2186700" cy="1491600"/>
+            <a:off x="3677482" y="15973600"/>
+            <a:ext cx="2186700" cy="2130900"/>
           </a:xfrm>
           <a:prstGeom prst="rect">
             <a:avLst/>
@@ -15703,8 +15703,8 @@
         </p:nvSpPr>
         <p:spPr>
           <a:xfrm>
-            <a:off x="3359438" y="8098824"/>
-            <a:ext cx="5005200" cy="1620300"/>
+            <a:off x="3359438" y="11569749"/>
+            <a:ext cx="5005200" cy="2315100"/>
           </a:xfrm>
           <a:prstGeom prst="rect">
             <a:avLst/>
@@ -15967,8 +15967,8 @@
         </p:nvSpPr>
         <p:spPr>
           <a:xfrm>
-            <a:off x="3359438" y="4517694"/>
-            <a:ext cx="5005200" cy="3105300"/>
+            <a:off x="3359438" y="6453848"/>
+            <a:ext cx="5005200" cy="4435800"/>
           </a:xfrm>
           <a:prstGeom prst="rect">
             <a:avLst/>
@@ -16111,8 +16111,8 @@
         </p:nvSpPr>
         <p:spPr>
           <a:xfrm>
-            <a:off x="3359426" y="24334877"/>
-            <a:ext cx="945000" cy="1299300"/>
+            <a:off x="3359426" y="34764109"/>
+            <a:ext cx="945000" cy="1855800"/>
           </a:xfrm>
           <a:prstGeom prst="rect">
             <a:avLst/>
@@ -16246,8 +16246,8 @@
         </p:nvSpPr>
         <p:spPr>
           <a:xfrm>
-            <a:off x="347871" y="23436001"/>
-            <a:ext cx="2852400" cy="2198100"/>
+            <a:off x="347871" y="33480001"/>
+            <a:ext cx="2852400" cy="3139800"/>
           </a:xfrm>
           <a:prstGeom prst="rect">
             <a:avLst/>
@@ -16308,8 +16308,8 @@
         </p:nvGrpSpPr>
         <p:grpSpPr>
           <a:xfrm>
-            <a:off x="7215133" y="359246"/>
-            <a:ext cx="1928879" cy="2292145"/>
+            <a:off x="7215133" y="513219"/>
+            <a:ext cx="1928879" cy="3274564"/>
             <a:chOff x="9620161" y="96218"/>
             <a:chExt cx="2571839" cy="613973"/>
           </a:xfrm>
@@ -16462,7 +16462,7 @@
         </p:blipFill>
         <p:spPr>
           <a:xfrm flipH="1">
-            <a:off x="5770767" y="14304534"/>
+            <a:off x="5770767" y="20435048"/>
             <a:ext cx="3379126" cy="2193561"/>
           </a:xfrm>
           <a:prstGeom prst="rect">
@@ -16484,8 +16484,8 @@
         </p:nvSpPr>
         <p:spPr>
           <a:xfrm>
-            <a:off x="554498" y="826445"/>
-            <a:ext cx="6108000" cy="1299300"/>
+            <a:off x="554498" y="1180636"/>
+            <a:ext cx="6108000" cy="1855800"/>
           </a:xfrm>
           <a:prstGeom prst="rect">
             <a:avLst/>
@@ -16619,8 +16619,8 @@
         </p:nvSpPr>
         <p:spPr>
           <a:xfrm>
-            <a:off x="-22860" y="640576"/>
-            <a:ext cx="335400" cy="1363200"/>
+            <a:off x="-22860" y="915109"/>
+            <a:ext cx="335400" cy="1947900"/>
           </a:xfrm>
           <a:prstGeom prst="rect">
             <a:avLst/>
@@ -16679,8 +16679,8 @@
         </p:nvSpPr>
         <p:spPr>
           <a:xfrm>
-            <a:off x="4572001" y="3413772"/>
-            <a:ext cx="3807900" cy="17195100"/>
+            <a:off x="4572001" y="4876817"/>
+            <a:ext cx="3807900" cy="24564300"/>
           </a:xfrm>
           <a:prstGeom prst="rect">
             <a:avLst/>
@@ -16945,8 +16945,8 @@
         </p:nvSpPr>
         <p:spPr>
           <a:xfrm>
-            <a:off x="554488" y="15042049"/>
-            <a:ext cx="3721200" cy="9052200"/>
+            <a:off x="554488" y="21488641"/>
+            <a:ext cx="3721200" cy="12931500"/>
           </a:xfrm>
           <a:prstGeom prst="rect">
             <a:avLst/>
@@ -17209,8 +17209,8 @@
         </p:nvSpPr>
         <p:spPr>
           <a:xfrm>
-            <a:off x="554488" y="11727240"/>
-            <a:ext cx="3721200" cy="3016200"/>
+            <a:off x="554488" y="16753200"/>
+            <a:ext cx="3721200" cy="4308600"/>
           </a:xfrm>
           <a:prstGeom prst="rect">
             <a:avLst/>
@@ -17473,8 +17473,8 @@
         </p:nvSpPr>
         <p:spPr>
           <a:xfrm>
-            <a:off x="557650" y="4353788"/>
-            <a:ext cx="3718800" cy="7074600"/>
+            <a:off x="557650" y="6219697"/>
+            <a:ext cx="3718800" cy="10106400"/>
           </a:xfrm>
           <a:prstGeom prst="rect">
             <a:avLst/>
@@ -17617,8 +17617,8 @@
         </p:nvSpPr>
         <p:spPr>
           <a:xfrm>
-            <a:off x="11318" y="24334877"/>
-            <a:ext cx="945000" cy="1299300"/>
+            <a:off x="11318" y="34764109"/>
+            <a:ext cx="945000" cy="1855800"/>
           </a:xfrm>
           <a:prstGeom prst="rect">
             <a:avLst/>
@@ -17752,8 +17752,8 @@
         </p:nvSpPr>
         <p:spPr>
           <a:xfrm>
-            <a:off x="0" y="25223629"/>
-            <a:ext cx="9144000" cy="450600"/>
+            <a:off x="0" y="36033756"/>
+            <a:ext cx="9144000" cy="643500"/>
           </a:xfrm>
           <a:prstGeom prst="rect">
             <a:avLst/>
@@ -17814,8 +17814,8 @@
         </p:nvGrpSpPr>
         <p:grpSpPr>
           <a:xfrm>
-            <a:off x="7215133" y="359246"/>
-            <a:ext cx="1928879" cy="2292145"/>
+            <a:off x="7215133" y="513219"/>
+            <a:ext cx="1928879" cy="3274564"/>
             <a:chOff x="9620161" y="96218"/>
             <a:chExt cx="2571839" cy="613973"/>
           </a:xfrm>
@@ -17963,8 +17963,8 @@
         </p:nvSpPr>
         <p:spPr>
           <a:xfrm>
-            <a:off x="554498" y="826445"/>
-            <a:ext cx="6108000" cy="1299300"/>
+            <a:off x="554498" y="1180636"/>
+            <a:ext cx="6108000" cy="1855800"/>
           </a:xfrm>
           <a:prstGeom prst="rect">
             <a:avLst/>
@@ -18098,8 +18098,8 @@
         </p:nvSpPr>
         <p:spPr>
           <a:xfrm>
-            <a:off x="-22860" y="640576"/>
-            <a:ext cx="335400" cy="1363200"/>
+            <a:off x="-22860" y="915109"/>
+            <a:ext cx="335400" cy="1947900"/>
           </a:xfrm>
           <a:prstGeom prst="rect">
             <a:avLst/>
@@ -18158,8 +18158,8 @@
         </p:nvSpPr>
         <p:spPr>
           <a:xfrm>
-            <a:off x="259281" y="3413793"/>
-            <a:ext cx="4461900" cy="20779200"/>
+            <a:off x="259281" y="4876848"/>
+            <a:ext cx="4461900" cy="29684100"/>
           </a:xfrm>
           <a:prstGeom prst="rect">
             <a:avLst/>
@@ -18424,8 +18424,8 @@
         </p:nvSpPr>
         <p:spPr>
           <a:xfrm>
-            <a:off x="4907827" y="15042049"/>
-            <a:ext cx="3721200" cy="9052200"/>
+            <a:off x="4907827" y="21488641"/>
+            <a:ext cx="3721200" cy="12931500"/>
           </a:xfrm>
           <a:prstGeom prst="rect">
             <a:avLst/>
@@ -18688,8 +18688,8 @@
         </p:nvSpPr>
         <p:spPr>
           <a:xfrm>
-            <a:off x="4907827" y="11727240"/>
-            <a:ext cx="3721200" cy="3016200"/>
+            <a:off x="4907827" y="16753200"/>
+            <a:ext cx="3721200" cy="4308600"/>
           </a:xfrm>
           <a:prstGeom prst="rect">
             <a:avLst/>
@@ -18952,8 +18952,8 @@
         </p:nvSpPr>
         <p:spPr>
           <a:xfrm>
-            <a:off x="4910989" y="4353788"/>
-            <a:ext cx="3718800" cy="7074600"/>
+            <a:off x="4910989" y="6219697"/>
+            <a:ext cx="3718800" cy="10106400"/>
           </a:xfrm>
           <a:prstGeom prst="rect">
             <a:avLst/>
@@ -19096,8 +19096,8 @@
         </p:nvSpPr>
         <p:spPr>
           <a:xfrm>
-            <a:off x="11318" y="24334877"/>
-            <a:ext cx="945000" cy="1299300"/>
+            <a:off x="11318" y="34764109"/>
+            <a:ext cx="945000" cy="1855800"/>
           </a:xfrm>
           <a:prstGeom prst="rect">
             <a:avLst/>
@@ -19231,8 +19231,8 @@
         </p:nvSpPr>
         <p:spPr>
           <a:xfrm>
-            <a:off x="0" y="25223629"/>
-            <a:ext cx="9144000" cy="450600"/>
+            <a:off x="0" y="36033756"/>
+            <a:ext cx="9144000" cy="643500"/>
           </a:xfrm>
           <a:prstGeom prst="rect">
             <a:avLst/>
@@ -19293,8 +19293,8 @@
         </p:nvGrpSpPr>
         <p:grpSpPr>
           <a:xfrm>
-            <a:off x="7215133" y="359246"/>
-            <a:ext cx="1928879" cy="2292145"/>
+            <a:off x="7215133" y="513219"/>
+            <a:ext cx="1928879" cy="3274564"/>
             <a:chOff x="9620161" y="96218"/>
             <a:chExt cx="2571839" cy="613973"/>
           </a:xfrm>
@@ -19442,8 +19442,8 @@
         </p:nvSpPr>
         <p:spPr>
           <a:xfrm>
-            <a:off x="554498" y="826445"/>
-            <a:ext cx="6108000" cy="1299300"/>
+            <a:off x="554498" y="1180636"/>
+            <a:ext cx="6108000" cy="1855800"/>
           </a:xfrm>
           <a:prstGeom prst="rect">
             <a:avLst/>
@@ -19577,8 +19577,8 @@
         </p:nvSpPr>
         <p:spPr>
           <a:xfrm>
-            <a:off x="-22860" y="640576"/>
-            <a:ext cx="335400" cy="1363200"/>
+            <a:off x="-22860" y="915109"/>
+            <a:ext cx="335400" cy="1947900"/>
           </a:xfrm>
           <a:prstGeom prst="rect">
             <a:avLst/>
@@ -19637,8 +19637,8 @@
         </p:nvSpPr>
         <p:spPr>
           <a:xfrm>
-            <a:off x="552583" y="6530681"/>
-            <a:ext cx="7945500" cy="17662500"/>
+            <a:off x="552583" y="9329544"/>
+            <a:ext cx="7945500" cy="25231800"/>
           </a:xfrm>
           <a:prstGeom prst="rect">
             <a:avLst/>
@@ -19901,8 +19901,8 @@
         </p:nvSpPr>
         <p:spPr>
           <a:xfrm>
-            <a:off x="555755" y="2224669"/>
-            <a:ext cx="6531000" cy="3105300"/>
+            <a:off x="555755" y="3178098"/>
+            <a:ext cx="6531000" cy="4435800"/>
           </a:xfrm>
           <a:prstGeom prst="rect">
             <a:avLst/>
@@ -20045,8 +20045,8 @@
         </p:nvSpPr>
         <p:spPr>
           <a:xfrm>
-            <a:off x="11318" y="24334877"/>
-            <a:ext cx="945000" cy="1299300"/>
+            <a:off x="11318" y="34764109"/>
+            <a:ext cx="945000" cy="1855800"/>
           </a:xfrm>
           <a:prstGeom prst="rect">
             <a:avLst/>
@@ -20180,8 +20180,8 @@
         </p:nvGrpSpPr>
         <p:grpSpPr>
           <a:xfrm>
-            <a:off x="7215133" y="359246"/>
-            <a:ext cx="1928879" cy="2292145"/>
+            <a:off x="7215133" y="513219"/>
+            <a:ext cx="1928879" cy="3274564"/>
             <a:chOff x="9620161" y="96218"/>
             <a:chExt cx="2571839" cy="613973"/>
           </a:xfrm>
@@ -20329,8 +20329,8 @@
         </p:nvSpPr>
         <p:spPr>
           <a:xfrm>
-            <a:off x="554498" y="826445"/>
-            <a:ext cx="6108000" cy="1299300"/>
+            <a:off x="554498" y="1180636"/>
+            <a:ext cx="6108000" cy="1855800"/>
           </a:xfrm>
           <a:prstGeom prst="rect">
             <a:avLst/>
@@ -20464,8 +20464,8 @@
         </p:nvSpPr>
         <p:spPr>
           <a:xfrm>
-            <a:off x="-22860" y="640576"/>
-            <a:ext cx="335400" cy="1363200"/>
+            <a:off x="-22860" y="915109"/>
+            <a:ext cx="335400" cy="1947900"/>
           </a:xfrm>
           <a:prstGeom prst="rect">
             <a:avLst/>
@@ -20524,8 +20524,8 @@
         </p:nvSpPr>
         <p:spPr>
           <a:xfrm>
-            <a:off x="4657455" y="9697092"/>
-            <a:ext cx="3810600" cy="14496000"/>
+            <a:off x="4657455" y="13852988"/>
+            <a:ext cx="3810600" cy="20708100"/>
           </a:xfrm>
           <a:prstGeom prst="rect">
             <a:avLst/>
@@ -20788,8 +20788,8 @@
         </p:nvSpPr>
         <p:spPr>
           <a:xfrm>
-            <a:off x="4657455" y="6913517"/>
-            <a:ext cx="3810600" cy="2275800"/>
+            <a:off x="4657455" y="9876453"/>
+            <a:ext cx="3810600" cy="3251400"/>
           </a:xfrm>
           <a:prstGeom prst="rect">
             <a:avLst/>
@@ -21054,8 +21054,8 @@
         </p:nvSpPr>
         <p:spPr>
           <a:xfrm>
-            <a:off x="552595" y="9697092"/>
-            <a:ext cx="3810600" cy="14496000"/>
+            <a:off x="552595" y="13852988"/>
+            <a:ext cx="3810600" cy="20708100"/>
           </a:xfrm>
           <a:prstGeom prst="rect">
             <a:avLst/>
@@ -21318,8 +21318,8 @@
         </p:nvSpPr>
         <p:spPr>
           <a:xfrm>
-            <a:off x="552595" y="6913517"/>
-            <a:ext cx="3810600" cy="2275800"/>
+            <a:off x="552595" y="9876453"/>
+            <a:ext cx="3810600" cy="3251400"/>
           </a:xfrm>
           <a:prstGeom prst="rect">
             <a:avLst/>
@@ -21584,8 +21584,8 @@
         </p:nvSpPr>
         <p:spPr>
           <a:xfrm>
-            <a:off x="555745" y="2224669"/>
-            <a:ext cx="6502200" cy="3105300"/>
+            <a:off x="555745" y="3178098"/>
+            <a:ext cx="6502200" cy="4435800"/>
           </a:xfrm>
           <a:prstGeom prst="rect">
             <a:avLst/>
@@ -21728,8 +21728,8 @@
         </p:nvSpPr>
         <p:spPr>
           <a:xfrm>
-            <a:off x="11318" y="24334877"/>
-            <a:ext cx="945000" cy="1299300"/>
+            <a:off x="11318" y="34764109"/>
+            <a:ext cx="945000" cy="1855800"/>
           </a:xfrm>
           <a:prstGeom prst="rect">
             <a:avLst/>
@@ -21863,8 +21863,8 @@
         </p:nvGrpSpPr>
         <p:grpSpPr>
           <a:xfrm>
-            <a:off x="7215133" y="359246"/>
-            <a:ext cx="1928879" cy="2292145"/>
+            <a:off x="7215133" y="513219"/>
+            <a:ext cx="1928879" cy="3274564"/>
             <a:chOff x="9620161" y="96218"/>
             <a:chExt cx="2571839" cy="613973"/>
           </a:xfrm>
@@ -22012,8 +22012,8 @@
         </p:nvSpPr>
         <p:spPr>
           <a:xfrm>
-            <a:off x="554498" y="826445"/>
-            <a:ext cx="6108000" cy="1299300"/>
+            <a:off x="554498" y="1180636"/>
+            <a:ext cx="6108000" cy="1855800"/>
           </a:xfrm>
           <a:prstGeom prst="rect">
             <a:avLst/>
@@ -22147,8 +22147,8 @@
         </p:nvSpPr>
         <p:spPr>
           <a:xfrm>
-            <a:off x="-22860" y="640576"/>
-            <a:ext cx="335400" cy="1363200"/>
+            <a:off x="-22860" y="915109"/>
+            <a:ext cx="335400" cy="1947900"/>
           </a:xfrm>
           <a:prstGeom prst="rect">
             <a:avLst/>
@@ -22207,8 +22207,8 @@
         </p:nvSpPr>
         <p:spPr>
           <a:xfrm>
-            <a:off x="5615610" y="6440422"/>
-            <a:ext cx="2685000" cy="16389000"/>
+            <a:off x="5615610" y="9200604"/>
+            <a:ext cx="2685000" cy="23412600"/>
           </a:xfrm>
           <a:prstGeom prst="rect">
             <a:avLst/>
@@ -22473,8 +22473,8 @@
         </p:nvSpPr>
         <p:spPr>
           <a:xfrm>
-            <a:off x="593981" y="17905396"/>
-            <a:ext cx="4452300" cy="4923900"/>
+            <a:off x="593981" y="25579137"/>
+            <a:ext cx="4452300" cy="7033800"/>
           </a:xfrm>
           <a:prstGeom prst="rect">
             <a:avLst/>
@@ -22737,8 +22737,8 @@
         </p:nvSpPr>
         <p:spPr>
           <a:xfrm>
-            <a:off x="593981" y="14120214"/>
-            <a:ext cx="4452300" cy="3155100"/>
+            <a:off x="593981" y="20171735"/>
+            <a:ext cx="4452300" cy="4507200"/>
           </a:xfrm>
           <a:prstGeom prst="rect">
             <a:avLst/>
@@ -23001,8 +23001,8 @@
         </p:nvSpPr>
         <p:spPr>
           <a:xfrm>
-            <a:off x="593981" y="6440418"/>
-            <a:ext cx="4452300" cy="1868400"/>
+            <a:off x="593981" y="9200596"/>
+            <a:ext cx="4452300" cy="2669100"/>
           </a:xfrm>
           <a:prstGeom prst="rect">
             <a:avLst/>
@@ -23265,8 +23265,8 @@
         </p:nvSpPr>
         <p:spPr>
           <a:xfrm>
-            <a:off x="593981" y="9194704"/>
-            <a:ext cx="4452300" cy="4586700"/>
+            <a:off x="593981" y="13135291"/>
+            <a:ext cx="4452300" cy="6552300"/>
           </a:xfrm>
           <a:prstGeom prst="rect">
             <a:avLst/>
@@ -23409,8 +23409,8 @@
         </p:nvSpPr>
         <p:spPr>
           <a:xfrm>
-            <a:off x="11318" y="24334877"/>
-            <a:ext cx="945000" cy="1299300"/>
+            <a:off x="11318" y="34764109"/>
+            <a:ext cx="945000" cy="1855800"/>
           </a:xfrm>
           <a:prstGeom prst="rect">
             <a:avLst/>
@@ -23544,8 +23544,8 @@
         </p:nvGrpSpPr>
         <p:grpSpPr>
           <a:xfrm>
-            <a:off x="7215133" y="359246"/>
-            <a:ext cx="1928879" cy="2292145"/>
+            <a:off x="7215133" y="513219"/>
+            <a:ext cx="1928879" cy="3274564"/>
             <a:chOff x="9620161" y="96218"/>
             <a:chExt cx="2571839" cy="613973"/>
           </a:xfrm>
@@ -23693,8 +23693,8 @@
         </p:nvSpPr>
         <p:spPr>
           <a:xfrm>
-            <a:off x="11318" y="24334877"/>
-            <a:ext cx="945000" cy="1299300"/>
+            <a:off x="11318" y="34764109"/>
+            <a:ext cx="945000" cy="1855800"/>
           </a:xfrm>
           <a:prstGeom prst="rect">
             <a:avLst/>
@@ -23830,8 +23830,8 @@
         </p:nvSpPr>
         <p:spPr>
           <a:xfrm>
-            <a:off x="554498" y="826445"/>
-            <a:ext cx="6108000" cy="1299300"/>
+            <a:off x="554498" y="1180636"/>
+            <a:ext cx="6108000" cy="1855800"/>
           </a:xfrm>
           <a:prstGeom prst="rect">
             <a:avLst/>
@@ -23965,8 +23965,8 @@
         </p:nvSpPr>
         <p:spPr>
           <a:xfrm>
-            <a:off x="-22860" y="640576"/>
-            <a:ext cx="335400" cy="1363200"/>
+            <a:off x="-22860" y="915109"/>
+            <a:ext cx="335400" cy="1947900"/>
           </a:xfrm>
           <a:prstGeom prst="rect">
             <a:avLst/>
@@ -24025,8 +24025,8 @@
         </p:nvSpPr>
         <p:spPr>
           <a:xfrm>
-            <a:off x="5615610" y="6440422"/>
-            <a:ext cx="2685000" cy="16389000"/>
+            <a:off x="5615610" y="9200604"/>
+            <a:ext cx="2685000" cy="23412600"/>
           </a:xfrm>
           <a:prstGeom prst="rect">
             <a:avLst/>
@@ -24291,8 +24291,8 @@
         </p:nvSpPr>
         <p:spPr>
           <a:xfrm>
-            <a:off x="593981" y="17905396"/>
-            <a:ext cx="4452300" cy="4923900"/>
+            <a:off x="593981" y="25579137"/>
+            <a:ext cx="4452300" cy="7033800"/>
           </a:xfrm>
           <a:prstGeom prst="rect">
             <a:avLst/>
@@ -24555,8 +24555,8 @@
         </p:nvSpPr>
         <p:spPr>
           <a:xfrm>
-            <a:off x="593981" y="6440418"/>
-            <a:ext cx="4452300" cy="1868400"/>
+            <a:off x="593981" y="9200596"/>
+            <a:ext cx="4452300" cy="2669100"/>
           </a:xfrm>
           <a:prstGeom prst="rect">
             <a:avLst/>
@@ -24819,8 +24819,8 @@
         </p:nvSpPr>
         <p:spPr>
           <a:xfrm>
-            <a:off x="593981" y="14120214"/>
-            <a:ext cx="4452300" cy="3155100"/>
+            <a:off x="593981" y="20171735"/>
+            <a:ext cx="4452300" cy="4507200"/>
           </a:xfrm>
           <a:prstGeom prst="rect">
             <a:avLst/>
@@ -25083,8 +25083,8 @@
         </p:nvSpPr>
         <p:spPr>
           <a:xfrm>
-            <a:off x="593981" y="9194704"/>
-            <a:ext cx="4452300" cy="4586700"/>
+            <a:off x="593981" y="13135291"/>
+            <a:ext cx="4452300" cy="6552300"/>
           </a:xfrm>
           <a:prstGeom prst="rect">
             <a:avLst/>
@@ -25225,8 +25225,8 @@
         </p:nvGrpSpPr>
         <p:grpSpPr>
           <a:xfrm>
-            <a:off x="7215133" y="359246"/>
-            <a:ext cx="1928879" cy="2292145"/>
+            <a:off x="7215133" y="513219"/>
+            <a:ext cx="1928879" cy="3274564"/>
             <a:chOff x="9620161" y="96218"/>
             <a:chExt cx="2571839" cy="613973"/>
           </a:xfrm>
@@ -25372,8 +25372,8 @@
         </p:nvSpPr>
         <p:spPr>
           <a:xfrm>
-            <a:off x="8728518" y="15"/>
-            <a:ext cx="410100" cy="3420600"/>
+            <a:off x="8728518" y="21"/>
+            <a:ext cx="410100" cy="4886400"/>
           </a:xfrm>
           <a:prstGeom prst="homePlate">
             <a:avLst>
@@ -25425,8 +25425,8 @@
         </p:nvSpPr>
         <p:spPr>
           <a:xfrm>
-            <a:off x="18" y="15"/>
-            <a:ext cx="9096900" cy="3420600"/>
+            <a:off x="18" y="21"/>
+            <a:ext cx="9096900" cy="4886400"/>
           </a:xfrm>
           <a:prstGeom prst="homePlate">
             <a:avLst>
@@ -25478,7 +25478,7 @@
         </p:nvCxnSpPr>
         <p:spPr>
           <a:xfrm>
-            <a:off x="17" y="3471108"/>
+            <a:off x="17" y="4958726"/>
             <a:ext cx="9138600" cy="0"/>
           </a:xfrm>
           <a:prstGeom prst="straightConnector1">
@@ -25507,7 +25507,7 @@
         <p:spPr>
           <a:xfrm>
             <a:off x="0" y="0"/>
-            <a:ext cx="3000000" cy="2947500"/>
+            <a:ext cx="3000000" cy="4211100"/>
           </a:xfrm>
           <a:prstGeom prst="rect">
             <a:avLst/>
@@ -25650,8 +25650,8 @@
         </p:nvSpPr>
         <p:spPr>
           <a:xfrm>
-            <a:off x="381000" y="4836172"/>
-            <a:ext cx="4038600" cy="18163200"/>
+            <a:off x="381000" y="6908817"/>
+            <a:ext cx="4038600" cy="25947900"/>
           </a:xfrm>
           <a:prstGeom prst="rect">
             <a:avLst/>
@@ -25914,8 +25914,8 @@
         </p:nvSpPr>
         <p:spPr>
           <a:xfrm>
-            <a:off x="4724400" y="4836172"/>
-            <a:ext cx="4038600" cy="18163200"/>
+            <a:off x="4724400" y="6908817"/>
+            <a:ext cx="4038600" cy="25947900"/>
           </a:xfrm>
           <a:prstGeom prst="rect">
             <a:avLst/>
@@ -26178,8 +26178,8 @@
         </p:nvSpPr>
         <p:spPr>
           <a:xfrm>
-            <a:off x="554498" y="974850"/>
-            <a:ext cx="6108000" cy="1299300"/>
+            <a:off x="554498" y="1392643"/>
+            <a:ext cx="6108000" cy="1855800"/>
           </a:xfrm>
           <a:prstGeom prst="rect">
             <a:avLst/>
@@ -26308,7 +26308,7 @@
         <p:spPr>
           <a:xfrm>
             <a:off x="0" y="0"/>
-            <a:ext cx="3000000" cy="2947500"/>
+            <a:ext cx="3000000" cy="4211100"/>
           </a:xfrm>
           <a:prstGeom prst="rect">
             <a:avLst/>
@@ -26512,8 +26512,8 @@
         </p:nvSpPr>
         <p:spPr>
           <a:xfrm>
-            <a:off x="311700" y="2215236"/>
-            <a:ext cx="8520600" cy="2850600"/>
+            <a:off x="311700" y="3164622"/>
+            <a:ext cx="8520600" cy="4072500"/>
           </a:xfrm>
           <a:prstGeom prst="rect">
             <a:avLst/>
@@ -26637,8 +26637,8 @@
         </p:nvSpPr>
         <p:spPr>
           <a:xfrm>
-            <a:off x="311700" y="5736764"/>
-            <a:ext cx="8520600" cy="17006100"/>
+            <a:off x="311700" y="8195378"/>
+            <a:ext cx="8520600" cy="24294600"/>
           </a:xfrm>
           <a:prstGeom prst="rect">
             <a:avLst/>
@@ -26762,8 +26762,8 @@
         </p:nvSpPr>
         <p:spPr>
           <a:xfrm>
-            <a:off x="8472458" y="23212457"/>
-            <a:ext cx="548700" cy="1959000"/>
+            <a:off x="8472458" y="33160653"/>
+            <a:ext cx="548700" cy="2798400"/>
           </a:xfrm>
           <a:prstGeom prst="rect">
             <a:avLst/>
@@ -26864,8 +26864,8 @@
         </p:nvSpPr>
         <p:spPr>
           <a:xfrm>
-            <a:off x="311700" y="2215236"/>
-            <a:ext cx="8520600" cy="2850600"/>
+            <a:off x="311700" y="3164622"/>
+            <a:ext cx="8520600" cy="4072500"/>
           </a:xfrm>
           <a:prstGeom prst="rect">
             <a:avLst/>
@@ -26989,8 +26989,8 @@
         </p:nvSpPr>
         <p:spPr>
           <a:xfrm>
-            <a:off x="311700" y="5736764"/>
-            <a:ext cx="3999900" cy="17006100"/>
+            <a:off x="311700" y="8195378"/>
+            <a:ext cx="3999900" cy="24294600"/>
           </a:xfrm>
           <a:prstGeom prst="rect">
             <a:avLst/>
@@ -27114,8 +27114,8 @@
         </p:nvSpPr>
         <p:spPr>
           <a:xfrm>
-            <a:off x="4832400" y="5736764"/>
-            <a:ext cx="3999900" cy="17006100"/>
+            <a:off x="4832400" y="8195378"/>
+            <a:ext cx="3999900" cy="24294600"/>
           </a:xfrm>
           <a:prstGeom prst="rect">
             <a:avLst/>
@@ -27239,8 +27239,8 @@
         </p:nvSpPr>
         <p:spPr>
           <a:xfrm>
-            <a:off x="8472458" y="23212457"/>
-            <a:ext cx="548700" cy="1959000"/>
+            <a:off x="8472458" y="33160653"/>
+            <a:ext cx="548700" cy="2798400"/>
           </a:xfrm>
           <a:prstGeom prst="rect">
             <a:avLst/>
@@ -27341,8 +27341,8 @@
         </p:nvSpPr>
         <p:spPr>
           <a:xfrm>
-            <a:off x="311700" y="2215236"/>
-            <a:ext cx="8520600" cy="2850600"/>
+            <a:off x="311700" y="3164622"/>
+            <a:ext cx="8520600" cy="4072500"/>
           </a:xfrm>
           <a:prstGeom prst="rect">
             <a:avLst/>
@@ -27466,8 +27466,8 @@
         </p:nvSpPr>
         <p:spPr>
           <a:xfrm>
-            <a:off x="8472458" y="23212457"/>
-            <a:ext cx="548700" cy="1959000"/>
+            <a:off x="8472458" y="33160653"/>
+            <a:ext cx="548700" cy="2798400"/>
           </a:xfrm>
           <a:prstGeom prst="rect">
             <a:avLst/>
@@ -27568,8 +27568,8 @@
         </p:nvSpPr>
         <p:spPr>
           <a:xfrm>
-            <a:off x="311700" y="2765653"/>
-            <a:ext cx="2808000" cy="3762000"/>
+            <a:off x="311700" y="3950933"/>
+            <a:ext cx="2808000" cy="5374500"/>
           </a:xfrm>
           <a:prstGeom prst="rect">
             <a:avLst/>
@@ -27693,8 +27693,8 @@
         </p:nvSpPr>
         <p:spPr>
           <a:xfrm>
-            <a:off x="311700" y="6917120"/>
-            <a:ext cx="2808000" cy="15826200"/>
+            <a:off x="311700" y="9881600"/>
+            <a:ext cx="2808000" cy="22608600"/>
           </a:xfrm>
           <a:prstGeom prst="rect">
             <a:avLst/>
@@ -27818,8 +27818,8 @@
         </p:nvSpPr>
         <p:spPr>
           <a:xfrm>
-            <a:off x="8472458" y="23212457"/>
-            <a:ext cx="548700" cy="1959000"/>
+            <a:off x="8472458" y="33160653"/>
+            <a:ext cx="548700" cy="2798400"/>
           </a:xfrm>
           <a:prstGeom prst="rect">
             <a:avLst/>
@@ -27920,8 +27920,8 @@
         </p:nvSpPr>
         <p:spPr>
           <a:xfrm>
-            <a:off x="490250" y="2240747"/>
-            <a:ext cx="6367800" cy="20362800"/>
+            <a:off x="490250" y="3201067"/>
+            <a:ext cx="6367800" cy="29089500"/>
           </a:xfrm>
           <a:prstGeom prst="rect">
             <a:avLst/>
@@ -28045,8 +28045,8 @@
         </p:nvSpPr>
         <p:spPr>
           <a:xfrm>
-            <a:off x="8472458" y="23212457"/>
-            <a:ext cx="548700" cy="1959000"/>
+            <a:off x="8472458" y="33160653"/>
+            <a:ext cx="548700" cy="2798400"/>
           </a:xfrm>
           <a:prstGeom prst="rect">
             <a:avLst/>
@@ -28145,8 +28145,8 @@
         </p:nvSpPr>
         <p:spPr>
           <a:xfrm>
-            <a:off x="4572000" y="-622"/>
-            <a:ext cx="4572000" cy="25603200"/>
+            <a:off x="4572000" y="-889"/>
+            <a:ext cx="4572000" cy="36576000"/>
           </a:xfrm>
           <a:prstGeom prst="rect">
             <a:avLst/>
@@ -28190,8 +28190,8 @@
         </p:nvSpPr>
         <p:spPr>
           <a:xfrm>
-            <a:off x="265500" y="6138471"/>
-            <a:ext cx="4045200" cy="7378500"/>
+            <a:off x="265500" y="8769244"/>
+            <a:ext cx="4045200" cy="10540800"/>
           </a:xfrm>
           <a:prstGeom prst="rect">
             <a:avLst/>
@@ -28315,8 +28315,8 @@
         </p:nvSpPr>
         <p:spPr>
           <a:xfrm>
-            <a:off x="265500" y="13953084"/>
-            <a:ext cx="4045200" cy="6148200"/>
+            <a:off x="265500" y="19932978"/>
+            <a:ext cx="4045200" cy="8783400"/>
           </a:xfrm>
           <a:prstGeom prst="rect">
             <a:avLst/>
@@ -28467,8 +28467,8 @@
         </p:nvSpPr>
         <p:spPr>
           <a:xfrm>
-            <a:off x="4939500" y="3604284"/>
-            <a:ext cx="3837000" cy="18393300"/>
+            <a:off x="4939500" y="5148978"/>
+            <a:ext cx="3837000" cy="26275800"/>
           </a:xfrm>
           <a:prstGeom prst="rect">
             <a:avLst/>
@@ -28592,8 +28592,8 @@
         </p:nvSpPr>
         <p:spPr>
           <a:xfrm>
-            <a:off x="8472458" y="23212457"/>
-            <a:ext cx="548700" cy="1959000"/>
+            <a:off x="8472458" y="33160653"/>
+            <a:ext cx="548700" cy="2798400"/>
           </a:xfrm>
           <a:prstGeom prst="rect">
             <a:avLst/>
@@ -28694,8 +28694,8 @@
         </p:nvSpPr>
         <p:spPr>
           <a:xfrm>
-            <a:off x="311700" y="21058862"/>
-            <a:ext cx="5998800" cy="3012000"/>
+            <a:off x="311700" y="30084089"/>
+            <a:ext cx="5998800" cy="4302900"/>
           </a:xfrm>
           <a:prstGeom prst="rect">
             <a:avLst/>
@@ -28734,8 +28734,8 @@
         </p:nvSpPr>
         <p:spPr>
           <a:xfrm>
-            <a:off x="8472458" y="23212457"/>
-            <a:ext cx="548700" cy="1959000"/>
+            <a:off x="8472458" y="33160653"/>
+            <a:ext cx="548700" cy="2798400"/>
           </a:xfrm>
           <a:prstGeom prst="rect">
             <a:avLst/>
@@ -28843,8 +28843,8 @@
         </p:nvSpPr>
         <p:spPr>
           <a:xfrm>
-            <a:off x="311700" y="2215236"/>
-            <a:ext cx="8520600" cy="2850600"/>
+            <a:off x="311700" y="3164622"/>
+            <a:ext cx="8520600" cy="4072500"/>
           </a:xfrm>
           <a:prstGeom prst="rect">
             <a:avLst/>
@@ -29035,8 +29035,8 @@
         </p:nvSpPr>
         <p:spPr>
           <a:xfrm>
-            <a:off x="311700" y="5736764"/>
-            <a:ext cx="8520600" cy="17006100"/>
+            <a:off x="311700" y="8195378"/>
+            <a:ext cx="8520600" cy="24294600"/>
           </a:xfrm>
           <a:prstGeom prst="rect">
             <a:avLst/>
@@ -29254,8 +29254,8 @@
         </p:nvSpPr>
         <p:spPr>
           <a:xfrm>
-            <a:off x="8472458" y="23212457"/>
-            <a:ext cx="548700" cy="1959000"/>
+            <a:off x="8472458" y="33160653"/>
+            <a:ext cx="548700" cy="2798400"/>
           </a:xfrm>
           <a:prstGeom prst="rect">
             <a:avLst/>
@@ -30104,8 +30104,8 @@
         </p:nvSpPr>
         <p:spPr>
           <a:xfrm>
-            <a:off x="554498" y="974850"/>
-            <a:ext cx="6108000" cy="1299300"/>
+            <a:off x="554498" y="1392643"/>
+            <a:ext cx="6108000" cy="1855800"/>
           </a:xfrm>
           <a:prstGeom prst="rect">
             <a:avLst/>
@@ -30305,8 +30305,8 @@
         </p:nvSpPr>
         <p:spPr>
           <a:xfrm>
-            <a:off x="11318" y="24334877"/>
-            <a:ext cx="945000" cy="1299300"/>
+            <a:off x="11318" y="34764109"/>
+            <a:ext cx="945000" cy="1855800"/>
           </a:xfrm>
           <a:prstGeom prst="rect">
             <a:avLst/>
@@ -31238,8 +31238,8 @@
         </p:nvSpPr>
         <p:spPr>
           <a:xfrm>
-            <a:off x="1411050" y="336108"/>
-            <a:ext cx="6321900" cy="342000"/>
+            <a:off x="1411050" y="480154"/>
+            <a:ext cx="6321900" cy="488100"/>
           </a:xfrm>
           <a:prstGeom prst="rect">
             <a:avLst/>
@@ -31300,8 +31300,8 @@
         </p:blipFill>
         <p:spPr>
           <a:xfrm>
-            <a:off x="7419539" y="362545"/>
-            <a:ext cx="1615361" cy="530995"/>
+            <a:off x="7419539" y="517921"/>
+            <a:ext cx="1615361" cy="568923"/>
           </a:xfrm>
           <a:prstGeom prst="rect">
             <a:avLst/>
@@ -31320,8 +31320,8 @@
         </p:nvSpPr>
         <p:spPr>
           <a:xfrm>
-            <a:off x="1151575" y="1217015"/>
-            <a:ext cx="7107900" cy="964800"/>
+            <a:off x="1106663" y="1738592"/>
+            <a:ext cx="7107900" cy="1378500"/>
           </a:xfrm>
           <a:prstGeom prst="rect">
             <a:avLst/>
@@ -31378,8 +31378,8 @@
         </p:nvSpPr>
         <p:spPr>
           <a:xfrm>
-            <a:off x="1151575" y="1430949"/>
-            <a:ext cx="7105500" cy="531000"/>
+            <a:off x="1106663" y="2044212"/>
+            <a:ext cx="7105500" cy="758400"/>
           </a:xfrm>
           <a:prstGeom prst="roundRect">
             <a:avLst>
@@ -31566,8 +31566,8 @@
         </p:blipFill>
         <p:spPr>
           <a:xfrm>
-            <a:off x="7580502" y="1527360"/>
-            <a:ext cx="329184" cy="430471"/>
+            <a:off x="7580502" y="2181943"/>
+            <a:ext cx="329184" cy="614961"/>
           </a:xfrm>
           <a:prstGeom prst="rect">
             <a:avLst/>
@@ -31586,8 +31586,8 @@
         </p:nvSpPr>
         <p:spPr>
           <a:xfrm>
-            <a:off x="1147850" y="2246875"/>
-            <a:ext cx="7125600" cy="1451100"/>
+            <a:off x="1102938" y="3209822"/>
+            <a:ext cx="7125600" cy="2073300"/>
           </a:xfrm>
           <a:prstGeom prst="rect">
             <a:avLst/>
@@ -31644,8 +31644,8 @@
         </p:nvSpPr>
         <p:spPr>
           <a:xfrm>
-            <a:off x="1129400" y="2720750"/>
-            <a:ext cx="7118400" cy="964800"/>
+            <a:off x="1129400" y="3886786"/>
+            <a:ext cx="7118400" cy="1378500"/>
           </a:xfrm>
           <a:prstGeom prst="roundRect">
             <a:avLst>
@@ -32066,8 +32066,8 @@
         </p:blipFill>
         <p:spPr>
           <a:xfrm>
-            <a:off x="7552872" y="2813229"/>
-            <a:ext cx="310896" cy="336804"/>
+            <a:off x="7552872" y="4018898"/>
+            <a:ext cx="310896" cy="481149"/>
           </a:xfrm>
           <a:prstGeom prst="rect">
             <a:avLst/>
@@ -32086,8 +32086,8 @@
         </p:nvSpPr>
         <p:spPr>
           <a:xfrm>
-            <a:off x="1151569" y="3763037"/>
-            <a:ext cx="7115400" cy="1279200"/>
+            <a:off x="1151569" y="5375767"/>
+            <a:ext cx="7115400" cy="1827900"/>
           </a:xfrm>
           <a:prstGeom prst="rect">
             <a:avLst/>
@@ -32144,8 +32144,8 @@
         </p:nvSpPr>
         <p:spPr>
           <a:xfrm>
-            <a:off x="1138628" y="3855465"/>
-            <a:ext cx="7118400" cy="1006200"/>
+            <a:off x="1093715" y="5507808"/>
+            <a:ext cx="7118400" cy="1437600"/>
           </a:xfrm>
           <a:prstGeom prst="roundRect">
             <a:avLst>
@@ -32391,8 +32391,8 @@
         </p:nvSpPr>
         <p:spPr>
           <a:xfrm>
-            <a:off x="1151574" y="5098209"/>
-            <a:ext cx="7120800" cy="1364100"/>
+            <a:off x="1151574" y="7283155"/>
+            <a:ext cx="7120800" cy="1948800"/>
           </a:xfrm>
           <a:prstGeom prst="rect">
             <a:avLst/>
@@ -32449,8 +32449,8 @@
         </p:nvSpPr>
         <p:spPr>
           <a:xfrm>
-            <a:off x="1160023" y="5051299"/>
-            <a:ext cx="7112400" cy="1383600"/>
+            <a:off x="1160023" y="7216142"/>
+            <a:ext cx="7112400" cy="1976100"/>
           </a:xfrm>
           <a:prstGeom prst="roundRect">
             <a:avLst>
@@ -32539,6 +32539,7 @@
                 <a:solidFill>
                   <a:schemeClr val="hlink"/>
                 </a:solidFill>
+                <a:hlinkClick r:id="rId16"/>
               </a:rPr>
               <a:t>US Core DiagnosticReport Profile for Report and Note Exchange</a:t>
             </a:r>
@@ -32709,7 +32710,7 @@
           <p:nvPr/>
         </p:nvPicPr>
         <p:blipFill rotWithShape="1">
-          <a:blip r:embed="rId16">
+          <a:blip r:embed="rId17">
             <a:alphaModFix/>
           </a:blip>
           <a:srcRect b="0" l="0" r="0" t="0"/>
@@ -32717,8 +32718,8 @@
         </p:blipFill>
         <p:spPr>
           <a:xfrm>
-            <a:off x="7587672" y="5688470"/>
-            <a:ext cx="347472" cy="384701"/>
+            <a:off x="7587672" y="8126385"/>
+            <a:ext cx="347472" cy="549573"/>
           </a:xfrm>
           <a:prstGeom prst="rect">
             <a:avLst/>
@@ -32736,7 +32737,7 @@
           <p:nvPr/>
         </p:nvPicPr>
         <p:blipFill rotWithShape="1">
-          <a:blip r:embed="rId17">
+          <a:blip r:embed="rId18">
             <a:alphaModFix/>
           </a:blip>
           <a:srcRect b="0" l="0" r="0" t="0"/>
@@ -32744,7 +32745,7 @@
         </p:blipFill>
         <p:spPr>
           <a:xfrm>
-            <a:off x="7543800" y="4266418"/>
+            <a:off x="7543800" y="6094883"/>
             <a:ext cx="365760" cy="219456"/>
           </a:xfrm>
           <a:prstGeom prst="rect">
@@ -32764,7 +32765,7 @@
         </p:nvSpPr>
         <p:spPr>
           <a:xfrm>
-            <a:off x="6069700" y="6195399"/>
+            <a:off x="6069700" y="8850570"/>
             <a:ext cx="2115600" cy="430800"/>
           </a:xfrm>
           <a:prstGeom prst="rect">
@@ -32813,15 +32814,9 @@
             <a:r>
               <a:rPr b="1" lang="en" sz="1100" u="sng">
                 <a:solidFill>
-                  <a:schemeClr val="lt1"/>
-                </a:solidFill>
-                <a:hlinkClick r:id="rId18">
-                  <a:extLst>
-                    <a:ext uri="{A12FA001-AC4F-418D-AE19-62706E023703}">
-                      <ahyp:hlinkClr val="tx"/>
-                    </a:ext>
-                  </a:extLst>
-                </a:hlinkClick>
+                  <a:schemeClr val="hlink"/>
+                </a:solidFill>
+                <a:hlinkClick r:id="rId19"/>
               </a:rPr>
               <a:t>Clinical Notes Guidance</a:t>
             </a:r>
@@ -32868,7 +32863,7 @@
         </p:nvSpPr>
         <p:spPr>
           <a:xfrm>
-            <a:off x="6069701" y="3442386"/>
+            <a:off x="6069701" y="4917694"/>
             <a:ext cx="2115600" cy="430800"/>
           </a:xfrm>
           <a:prstGeom prst="rect">
@@ -32911,7 +32906,7 @@
                 <a:solidFill>
                   <a:schemeClr val="lt1"/>
                 </a:solidFill>
-                <a:hlinkClick r:id="rId19">
+                <a:hlinkClick r:id="rId20">
                   <a:extLst>
                     <a:ext uri="{A12FA001-AC4F-418D-AE19-62706E023703}">
                       <ahyp:hlinkClr val="tx"/>
@@ -32964,8 +32959,8 @@
         </p:nvSpPr>
         <p:spPr>
           <a:xfrm>
-            <a:off x="1151575" y="6508462"/>
-            <a:ext cx="7115400" cy="832800"/>
+            <a:off x="1151575" y="9297804"/>
+            <a:ext cx="7115400" cy="1189500"/>
           </a:xfrm>
           <a:prstGeom prst="rect">
             <a:avLst/>
@@ -33022,8 +33017,8 @@
         </p:nvSpPr>
         <p:spPr>
           <a:xfrm>
-            <a:off x="1138628" y="6479433"/>
-            <a:ext cx="7115400" cy="839100"/>
+            <a:off x="1138628" y="9256333"/>
+            <a:ext cx="7115400" cy="1199100"/>
           </a:xfrm>
           <a:prstGeom prst="roundRect">
             <a:avLst>
@@ -33074,7 +33069,7 @@
                 <a:ea typeface="Arial"/>
                 <a:cs typeface="Arial"/>
                 <a:sym typeface="Arial"/>
-                <a:hlinkClick r:id="rId20"/>
+                <a:hlinkClick r:id="rId21"/>
               </a:rPr>
               <a:t>US Core Clinical Test Result Observation Profile</a:t>
             </a:r>
@@ -33108,8 +33103,9 @@
             <a:r>
               <a:rPr b="1" lang="en" sz="1050" u="sng">
                 <a:solidFill>
-                  <a:schemeClr val="lt1"/>
-                </a:solidFill>
+                  <a:schemeClr val="hlink"/>
+                </a:solidFill>
+                <a:hlinkClick r:id="rId22"/>
               </a:rPr>
               <a:t>US Core DiagnosticReport Profile for Report and Note Exchange</a:t>
             </a:r>
@@ -33187,7 +33183,7 @@
         </p:nvSpPr>
         <p:spPr>
           <a:xfrm>
-            <a:off x="6069701" y="10350186"/>
+            <a:off x="6026226" y="14726380"/>
             <a:ext cx="2115600" cy="430800"/>
           </a:xfrm>
           <a:prstGeom prst="rect">
@@ -33234,7 +33230,7 @@
                 <a:ea typeface="Arial"/>
                 <a:cs typeface="Arial"/>
                 <a:sym typeface="Arial"/>
-                <a:hlinkClick r:id="rId21"/>
+                <a:hlinkClick r:id="rId23"/>
               </a:rPr>
               <a:t>SDOH Guidance</a:t>
             </a:r>
@@ -33280,7 +33276,7 @@
           <p:nvPr/>
         </p:nvPicPr>
         <p:blipFill rotWithShape="1">
-          <a:blip r:embed="rId22">
+          <a:blip r:embed="rId24">
             <a:alphaModFix/>
           </a:blip>
           <a:srcRect b="0" l="0" r="0" t="0"/>
@@ -33288,8 +33284,8 @@
         </p:blipFill>
         <p:spPr>
           <a:xfrm>
-            <a:off x="7566595" y="6978203"/>
-            <a:ext cx="338327" cy="300736"/>
+            <a:off x="7566595" y="9968862"/>
+            <a:ext cx="338327" cy="322217"/>
           </a:xfrm>
           <a:prstGeom prst="rect">
             <a:avLst/>
@@ -33308,8 +33304,8 @@
         </p:nvSpPr>
         <p:spPr>
           <a:xfrm>
-            <a:off x="1151854" y="7385549"/>
-            <a:ext cx="7107900" cy="832800"/>
+            <a:off x="1151854" y="10550785"/>
+            <a:ext cx="7107900" cy="1189500"/>
           </a:xfrm>
           <a:prstGeom prst="rect">
             <a:avLst/>
@@ -33366,8 +33362,8 @@
         </p:nvSpPr>
         <p:spPr>
           <a:xfrm>
-            <a:off x="1151578" y="7457143"/>
-            <a:ext cx="7105500" cy="624000"/>
+            <a:off x="1151578" y="10653061"/>
+            <a:ext cx="7105500" cy="891900"/>
           </a:xfrm>
           <a:prstGeom prst="roundRect">
             <a:avLst>
@@ -33418,7 +33414,7 @@
                 <a:ea typeface="Arial"/>
                 <a:cs typeface="Arial"/>
                 <a:sym typeface="Arial"/>
-                <a:hlinkClick r:id="rId23"/>
+                <a:hlinkClick r:id="rId25"/>
               </a:rPr>
               <a:t>US Core Diagnostic Imaging Result Observation Profile</a:t>
             </a:r>
@@ -33452,8 +33448,9 @@
             <a:r>
               <a:rPr b="1" lang="en" sz="1050" u="sng">
                 <a:solidFill>
-                  <a:schemeClr val="lt1"/>
-                </a:solidFill>
+                  <a:schemeClr val="hlink"/>
+                </a:solidFill>
+                <a:hlinkClick r:id="rId26"/>
               </a:rPr>
               <a:t>US Core DiagnosticReport Profile for Report and Note Exchange</a:t>
             </a:r>
@@ -33538,8 +33535,8 @@
         </p:blipFill>
         <p:spPr>
           <a:xfrm>
-            <a:off x="7594972" y="7841858"/>
-            <a:ext cx="338327" cy="300736"/>
+            <a:off x="7594972" y="11202654"/>
+            <a:ext cx="338327" cy="322217"/>
           </a:xfrm>
           <a:prstGeom prst="rect">
             <a:avLst/>
@@ -33558,8 +33555,8 @@
         </p:nvSpPr>
         <p:spPr>
           <a:xfrm>
-            <a:off x="1146048" y="8259321"/>
-            <a:ext cx="7111200" cy="1279200"/>
+            <a:off x="1146048" y="11799030"/>
+            <a:ext cx="7111200" cy="1827900"/>
           </a:xfrm>
           <a:prstGeom prst="rect">
             <a:avLst/>
@@ -33616,8 +33613,8 @@
         </p:nvSpPr>
         <p:spPr>
           <a:xfrm>
-            <a:off x="1133147" y="8351199"/>
-            <a:ext cx="7118400" cy="1006200"/>
+            <a:off x="1133147" y="11930285"/>
+            <a:ext cx="7118400" cy="1437600"/>
           </a:xfrm>
           <a:prstGeom prst="roundRect">
             <a:avLst>
@@ -33668,7 +33665,7 @@
                 <a:ea typeface="Arial"/>
                 <a:cs typeface="Arial"/>
                 <a:sym typeface="Arial"/>
-                <a:hlinkClick r:id="rId25"/>
+                <a:hlinkClick r:id="rId27"/>
               </a:rPr>
               <a:t>US Core Encounter Profile</a:t>
             </a:r>
@@ -33747,7 +33744,7 @@
                 <a:ea typeface="Arial"/>
                 <a:cs typeface="Arial"/>
                 <a:sym typeface="Arial"/>
-                <a:hlinkClick r:id="rId26"/>
+                <a:hlinkClick r:id="rId28"/>
               </a:rPr>
               <a:t>US Core Condition Encounter Diagnosis Profile</a:t>
             </a:r>
@@ -33857,7 +33854,7 @@
           <p:nvPr/>
         </p:nvPicPr>
         <p:blipFill rotWithShape="1">
-          <a:blip r:embed="rId27">
+          <a:blip r:embed="rId29">
             <a:alphaModFix/>
           </a:blip>
           <a:srcRect b="0" l="0" r="0" t="0"/>
@@ -33865,8 +33862,8 @@
         </p:blipFill>
         <p:spPr>
           <a:xfrm>
-            <a:off x="7594972" y="8778207"/>
-            <a:ext cx="329184" cy="265880"/>
+            <a:off x="7594972" y="12540296"/>
+            <a:ext cx="329184" cy="379827"/>
           </a:xfrm>
           <a:prstGeom prst="rect">
             <a:avLst/>
@@ -33885,8 +33882,8 @@
         </p:nvSpPr>
         <p:spPr>
           <a:xfrm>
-            <a:off x="1146049" y="9583282"/>
-            <a:ext cx="7113300" cy="832800"/>
+            <a:off x="1146049" y="13690403"/>
+            <a:ext cx="7113300" cy="1189500"/>
           </a:xfrm>
           <a:prstGeom prst="rect">
             <a:avLst/>
@@ -33947,8 +33944,8 @@
         </p:nvSpPr>
         <p:spPr>
           <a:xfrm>
-            <a:off x="1160031" y="9621063"/>
-            <a:ext cx="7105500" cy="624000"/>
+            <a:off x="1160031" y="13744376"/>
+            <a:ext cx="7105500" cy="891900"/>
           </a:xfrm>
           <a:prstGeom prst="roundRect">
             <a:avLst>
@@ -33999,7 +33996,7 @@
                 <a:ea typeface="Arial"/>
                 <a:cs typeface="Arial"/>
                 <a:sym typeface="Arial"/>
-                <a:hlinkClick r:id="rId28"/>
+                <a:hlinkClick r:id="rId30"/>
               </a:rPr>
               <a:t>US Core Goal Profile</a:t>
             </a:r>
@@ -34080,7 +34077,7 @@
           <p:nvPr/>
         </p:nvPicPr>
         <p:blipFill rotWithShape="1">
-          <a:blip r:embed="rId29">
+          <a:blip r:embed="rId31">
             <a:alphaModFix/>
           </a:blip>
           <a:srcRect b="0" l="0" r="0" t="0"/>
@@ -34088,8 +34085,8 @@
         </p:blipFill>
         <p:spPr>
           <a:xfrm>
-            <a:off x="7594972" y="9791157"/>
-            <a:ext cx="338328" cy="300736"/>
+            <a:off x="7594972" y="13987367"/>
+            <a:ext cx="338328" cy="429623"/>
           </a:xfrm>
           <a:prstGeom prst="rect">
             <a:avLst/>
@@ -34108,8 +34105,8 @@
         </p:nvSpPr>
         <p:spPr>
           <a:xfrm>
-            <a:off x="1146050" y="10466649"/>
-            <a:ext cx="7113300" cy="711000"/>
+            <a:off x="1107036" y="19625972"/>
+            <a:ext cx="7108200" cy="1015500"/>
           </a:xfrm>
           <a:prstGeom prst="rect">
             <a:avLst/>
@@ -34166,8 +34163,8 @@
         </p:nvSpPr>
         <p:spPr>
           <a:xfrm>
-            <a:off x="1160031" y="10504436"/>
-            <a:ext cx="7105500" cy="624000"/>
+            <a:off x="1117065" y="19679953"/>
+            <a:ext cx="7105500" cy="891900"/>
           </a:xfrm>
           <a:prstGeom prst="roundRect">
             <a:avLst>
@@ -34207,7 +34204,7 @@
                 <a:cs typeface="Arial"/>
                 <a:sym typeface="Arial"/>
               </a:rPr>
-              <a:t>Health Concerns				</a:t>
+              <a:t>Immunizations				</a:t>
             </a:r>
             <a:r>
               <a:rPr b="1" lang="en" sz="1100" u="sng">
@@ -34218,11 +34215,11 @@
                 <a:ea typeface="Arial"/>
                 <a:cs typeface="Arial"/>
                 <a:sym typeface="Arial"/>
-                <a:hlinkClick r:id="rId30"/>
+                <a:hlinkClick r:id="rId32"/>
               </a:rPr>
-              <a:t>US Core Condition Problems and Health Concerns Profile</a:t>
+              <a:t>US Core Immunization Profile</a:t>
             </a:r>
-            <a:endParaRPr b="1" sz="1100">
+            <a:endParaRPr b="1" i="1" sz="1100">
               <a:solidFill>
                 <a:schemeClr val="lt1"/>
               </a:solidFill>
@@ -34257,7 +34254,7 @@
                 <a:cs typeface="Arial"/>
                 <a:sym typeface="Arial"/>
               </a:rPr>
-              <a:t>Health Concerns</a:t>
+              <a:t>Immunizations</a:t>
             </a:r>
             <a:endParaRPr/>
           </a:p>
@@ -34270,7 +34267,7 @@
           <p:nvPr/>
         </p:nvPicPr>
         <p:blipFill rotWithShape="1">
-          <a:blip r:embed="rId31">
+          <a:blip r:embed="rId33">
             <a:alphaModFix/>
           </a:blip>
           <a:srcRect b="0" l="0" r="0" t="0"/>
@@ -34278,8 +34275,8 @@
         </p:blipFill>
         <p:spPr>
           <a:xfrm>
-            <a:off x="7543800" y="10850118"/>
-            <a:ext cx="347472" cy="248194"/>
+            <a:off x="7555960" y="19876488"/>
+            <a:ext cx="329184" cy="470258"/>
           </a:xfrm>
           <a:prstGeom prst="rect">
             <a:avLst/>
@@ -34298,8 +34295,8 @@
         </p:nvSpPr>
         <p:spPr>
           <a:xfrm>
-            <a:off x="1146049" y="11233090"/>
-            <a:ext cx="7108200" cy="711000"/>
+            <a:off x="1105375" y="20788014"/>
+            <a:ext cx="7117800" cy="1635300"/>
           </a:xfrm>
           <a:prstGeom prst="rect">
             <a:avLst/>
@@ -34356,8 +34353,8 @@
         </p:nvSpPr>
         <p:spPr>
           <a:xfrm>
-            <a:off x="1156078" y="11270877"/>
-            <a:ext cx="7105500" cy="624000"/>
+            <a:off x="1110475" y="21027400"/>
+            <a:ext cx="7105500" cy="1092300"/>
           </a:xfrm>
           <a:prstGeom prst="roundRect">
             <a:avLst>
@@ -34397,22 +34394,187 @@
                 <a:cs typeface="Arial"/>
                 <a:sym typeface="Arial"/>
               </a:rPr>
-              <a:t>Immunizations				</a:t>
+              <a:t>Laboratory					</a:t>
+            </a:r>
+            <a:r>
+              <a:rPr b="1" lang="en" sz="1050" u="sng">
+                <a:solidFill>
+                  <a:schemeClr val="lt1"/>
+                </a:solidFill>
+                <a:hlinkClick r:id="rId34">
+                  <a:extLst>
+                    <a:ext uri="{A12FA001-AC4F-418D-AE19-62706E023703}">
+                      <ahyp:hlinkClr val="tx"/>
+                    </a:ext>
+                  </a:extLst>
+                </a:hlinkClick>
+              </a:rPr>
+              <a:t>US Core Laboratory Result Observation Profile</a:t>
+            </a:r>
+            <a:r>
+              <a:rPr b="1" lang="en" sz="1050">
+                <a:solidFill>
+                  <a:schemeClr val="lt1"/>
+                </a:solidFill>
+              </a:rPr>
+              <a:t>,</a:t>
+            </a:r>
+            <a:endParaRPr>
+              <a:solidFill>
+                <a:schemeClr val="dk1"/>
+              </a:solidFill>
+            </a:endParaRPr>
+          </a:p>
+          <a:p>
+            <a:pPr indent="-158115" lvl="0" marL="155448" rtl="0" algn="l">
+              <a:spcBef>
+                <a:spcPts val="0"/>
+              </a:spcBef>
+              <a:spcAft>
+                <a:spcPts val="0"/>
+              </a:spcAft>
+              <a:buClr>
+                <a:schemeClr val="lt1"/>
+              </a:buClr>
+              <a:buSzPts val="1050"/>
+              <a:buChar char="●"/>
+            </a:pPr>
+            <a:r>
+              <a:rPr b="1" lang="en" sz="1050">
+                <a:solidFill>
+                  <a:schemeClr val="lt1"/>
+                </a:solidFill>
+              </a:rPr>
+              <a:t>Values/Results				</a:t>
+            </a:r>
+            <a:r>
+              <a:rPr b="1" lang="en" sz="1050" u="sng">
+                <a:solidFill>
+                  <a:schemeClr val="lt1"/>
+                </a:solidFill>
+                <a:hlinkClick r:id="rId35">
+                  <a:extLst>
+                    <a:ext uri="{A12FA001-AC4F-418D-AE19-62706E023703}">
+                      <ahyp:hlinkClr val="tx"/>
+                    </a:ext>
+                  </a:extLst>
+                </a:hlinkClick>
+              </a:rPr>
+              <a:t>US Core DiagnosticReport Profile for Laboratory Result</a:t>
+            </a:r>
+            <a:endParaRPr b="1" sz="1050">
+              <a:solidFill>
+                <a:schemeClr val="lt1"/>
+              </a:solidFill>
+            </a:endParaRPr>
+          </a:p>
+          <a:p>
+            <a:pPr indent="-158115" lvl="0" marL="155448" rtl="0" algn="l">
+              <a:spcBef>
+                <a:spcPts val="0"/>
+              </a:spcBef>
+              <a:spcAft>
+                <a:spcPts val="0"/>
+              </a:spcAft>
+              <a:buClr>
+                <a:schemeClr val="lt1"/>
+              </a:buClr>
+              <a:buSzPts val="1050"/>
+              <a:buFont typeface="Arial"/>
+              <a:buChar char="●"/>
+            </a:pPr>
+            <a:r>
+              <a:rPr b="1" lang="en" sz="1050">
+                <a:solidFill>
+                  <a:schemeClr val="lt1"/>
+                </a:solidFill>
+                <a:latin typeface="Arial"/>
+                <a:ea typeface="Arial"/>
+                <a:cs typeface="Arial"/>
+                <a:sym typeface="Arial"/>
+              </a:rPr>
+              <a:t>Tests					</a:t>
+            </a:r>
+            <a:endParaRPr/>
+          </a:p>
+          <a:p>
+            <a:pPr indent="-158115" lvl="0" marL="155448" marR="0" rtl="0" algn="l">
+              <a:spcBef>
+                <a:spcPts val="0"/>
+              </a:spcBef>
+              <a:spcAft>
+                <a:spcPts val="0"/>
+              </a:spcAft>
+              <a:buClr>
+                <a:schemeClr val="lt1"/>
+              </a:buClr>
+              <a:buSzPts val="1050"/>
+              <a:buChar char="●"/>
+            </a:pPr>
+            <a:r>
+              <a:rPr b="1" lang="en" sz="1050">
+                <a:solidFill>
+                  <a:schemeClr val="lt1"/>
+                </a:solidFill>
+              </a:rPr>
+              <a:t>Specimen Type				</a:t>
             </a:r>
             <a:r>
               <a:rPr b="1" lang="en" sz="1100" u="sng">
                 <a:solidFill>
+                  <a:schemeClr val="lt1"/>
+                </a:solidFill>
+                <a:hlinkClick r:id="rId36">
+                  <a:extLst>
+                    <a:ext uri="{A12FA001-AC4F-418D-AE19-62706E023703}">
+                      <ahyp:hlinkClr val="tx"/>
+                    </a:ext>
+                  </a:extLst>
+                </a:hlinkClick>
+              </a:rPr>
+              <a:t>US Core Specimen Profile</a:t>
+            </a:r>
+            <a:endParaRPr b="1" sz="1050">
+              <a:solidFill>
+                <a:schemeClr val="lt1"/>
+              </a:solidFill>
+            </a:endParaRPr>
+          </a:p>
+          <a:p>
+            <a:pPr indent="-158115" lvl="0" marL="155448" marR="0" rtl="0" algn="l">
+              <a:spcBef>
+                <a:spcPts val="0"/>
+              </a:spcBef>
+              <a:spcAft>
+                <a:spcPts val="0"/>
+              </a:spcAft>
+              <a:buClr>
+                <a:schemeClr val="lt1"/>
+              </a:buClr>
+              <a:buSzPts val="1050"/>
+              <a:buChar char="●"/>
+            </a:pPr>
+            <a:r>
+              <a:rPr b="1" lang="en" sz="1050">
+                <a:solidFill>
+                  <a:schemeClr val="lt1"/>
+                </a:solidFill>
+              </a:rPr>
+              <a:t>Result Status</a:t>
+            </a:r>
+            <a:br>
+              <a:rPr b="1" lang="en" sz="1050" u="sng">
+                <a:solidFill>
                   <a:schemeClr val="hlink"/>
                 </a:solidFill>
                 <a:latin typeface="Arial"/>
                 <a:ea typeface="Arial"/>
                 <a:cs typeface="Arial"/>
                 <a:sym typeface="Arial"/>
-                <a:hlinkClick r:id="rId32"/>
+                <a:hlinkClick r:id="rId37"/>
               </a:rPr>
-              <a:t>US Core Immunization Profile</a:t>
-            </a:r>
-            <a:endParaRPr b="1" i="1" sz="1100">
+            </a:br>
+            <a:endParaRPr b="1" sz="1050">
               <a:solidFill>
                 <a:schemeClr val="lt1"/>
               </a:solidFill>
@@ -34421,35 +34583,6 @@
               <a:cs typeface="Arial"/>
               <a:sym typeface="Arial"/>
             </a:endParaRPr>
-          </a:p>
-          <a:p>
-            <a:pPr indent="-160859" lvl="0" marL="160859" marR="0" rtl="0" algn="l">
-              <a:spcBef>
-                <a:spcPts val="400"/>
-              </a:spcBef>
-              <a:spcAft>
-                <a:spcPts val="0"/>
-              </a:spcAft>
-              <a:buClr>
-                <a:schemeClr val="lt1"/>
-              </a:buClr>
-              <a:buSzPts val="1050"/>
-              <a:buFont typeface="Arial"/>
-              <a:buChar char="•"/>
-            </a:pPr>
-            <a:r>
-              <a:rPr b="1" lang="en" sz="1050">
-                <a:solidFill>
-                  <a:schemeClr val="lt1"/>
-                </a:solidFill>
-                <a:latin typeface="Arial"/>
-                <a:ea typeface="Arial"/>
-                <a:cs typeface="Arial"/>
-                <a:sym typeface="Arial"/>
-              </a:rPr>
-              <a:t>Immunizations</a:t>
-            </a:r>
-            <a:endParaRPr/>
           </a:p>
         </p:txBody>
       </p:sp>
@@ -34460,7 +34593,7 @@
           <p:nvPr/>
         </p:nvPicPr>
         <p:blipFill rotWithShape="1">
-          <a:blip r:embed="rId33">
+          <a:blip r:embed="rId38">
             <a:alphaModFix/>
           </a:blip>
           <a:srcRect b="0" l="0" r="0" t="0"/>
@@ -34468,8 +34601,8 @@
         </p:blipFill>
         <p:spPr>
           <a:xfrm>
-            <a:off x="7594972" y="11408452"/>
-            <a:ext cx="329184" cy="329183"/>
+            <a:off x="7469025" y="21637097"/>
+            <a:ext cx="228601" cy="411479"/>
           </a:xfrm>
           <a:prstGeom prst="rect">
             <a:avLst/>
@@ -34488,8 +34621,8 @@
         </p:nvSpPr>
         <p:spPr>
           <a:xfrm>
-            <a:off x="1143714" y="11989172"/>
-            <a:ext cx="7117800" cy="832800"/>
+            <a:off x="1124075" y="22508314"/>
+            <a:ext cx="7133400" cy="2135700"/>
           </a:xfrm>
           <a:prstGeom prst="rect">
             <a:avLst/>
@@ -34546,8 +34679,8 @@
         </p:nvSpPr>
         <p:spPr>
           <a:xfrm>
-            <a:off x="1148814" y="12158750"/>
-            <a:ext cx="7105500" cy="624000"/>
+            <a:off x="1123581" y="22550829"/>
+            <a:ext cx="7105500" cy="1976100"/>
           </a:xfrm>
           <a:prstGeom prst="roundRect">
             <a:avLst>
@@ -34560,7 +34693,7 @@
           </a:ln>
         </p:spPr>
         <p:txBody>
-          <a:bodyPr anchorCtr="0" anchor="ctr" bIns="45700" lIns="91425" spcFirstLastPara="1" rIns="91425" wrap="square" tIns="45700">
+          <a:bodyPr anchorCtr="0" anchor="t" bIns="45700" lIns="91425" spcFirstLastPara="1" rIns="91425" wrap="square" tIns="45700">
             <a:noAutofit/>
           </a:bodyPr>
           <a:lstStyle/>
@@ -34587,7 +34720,20 @@
                 <a:cs typeface="Arial"/>
                 <a:sym typeface="Arial"/>
               </a:rPr>
-              <a:t>Laboratory			</a:t>
+              <a:t>Medications					</a:t>
+            </a:r>
+            <a:r>
+              <a:rPr b="1" lang="en" sz="1100" u="sng">
+                <a:solidFill>
+                  <a:schemeClr val="hlink"/>
+                </a:solidFill>
+                <a:latin typeface="Arial"/>
+                <a:ea typeface="Arial"/>
+                <a:cs typeface="Arial"/>
+                <a:sym typeface="Arial"/>
+                <a:hlinkClick r:id="rId39"/>
+              </a:rPr>
+              <a:t>US Core Medication Request Profile</a:t>
             </a:r>
             <a:endParaRPr b="1" i="1" sz="1100">
               <a:solidFill>
@@ -34624,87 +34770,8 @@
                 <a:cs typeface="Arial"/>
                 <a:sym typeface="Arial"/>
               </a:rPr>
-              <a:t>Tests					</a:t>
+              <a:t>Medications</a:t>
             </a:r>
-            <a:r>
-              <a:rPr b="1" lang="en" sz="1050" u="sng">
-                <a:solidFill>
-                  <a:schemeClr val="hlink"/>
-                </a:solidFill>
-                <a:latin typeface="Arial"/>
-                <a:ea typeface="Arial"/>
-                <a:cs typeface="Arial"/>
-                <a:sym typeface="Arial"/>
-                <a:hlinkClick r:id="rId34"/>
-              </a:rPr>
-              <a:t>US Core Laboratory Result Observation Profile</a:t>
-            </a:r>
-            <a:r>
-              <a:rPr b="1" lang="en" sz="1050">
-                <a:solidFill>
-                  <a:schemeClr val="lt1"/>
-                </a:solidFill>
-                <a:latin typeface="Arial"/>
-                <a:ea typeface="Arial"/>
-                <a:cs typeface="Arial"/>
-                <a:sym typeface="Arial"/>
-              </a:rPr>
-              <a:t>,</a:t>
-            </a:r>
-            <a:endParaRPr/>
-          </a:p>
-          <a:p>
-            <a:pPr indent="-160859" lvl="0" marL="160859" marR="0" rtl="0" algn="l">
-              <a:spcBef>
-                <a:spcPts val="0"/>
-              </a:spcBef>
-              <a:spcAft>
-                <a:spcPts val="0"/>
-              </a:spcAft>
-              <a:buClr>
-                <a:schemeClr val="lt1"/>
-              </a:buClr>
-              <a:buSzPts val="1050"/>
-              <a:buFont typeface="Arial"/>
-              <a:buChar char="•"/>
-            </a:pPr>
-            <a:r>
-              <a:rPr b="1" lang="en" sz="1050">
-                <a:solidFill>
-                  <a:schemeClr val="lt1"/>
-                </a:solidFill>
-                <a:latin typeface="Arial"/>
-                <a:ea typeface="Arial"/>
-                <a:cs typeface="Arial"/>
-                <a:sym typeface="Arial"/>
-              </a:rPr>
-              <a:t>Values/Results				</a:t>
-            </a:r>
-            <a:r>
-              <a:rPr b="1" lang="en" sz="1050" u="sng">
-                <a:solidFill>
-                  <a:schemeClr val="hlink"/>
-                </a:solidFill>
-                <a:latin typeface="Arial"/>
-                <a:ea typeface="Arial"/>
-                <a:cs typeface="Arial"/>
-                <a:sym typeface="Arial"/>
-                <a:hlinkClick r:id="rId35"/>
-              </a:rPr>
-              <a:t>US Core DiagnosticReport Profile for Laboratory Results</a:t>
-            </a:r>
-            <a:br>
-              <a:rPr b="1" lang="en" sz="1050" u="sng">
-                <a:solidFill>
-                  <a:schemeClr val="hlink"/>
-                </a:solidFill>
-                <a:latin typeface="Arial"/>
-                <a:ea typeface="Arial"/>
-                <a:cs typeface="Arial"/>
-                <a:sym typeface="Arial"/>
-                <a:hlinkClick r:id="rId36"/>
-              </a:rPr>
-            </a:br>
             <a:endParaRPr b="1" sz="1050">
               <a:solidFill>
                 <a:schemeClr val="lt1"/>
@@ -34715,45 +34782,166 @@
               <a:sym typeface="Arial"/>
             </a:endParaRPr>
           </a:p>
+          <a:p>
+            <a:pPr indent="-158115" lvl="0" marL="155448" rtl="0" algn="l">
+              <a:spcBef>
+                <a:spcPts val="0"/>
+              </a:spcBef>
+              <a:spcAft>
+                <a:spcPts val="0"/>
+              </a:spcAft>
+              <a:buClr>
+                <a:schemeClr val="lt1"/>
+              </a:buClr>
+              <a:buSzPts val="1050"/>
+              <a:buChar char="•"/>
+            </a:pPr>
+            <a:r>
+              <a:rPr b="1" lang="en" sz="1050">
+                <a:solidFill>
+                  <a:schemeClr val="lt1"/>
+                </a:solidFill>
+              </a:rPr>
+              <a:t>Dose</a:t>
+            </a:r>
+            <a:endParaRPr b="1" sz="1050">
+              <a:solidFill>
+                <a:schemeClr val="lt1"/>
+              </a:solidFill>
+            </a:endParaRPr>
+          </a:p>
+          <a:p>
+            <a:pPr indent="-158115" lvl="0" marL="155448" rtl="0" algn="l">
+              <a:spcBef>
+                <a:spcPts val="0"/>
+              </a:spcBef>
+              <a:spcAft>
+                <a:spcPts val="0"/>
+              </a:spcAft>
+              <a:buClr>
+                <a:schemeClr val="lt1"/>
+              </a:buClr>
+              <a:buSzPts val="1050"/>
+              <a:buChar char="•"/>
+            </a:pPr>
+            <a:r>
+              <a:rPr b="1" lang="en" sz="1050">
+                <a:solidFill>
+                  <a:schemeClr val="lt1"/>
+                </a:solidFill>
+              </a:rPr>
+              <a:t>Dose Unit of Measure</a:t>
+            </a:r>
+            <a:endParaRPr b="1" sz="1050">
+              <a:solidFill>
+                <a:schemeClr val="lt1"/>
+              </a:solidFill>
+            </a:endParaRPr>
+          </a:p>
+          <a:p>
+            <a:pPr indent="-158115" lvl="0" marL="155448" rtl="0" algn="l">
+              <a:spcBef>
+                <a:spcPts val="0"/>
+              </a:spcBef>
+              <a:spcAft>
+                <a:spcPts val="0"/>
+              </a:spcAft>
+              <a:buClr>
+                <a:schemeClr val="lt1"/>
+              </a:buClr>
+              <a:buSzPts val="1050"/>
+              <a:buChar char="•"/>
+            </a:pPr>
+            <a:r>
+              <a:rPr b="1" lang="en" sz="1050">
+                <a:solidFill>
+                  <a:schemeClr val="lt1"/>
+                </a:solidFill>
+              </a:rPr>
+              <a:t>Indication</a:t>
+            </a:r>
+            <a:endParaRPr b="1" sz="1050">
+              <a:solidFill>
+                <a:schemeClr val="lt1"/>
+              </a:solidFill>
+            </a:endParaRPr>
+          </a:p>
+          <a:p>
+            <a:pPr indent="-158115" lvl="0" marL="155448" rtl="0" algn="l">
+              <a:spcBef>
+                <a:spcPts val="0"/>
+              </a:spcBef>
+              <a:spcAft>
+                <a:spcPts val="0"/>
+              </a:spcAft>
+              <a:buClr>
+                <a:schemeClr val="lt1"/>
+              </a:buClr>
+              <a:buSzPts val="1050"/>
+              <a:buChar char="•"/>
+            </a:pPr>
+            <a:r>
+              <a:rPr b="1" lang="en" sz="1050">
+                <a:solidFill>
+                  <a:schemeClr val="lt1"/>
+                </a:solidFill>
+              </a:rPr>
+              <a:t>Fill Status					</a:t>
+            </a:r>
+            <a:r>
+              <a:rPr b="1" lang="en" sz="1100" u="sng">
+                <a:solidFill>
+                  <a:schemeClr val="hlink"/>
+                </a:solidFill>
+                <a:hlinkClick r:id="rId40"/>
+              </a:rPr>
+              <a:t>US Core Medication Dispense Profile</a:t>
+            </a:r>
+            <a:r>
+              <a:rPr b="1" lang="en" sz="1050">
+                <a:solidFill>
+                  <a:schemeClr val="lt1"/>
+                </a:solidFill>
+              </a:rPr>
+              <a:t>		</a:t>
+            </a:r>
+            <a:endParaRPr b="1" sz="1050">
+              <a:solidFill>
+                <a:schemeClr val="lt1"/>
+              </a:solidFill>
+            </a:endParaRPr>
+          </a:p>
+          <a:p>
+            <a:pPr indent="0" lvl="0" marL="457200" marR="0" rtl="0" algn="l">
+              <a:spcBef>
+                <a:spcPts val="400"/>
+              </a:spcBef>
+              <a:spcAft>
+                <a:spcPts val="0"/>
+              </a:spcAft>
+              <a:buNone/>
+            </a:pPr>
+            <a:r>
+              <a:t/>
+            </a:r>
+            <a:endParaRPr b="1" sz="1050">
+              <a:solidFill>
+                <a:schemeClr val="lt1"/>
+              </a:solidFill>
+            </a:endParaRPr>
+          </a:p>
         </p:txBody>
       </p:sp>
-      <p:pic>
-        <p:nvPicPr>
-          <p:cNvPr id="320" name="Google Shape;320;p31"/>
-          <p:cNvPicPr preferRelativeResize="0"/>
-          <p:nvPr/>
-        </p:nvPicPr>
-        <p:blipFill rotWithShape="1">
-          <a:blip r:embed="rId37">
-            <a:alphaModFix/>
-          </a:blip>
-          <a:srcRect b="0" l="0" r="0" t="0"/>
-          <a:stretch/>
-        </p:blipFill>
-        <p:spPr>
-          <a:xfrm>
-            <a:off x="7543800" y="12130598"/>
-            <a:ext cx="228601" cy="411479"/>
-          </a:xfrm>
-          <a:prstGeom prst="rect">
-            <a:avLst/>
-          </a:prstGeom>
-          <a:noFill/>
-          <a:ln>
-            <a:noFill/>
-          </a:ln>
-        </p:spPr>
-      </p:pic>
       <p:sp>
         <p:nvSpPr>
-          <p:cNvPr id="321" name="Google Shape;321;p31"/>
+          <p:cNvPr id="320" name="Google Shape;320;p31"/>
           <p:cNvSpPr/>
           <p:nvPr/>
         </p:nvSpPr>
         <p:spPr>
           <a:xfrm>
-            <a:off x="1146050" y="12866184"/>
-            <a:ext cx="7133400" cy="816000"/>
+            <a:off x="1144225" y="32223552"/>
+            <a:ext cx="7135500" cy="1673700"/>
           </a:xfrm>
           <a:prstGeom prst="rect">
             <a:avLst/>
@@ -34804,14 +34992,14 @@
       </p:sp>
       <p:sp>
         <p:nvSpPr>
-          <p:cNvPr id="322" name="Google Shape;322;p31"/>
+          <p:cNvPr id="321" name="Google Shape;321;p31"/>
           <p:cNvSpPr/>
           <p:nvPr/>
         </p:nvSpPr>
         <p:spPr>
           <a:xfrm>
-            <a:off x="1160031" y="12903965"/>
-            <a:ext cx="7105500" cy="574500"/>
+            <a:off x="1133856" y="32271412"/>
+            <a:ext cx="7105500" cy="1437600"/>
           </a:xfrm>
           <a:prstGeom prst="roundRect">
             <a:avLst>
@@ -34851,7 +35039,7 @@
                 <a:cs typeface="Arial"/>
                 <a:sym typeface="Arial"/>
               </a:rPr>
-              <a:t>Medications					</a:t>
+              <a:t>Procedures 					</a:t>
             </a:r>
             <a:r>
               <a:rPr b="1" lang="en" sz="1100" u="sng">
@@ -34862,9 +35050,21 @@
                 <a:ea typeface="Arial"/>
                 <a:cs typeface="Arial"/>
                 <a:sym typeface="Arial"/>
-                <a:hlinkClick r:id="rId38"/>
+                <a:hlinkClick r:id="rId41"/>
               </a:rPr>
-              <a:t>US Medication Request Profile</a:t>
+              <a:t>US Core Procedure Profile</a:t>
+            </a:r>
+            <a:r>
+              <a:rPr b="1" lang="en" sz="1100">
+                <a:solidFill>
+                  <a:schemeClr val="lt1"/>
+                </a:solidFill>
+                <a:latin typeface="Arial"/>
+                <a:ea typeface="Arial"/>
+                <a:cs typeface="Arial"/>
+                <a:sym typeface="Arial"/>
+              </a:rPr>
+              <a:t>		</a:t>
             </a:r>
             <a:endParaRPr b="1" i="1" sz="1100">
               <a:solidFill>
@@ -34901,22 +35101,302 @@
                 <a:cs typeface="Arial"/>
                 <a:sym typeface="Arial"/>
               </a:rPr>
-              <a:t>Medications</a:t>
+              <a:t>Procedures</a:t>
+            </a:r>
+            <a:endParaRPr b="1" sz="1050">
+              <a:solidFill>
+                <a:schemeClr val="lt1"/>
+              </a:solidFill>
+            </a:endParaRPr>
+          </a:p>
+          <a:p>
+            <a:pPr indent="-160859" lvl="0" marL="160859" marR="0" rtl="0" algn="l">
+              <a:spcBef>
+                <a:spcPts val="400"/>
+              </a:spcBef>
+              <a:spcAft>
+                <a:spcPts val="0"/>
+              </a:spcAft>
+              <a:buClr>
+                <a:schemeClr val="lt1"/>
+              </a:buClr>
+              <a:buSzPts val="1050"/>
+              <a:buFont typeface="Arial"/>
+              <a:buChar char="•"/>
+            </a:pPr>
+            <a:r>
+              <a:rPr b="1" lang="en" sz="1050">
+                <a:solidFill>
+                  <a:schemeClr val="lt1"/>
+                </a:solidFill>
+              </a:rPr>
+              <a:t>Reason for Referral</a:t>
+            </a:r>
+            <a:r>
+              <a:rPr b="1" lang="en" sz="1050">
+                <a:solidFill>
+                  <a:schemeClr val="lt1"/>
+                </a:solidFill>
+                <a:latin typeface="Arial"/>
+                <a:ea typeface="Arial"/>
+                <a:cs typeface="Arial"/>
+                <a:sym typeface="Arial"/>
+              </a:rPr>
+              <a:t>			</a:t>
+            </a:r>
+            <a:r>
+              <a:rPr b="1" lang="en" sz="1050" u="sng">
+                <a:solidFill>
+                  <a:schemeClr val="lt1"/>
+                </a:solidFill>
+                <a:hlinkClick r:id="rId42">
+                  <a:extLst>
+                    <a:ext uri="{A12FA001-AC4F-418D-AE19-62706E023703}">
+                      <ahyp:hlinkClr val="tx"/>
+                    </a:ext>
+                  </a:extLst>
+                </a:hlinkClick>
+              </a:rPr>
+              <a:t>US Core ServiceRequest Profile</a:t>
             </a:r>
             <a:endParaRPr/>
+          </a:p>
+          <a:p>
+            <a:pPr indent="-160859" lvl="0" marL="160859" marR="0" rtl="0" algn="l">
+              <a:spcBef>
+                <a:spcPts val="0"/>
+              </a:spcBef>
+              <a:spcAft>
+                <a:spcPts val="0"/>
+              </a:spcAft>
+              <a:buClr>
+                <a:schemeClr val="lt1"/>
+              </a:buClr>
+              <a:buSzPts val="1050"/>
+              <a:buFont typeface="Arial"/>
+              <a:buChar char="•"/>
+            </a:pPr>
+            <a:r>
+              <a:rPr b="1" lang="en" sz="1050">
+                <a:solidFill>
+                  <a:schemeClr val="lt1"/>
+                </a:solidFill>
+                <a:latin typeface="Arial"/>
+                <a:ea typeface="Arial"/>
+                <a:cs typeface="Arial"/>
+                <a:sym typeface="Arial"/>
+              </a:rPr>
+              <a:t>SDOH Interventions 			</a:t>
+            </a:r>
+            <a:r>
+              <a:rPr b="1" lang="en" sz="1050" u="sng">
+                <a:solidFill>
+                  <a:schemeClr val="hlink"/>
+                </a:solidFill>
+                <a:latin typeface="Arial"/>
+                <a:ea typeface="Arial"/>
+                <a:cs typeface="Arial"/>
+                <a:sym typeface="Arial"/>
+                <a:hlinkClick r:id="rId43"/>
+              </a:rPr>
+              <a:t>US Core Procedure Profile</a:t>
+            </a:r>
+            <a:endParaRPr b="1" sz="1050">
+              <a:solidFill>
+                <a:schemeClr val="lt1"/>
+              </a:solidFill>
+            </a:endParaRPr>
+          </a:p>
+          <a:p>
+            <a:pPr indent="0" lvl="0" marL="0" marR="0" rtl="0" algn="l">
+              <a:spcBef>
+                <a:spcPts val="0"/>
+              </a:spcBef>
+              <a:spcAft>
+                <a:spcPts val="0"/>
+              </a:spcAft>
+              <a:buNone/>
+            </a:pPr>
+            <a:r>
+              <a:rPr b="1" lang="en" sz="1050">
+                <a:solidFill>
+                  <a:schemeClr val="lt1"/>
+                </a:solidFill>
+                <a:latin typeface="Arial"/>
+                <a:ea typeface="Arial"/>
+                <a:cs typeface="Arial"/>
+                <a:sym typeface="Arial"/>
+              </a:rPr>
+              <a:t> 						</a:t>
+            </a:r>
+            <a:r>
+              <a:rPr b="1" lang="en" sz="1050" u="sng">
+                <a:solidFill>
+                  <a:schemeClr val="hlink"/>
+                </a:solidFill>
+                <a:latin typeface="Arial"/>
+                <a:ea typeface="Arial"/>
+                <a:cs typeface="Arial"/>
+                <a:sym typeface="Arial"/>
+                <a:hlinkClick r:id="rId44"/>
+              </a:rPr>
+              <a:t>US Core ServiceRequest Profile</a:t>
+            </a:r>
+            <a:br>
+              <a:rPr b="1" lang="en" sz="1050" u="sng">
+                <a:solidFill>
+                  <a:schemeClr val="hlink"/>
+                </a:solidFill>
+                <a:latin typeface="Arial"/>
+                <a:ea typeface="Arial"/>
+                <a:cs typeface="Arial"/>
+                <a:sym typeface="Arial"/>
+                <a:hlinkClick r:id="rId45"/>
+              </a:rPr>
+            </a:br>
+            <a:endParaRPr b="1" sz="1050">
+              <a:solidFill>
+                <a:schemeClr val="lt1"/>
+              </a:solidFill>
+              <a:latin typeface="Arial"/>
+              <a:ea typeface="Arial"/>
+              <a:cs typeface="Arial"/>
+              <a:sym typeface="Arial"/>
+            </a:endParaRPr>
+          </a:p>
+        </p:txBody>
+      </p:sp>
+      <p:pic>
+        <p:nvPicPr>
+          <p:cNvPr id="322" name="Google Shape;322;p31"/>
+          <p:cNvPicPr preferRelativeResize="0"/>
+          <p:nvPr/>
+        </p:nvPicPr>
+        <p:blipFill rotWithShape="1">
+          <a:blip r:embed="rId46">
+            <a:alphaModFix/>
+          </a:blip>
+          <a:srcRect b="0" l="0" r="0" t="0"/>
+          <a:stretch/>
+        </p:blipFill>
+        <p:spPr>
+          <a:xfrm>
+            <a:off x="7464447" y="22823357"/>
+            <a:ext cx="237744" cy="315717"/>
+          </a:xfrm>
+          <a:prstGeom prst="rect">
+            <a:avLst/>
+          </a:prstGeom>
+          <a:noFill/>
+          <a:ln>
+            <a:noFill/>
+          </a:ln>
+        </p:spPr>
+      </p:pic>
+      <p:sp>
+        <p:nvSpPr>
+          <p:cNvPr id="323" name="Google Shape;323;p31"/>
+          <p:cNvSpPr txBox="1"/>
+          <p:nvPr/>
+        </p:nvSpPr>
+        <p:spPr>
+          <a:xfrm>
+            <a:off x="6008975" y="24197968"/>
+            <a:ext cx="2318100" cy="430800"/>
+          </a:xfrm>
+          <a:prstGeom prst="rect">
+            <a:avLst/>
+          </a:prstGeom>
+          <a:noFill/>
+          <a:ln>
+            <a:noFill/>
+          </a:ln>
+        </p:spPr>
+        <p:txBody>
+          <a:bodyPr anchorCtr="0" anchor="t" bIns="45700" lIns="91425" spcFirstLastPara="1" rIns="91425" wrap="square" tIns="45700">
+            <a:spAutoFit/>
+          </a:bodyPr>
+          <a:lstStyle/>
+          <a:p>
+            <a:pPr indent="0" lvl="0" marL="0" marR="0" rtl="0" algn="l">
+              <a:spcBef>
+                <a:spcPts val="0"/>
+              </a:spcBef>
+              <a:spcAft>
+                <a:spcPts val="0"/>
+              </a:spcAft>
+              <a:buNone/>
+            </a:pPr>
+            <a:r>
+              <a:rPr b="1" lang="en" sz="1100">
+                <a:solidFill>
+                  <a:schemeClr val="lt1"/>
+                </a:solidFill>
+                <a:latin typeface="Arial"/>
+                <a:ea typeface="Arial"/>
+                <a:cs typeface="Arial"/>
+                <a:sym typeface="Arial"/>
+              </a:rPr>
+              <a:t>See: </a:t>
+            </a:r>
+            <a:r>
+              <a:rPr b="1" lang="en" sz="1100" u="sng">
+                <a:solidFill>
+                  <a:schemeClr val="hlink"/>
+                </a:solidFill>
+                <a:latin typeface="Arial"/>
+                <a:ea typeface="Arial"/>
+                <a:cs typeface="Arial"/>
+                <a:sym typeface="Arial"/>
+                <a:hlinkClick r:id="rId47"/>
+              </a:rPr>
+              <a:t>Medication List Guidance</a:t>
+            </a:r>
+            <a:endParaRPr b="1" sz="1100">
+              <a:solidFill>
+                <a:schemeClr val="lt1"/>
+              </a:solidFill>
+              <a:latin typeface="Arial"/>
+              <a:ea typeface="Arial"/>
+              <a:cs typeface="Arial"/>
+              <a:sym typeface="Arial"/>
+            </a:endParaRPr>
+          </a:p>
+          <a:p>
+            <a:pPr indent="0" lvl="0" marL="0" marR="0" rtl="0" algn="l">
+              <a:spcBef>
+                <a:spcPts val="0"/>
+              </a:spcBef>
+              <a:spcAft>
+                <a:spcPts val="0"/>
+              </a:spcAft>
+              <a:buNone/>
+            </a:pPr>
+            <a:r>
+              <a:t/>
+            </a:r>
+            <a:endParaRPr sz="1100">
+              <a:solidFill>
+                <a:schemeClr val="lt1"/>
+              </a:solidFill>
+              <a:latin typeface="Arial"/>
+              <a:ea typeface="Arial"/>
+              <a:cs typeface="Arial"/>
+              <a:sym typeface="Arial"/>
+            </a:endParaRPr>
           </a:p>
         </p:txBody>
       </p:sp>
       <p:sp>
         <p:nvSpPr>
-          <p:cNvPr id="323" name="Google Shape;323;p31"/>
+          <p:cNvPr id="324" name="Google Shape;324;p31"/>
           <p:cNvSpPr/>
           <p:nvPr/>
         </p:nvSpPr>
         <p:spPr>
           <a:xfrm>
-            <a:off x="1143714" y="18377148"/>
-            <a:ext cx="7135500" cy="1043400"/>
+            <a:off x="1133856" y="24767177"/>
+            <a:ext cx="7135800" cy="5447700"/>
           </a:xfrm>
           <a:prstGeom prst="rect">
             <a:avLst/>
@@ -34967,14 +35447,14 @@
       </p:sp>
       <p:sp>
         <p:nvSpPr>
-          <p:cNvPr id="324" name="Google Shape;324;p31"/>
+          <p:cNvPr id="325" name="Google Shape;325;p31"/>
           <p:cNvSpPr/>
           <p:nvPr/>
         </p:nvSpPr>
         <p:spPr>
           <a:xfrm>
-            <a:off x="1148814" y="18410632"/>
-            <a:ext cx="7105500" cy="914700"/>
+            <a:off x="1133856" y="24985520"/>
+            <a:ext cx="7136700" cy="5097900"/>
           </a:xfrm>
           <a:prstGeom prst="roundRect">
             <a:avLst>
@@ -34987,7 +35467,7 @@
           </a:ln>
         </p:spPr>
         <p:txBody>
-          <a:bodyPr anchorCtr="0" anchor="ctr" bIns="45700" lIns="91425" spcFirstLastPara="1" rIns="91425" wrap="square" tIns="45700">
+          <a:bodyPr anchorCtr="0" anchor="t" bIns="45700" lIns="91425" spcFirstLastPara="1" rIns="91425" wrap="square" tIns="45700">
             <a:noAutofit/>
           </a:bodyPr>
           <a:lstStyle/>
@@ -35014,7 +35494,7 @@
                 <a:cs typeface="Arial"/>
                 <a:sym typeface="Arial"/>
               </a:rPr>
-              <a:t>Procedures 					</a:t>
+              <a:t>Patient Demographics			</a:t>
             </a:r>
             <a:r>
               <a:rPr b="1" lang="en" sz="1100" u="sng">
@@ -35025,21 +35505,9 @@
                 <a:ea typeface="Arial"/>
                 <a:cs typeface="Arial"/>
                 <a:sym typeface="Arial"/>
-                <a:hlinkClick r:id="rId39"/>
+                <a:hlinkClick r:id="rId48"/>
               </a:rPr>
-              <a:t>US Core Procedure Profile</a:t>
-            </a:r>
-            <a:r>
-              <a:rPr b="1" lang="en" sz="1100">
-                <a:solidFill>
-                  <a:schemeClr val="lt1"/>
-                </a:solidFill>
-                <a:latin typeface="Arial"/>
-                <a:ea typeface="Arial"/>
-                <a:cs typeface="Arial"/>
-                <a:sym typeface="Arial"/>
-              </a:rPr>
-              <a:t>		</a:t>
+              <a:t>US Core Patient Profile</a:t>
             </a:r>
             <a:endParaRPr b="1" i="1" sz="1100">
               <a:solidFill>
@@ -35076,7 +35544,7 @@
                 <a:cs typeface="Arial"/>
                 <a:sym typeface="Arial"/>
               </a:rPr>
-              <a:t>Procedures 			</a:t>
+              <a:t>Name</a:t>
             </a:r>
             <a:endParaRPr/>
           </a:p>
@@ -35105,7 +35573,143 @@
                 <a:cs typeface="Arial"/>
                 <a:sym typeface="Arial"/>
               </a:rPr>
-              <a:t>SDOH Interventions 			</a:t>
+              <a:t>Last Name</a:t>
+            </a:r>
+            <a:endParaRPr/>
+          </a:p>
+          <a:p>
+            <a:pPr indent="-160859" lvl="0" marL="160859" marR="0" rtl="0" algn="l">
+              <a:spcBef>
+                <a:spcPts val="0"/>
+              </a:spcBef>
+              <a:spcAft>
+                <a:spcPts val="0"/>
+              </a:spcAft>
+              <a:buClr>
+                <a:schemeClr val="lt1"/>
+              </a:buClr>
+              <a:buSzPts val="1050"/>
+              <a:buFont typeface="Arial"/>
+              <a:buChar char="•"/>
+            </a:pPr>
+            <a:r>
+              <a:rPr b="1" lang="en" sz="1050">
+                <a:solidFill>
+                  <a:schemeClr val="lt1"/>
+                </a:solidFill>
+                <a:latin typeface="Arial"/>
+                <a:ea typeface="Arial"/>
+                <a:cs typeface="Arial"/>
+                <a:sym typeface="Arial"/>
+              </a:rPr>
+              <a:t>Previous Name</a:t>
+            </a:r>
+            <a:endParaRPr/>
+          </a:p>
+          <a:p>
+            <a:pPr indent="-160859" lvl="0" marL="160859" marR="0" rtl="0" algn="l">
+              <a:spcBef>
+                <a:spcPts val="0"/>
+              </a:spcBef>
+              <a:spcAft>
+                <a:spcPts val="0"/>
+              </a:spcAft>
+              <a:buClr>
+                <a:schemeClr val="lt1"/>
+              </a:buClr>
+              <a:buSzPts val="1050"/>
+              <a:buFont typeface="Arial"/>
+              <a:buChar char="•"/>
+            </a:pPr>
+            <a:r>
+              <a:rPr b="1" lang="en" sz="1050">
+                <a:solidFill>
+                  <a:schemeClr val="lt1"/>
+                </a:solidFill>
+                <a:latin typeface="Arial"/>
+                <a:ea typeface="Arial"/>
+                <a:cs typeface="Arial"/>
+                <a:sym typeface="Arial"/>
+              </a:rPr>
+              <a:t>Middle Name (incl. middle initial)</a:t>
+            </a:r>
+            <a:endParaRPr/>
+          </a:p>
+          <a:p>
+            <a:pPr indent="-160859" lvl="0" marL="160859" marR="0" rtl="0" algn="l">
+              <a:spcBef>
+                <a:spcPts val="0"/>
+              </a:spcBef>
+              <a:spcAft>
+                <a:spcPts val="0"/>
+              </a:spcAft>
+              <a:buClr>
+                <a:schemeClr val="lt1"/>
+              </a:buClr>
+              <a:buSzPts val="1050"/>
+              <a:buFont typeface="Arial"/>
+              <a:buChar char="•"/>
+            </a:pPr>
+            <a:r>
+              <a:rPr b="1" lang="en" sz="1050">
+                <a:solidFill>
+                  <a:schemeClr val="lt1"/>
+                </a:solidFill>
+                <a:latin typeface="Arial"/>
+                <a:ea typeface="Arial"/>
+                <a:cs typeface="Arial"/>
+                <a:sym typeface="Arial"/>
+              </a:rPr>
+              <a:t>Suffix</a:t>
+            </a:r>
+            <a:endParaRPr/>
+          </a:p>
+          <a:p>
+            <a:pPr indent="-160859" lvl="0" marL="160859" marR="0" rtl="0" algn="l">
+              <a:spcBef>
+                <a:spcPts val="0"/>
+              </a:spcBef>
+              <a:spcAft>
+                <a:spcPts val="0"/>
+              </a:spcAft>
+              <a:buClr>
+                <a:schemeClr val="lt1"/>
+              </a:buClr>
+              <a:buSzPts val="1050"/>
+              <a:buFont typeface="Arial"/>
+              <a:buChar char="•"/>
+            </a:pPr>
+            <a:r>
+              <a:rPr b="1" lang="en" sz="1050">
+                <a:solidFill>
+                  <a:schemeClr val="lt1"/>
+                </a:solidFill>
+                <a:latin typeface="Arial"/>
+                <a:ea typeface="Arial"/>
+                <a:cs typeface="Arial"/>
+                <a:sym typeface="Arial"/>
+              </a:rPr>
+              <a:t>Sex</a:t>
+            </a:r>
+            <a:r>
+              <a:rPr b="1" lang="en" sz="1050">
+                <a:solidFill>
+                  <a:schemeClr val="lt1"/>
+                </a:solidFill>
+              </a:rPr>
+              <a:t>			</a:t>
+            </a:r>
+            <a:r>
+              <a:rPr b="1" lang="en" sz="1050">
+                <a:solidFill>
+                  <a:schemeClr val="lt1"/>
+                </a:solidFill>
+                <a:latin typeface="Arial"/>
+                <a:ea typeface="Arial"/>
+                <a:cs typeface="Arial"/>
+                <a:sym typeface="Arial"/>
+              </a:rPr>
+              <a:t>			</a:t>
             </a:r>
             <a:r>
               <a:rPr b="1" lang="en" sz="1050" u="sng">
@@ -35116,9 +35720,178 @@
                 <a:ea typeface="Arial"/>
                 <a:cs typeface="Arial"/>
                 <a:sym typeface="Arial"/>
-                <a:hlinkClick r:id="rId40"/>
+                <a:hlinkClick r:id="rId49"/>
               </a:rPr>
-              <a:t>US Core Procedure Profile</a:t>
+              <a:t>US Core Sex Extension</a:t>
+            </a:r>
+            <a:endParaRPr b="1" sz="1050">
+              <a:solidFill>
+                <a:schemeClr val="lt1"/>
+              </a:solidFill>
+              <a:latin typeface="Arial"/>
+              <a:ea typeface="Arial"/>
+              <a:cs typeface="Arial"/>
+              <a:sym typeface="Arial"/>
+            </a:endParaRPr>
+          </a:p>
+          <a:p>
+            <a:pPr indent="-160859" lvl="0" marL="160859" marR="0" rtl="0" algn="l">
+              <a:spcBef>
+                <a:spcPts val="0"/>
+              </a:spcBef>
+              <a:spcAft>
+                <a:spcPts val="0"/>
+              </a:spcAft>
+              <a:buClr>
+                <a:schemeClr val="lt1"/>
+              </a:buClr>
+              <a:buSzPts val="1050"/>
+              <a:buFont typeface="Arial"/>
+              <a:buChar char="•"/>
+            </a:pPr>
+            <a:r>
+              <a:rPr b="1" lang="en" sz="1050">
+                <a:solidFill>
+                  <a:schemeClr val="lt1"/>
+                </a:solidFill>
+                <a:latin typeface="Arial"/>
+                <a:ea typeface="Arial"/>
+                <a:cs typeface="Arial"/>
+                <a:sym typeface="Arial"/>
+              </a:rPr>
+              <a:t>Sexual Orientation				</a:t>
+            </a:r>
+            <a:r>
+              <a:rPr b="1" lang="en" sz="1050" u="sng">
+                <a:solidFill>
+                  <a:schemeClr val="hlink"/>
+                </a:solidFill>
+                <a:latin typeface="Arial"/>
+                <a:ea typeface="Arial"/>
+                <a:cs typeface="Arial"/>
+                <a:sym typeface="Arial"/>
+                <a:hlinkClick r:id="rId50"/>
+              </a:rPr>
+              <a:t>US Core Sexual Orientation Observation Profile</a:t>
+            </a:r>
+            <a:endParaRPr b="1" sz="1050">
+              <a:solidFill>
+                <a:schemeClr val="lt1"/>
+              </a:solidFill>
+              <a:latin typeface="Arial"/>
+              <a:ea typeface="Arial"/>
+              <a:cs typeface="Arial"/>
+              <a:sym typeface="Arial"/>
+            </a:endParaRPr>
+          </a:p>
+          <a:p>
+            <a:pPr indent="-160859" lvl="0" marL="160859" marR="0" rtl="0" algn="l">
+              <a:spcBef>
+                <a:spcPts val="0"/>
+              </a:spcBef>
+              <a:spcAft>
+                <a:spcPts val="0"/>
+              </a:spcAft>
+              <a:buClr>
+                <a:schemeClr val="lt1"/>
+              </a:buClr>
+              <a:buSzPts val="1050"/>
+              <a:buFont typeface="Arial"/>
+              <a:buChar char="•"/>
+            </a:pPr>
+            <a:r>
+              <a:rPr b="1" lang="en" sz="1050">
+                <a:solidFill>
+                  <a:schemeClr val="lt1"/>
+                </a:solidFill>
+                <a:latin typeface="Arial"/>
+                <a:ea typeface="Arial"/>
+                <a:cs typeface="Arial"/>
+                <a:sym typeface="Arial"/>
+              </a:rPr>
+              <a:t>Gender Identity				</a:t>
+            </a:r>
+            <a:r>
+              <a:rPr b="1" lang="en" sz="1050" u="sng">
+                <a:solidFill>
+                  <a:schemeClr val="hlink"/>
+                </a:solidFill>
+                <a:latin typeface="Arial"/>
+                <a:ea typeface="Arial"/>
+                <a:cs typeface="Arial"/>
+                <a:sym typeface="Arial"/>
+                <a:hlinkClick r:id="rId51"/>
+              </a:rPr>
+              <a:t>US Core Gender Identity Extension</a:t>
+            </a:r>
+            <a:endParaRPr b="1" sz="1050">
+              <a:solidFill>
+                <a:schemeClr val="lt1"/>
+              </a:solidFill>
+              <a:latin typeface="Arial"/>
+              <a:ea typeface="Arial"/>
+              <a:cs typeface="Arial"/>
+              <a:sym typeface="Arial"/>
+            </a:endParaRPr>
+          </a:p>
+          <a:p>
+            <a:pPr indent="-160859" lvl="0" marL="160859" marR="0" rtl="0" algn="l">
+              <a:spcBef>
+                <a:spcPts val="0"/>
+              </a:spcBef>
+              <a:spcAft>
+                <a:spcPts val="0"/>
+              </a:spcAft>
+              <a:buClr>
+                <a:schemeClr val="lt1"/>
+              </a:buClr>
+              <a:buSzPts val="1050"/>
+              <a:buFont typeface="Arial"/>
+              <a:buChar char="•"/>
+            </a:pPr>
+            <a:r>
+              <a:rPr b="1" lang="en" sz="1050">
+                <a:solidFill>
+                  <a:schemeClr val="lt1"/>
+                </a:solidFill>
+                <a:latin typeface="Arial"/>
+                <a:ea typeface="Arial"/>
+                <a:cs typeface="Arial"/>
+                <a:sym typeface="Arial"/>
+              </a:rPr>
+              <a:t>Date of Birth</a:t>
+            </a:r>
+            <a:endParaRPr b="1" sz="1050">
+              <a:solidFill>
+                <a:schemeClr val="lt1"/>
+              </a:solidFill>
+              <a:latin typeface="Arial"/>
+              <a:ea typeface="Arial"/>
+              <a:cs typeface="Arial"/>
+              <a:sym typeface="Arial"/>
+            </a:endParaRPr>
+          </a:p>
+          <a:p>
+            <a:pPr indent="-160859" lvl="0" marL="160859" marR="0" rtl="0" algn="l">
+              <a:spcBef>
+                <a:spcPts val="0"/>
+              </a:spcBef>
+              <a:spcAft>
+                <a:spcPts val="0"/>
+              </a:spcAft>
+              <a:buClr>
+                <a:schemeClr val="lt1"/>
+              </a:buClr>
+              <a:buSzPts val="1050"/>
+              <a:buChar char="•"/>
+            </a:pPr>
+            <a:r>
+              <a:rPr b="1" lang="en" sz="1050">
+                <a:solidFill>
+                  <a:schemeClr val="lt1"/>
+                </a:solidFill>
+              </a:rPr>
+              <a:t>Date of Death</a:t>
             </a:r>
             <a:endParaRPr b="1" sz="1050">
               <a:solidFill>
@@ -35127,14 +35900,19 @@
             </a:endParaRPr>
           </a:p>
           <a:p>
-            <a:pPr indent="0" lvl="0" marL="0" marR="0" rtl="0" algn="l">
-              <a:spcBef>
-                <a:spcPts val="0"/>
-              </a:spcBef>
-              <a:spcAft>
-                <a:spcPts val="0"/>
-              </a:spcAft>
-              <a:buNone/>
+            <a:pPr indent="-160859" lvl="0" marL="160859" marR="0" rtl="0" algn="l">
+              <a:spcBef>
+                <a:spcPts val="0"/>
+              </a:spcBef>
+              <a:spcAft>
+                <a:spcPts val="0"/>
+              </a:spcAft>
+              <a:buClr>
+                <a:schemeClr val="lt1"/>
+              </a:buClr>
+              <a:buSzPts val="1050"/>
+              <a:buFont typeface="Arial"/>
+              <a:buChar char="•"/>
             </a:pPr>
             <a:r>
               <a:rPr b="1" lang="en" sz="1050">
@@ -35146,7 +35924,7 @@
                 <a:cs typeface="Arial"/>
                 <a:sym typeface="Arial"/>
               </a:rPr>
-              <a:t> 						</a:t>
+              <a:t>Race					</a:t>
             </a:r>
             <a:r>
               <a:rPr b="1" lang="en" sz="1050" u="sng">
@@ -35157,11 +35935,48 @@
                 <a:ea typeface="Arial"/>
                 <a:cs typeface="Arial"/>
                 <a:sym typeface="Arial"/>
-                <a:hlinkClick r:id="rId41"/>
+                <a:hlinkClick r:id="rId52"/>
               </a:rPr>
-              <a:t>US Core ServiceRequest Profile</a:t>
+              <a:t>US Core Race Extension</a:t>
             </a:r>
-            <a:br>
+            <a:endParaRPr b="1" sz="1050">
+              <a:solidFill>
+                <a:schemeClr val="lt1"/>
+              </a:solidFill>
+              <a:latin typeface="Arial"/>
+              <a:ea typeface="Arial"/>
+              <a:cs typeface="Arial"/>
+              <a:sym typeface="Arial"/>
+            </a:endParaRPr>
+          </a:p>
+          <a:p>
+            <a:pPr indent="-160859" lvl="0" marL="160859" marR="0" rtl="0" algn="l">
+              <a:spcBef>
+                <a:spcPts val="0"/>
+              </a:spcBef>
+              <a:spcAft>
+                <a:spcPts val="0"/>
+              </a:spcAft>
+              <a:buClr>
+                <a:schemeClr val="lt1"/>
+              </a:buClr>
+              <a:buSzPts val="1050"/>
+              <a:buFont typeface="Arial"/>
+              <a:buChar char="•"/>
+            </a:pPr>
+            <a:r>
+              <a:rPr b="1" lang="en" sz="1050">
+                <a:solidFill>
+                  <a:schemeClr val="lt1"/>
+                </a:solidFill>
+                <a:latin typeface="Arial"/>
+                <a:ea typeface="Arial"/>
+                <a:cs typeface="Arial"/>
+                <a:sym typeface="Arial"/>
+              </a:rPr>
+              <a:t>Ethnicity					</a:t>
+            </a:r>
+            <a:r>
               <a:rPr b="1" lang="en" sz="1050" u="sng">
                 <a:solidFill>
                   <a:schemeClr val="hlink"/>
@@ -35170,9 +35985,432 @@
                 <a:ea typeface="Arial"/>
                 <a:cs typeface="Arial"/>
                 <a:sym typeface="Arial"/>
-                <a:hlinkClick r:id="rId42"/>
+                <a:hlinkClick r:id="rId53"/>
               </a:rPr>
-            </a:br>
+              <a:t>US Core Ethnicity Extension</a:t>
+            </a:r>
+            <a:endParaRPr b="1" sz="1050">
+              <a:solidFill>
+                <a:schemeClr val="lt1"/>
+              </a:solidFill>
+            </a:endParaRPr>
+          </a:p>
+          <a:p>
+            <a:pPr indent="-160859" lvl="0" marL="160859" marR="0" rtl="0" algn="l">
+              <a:spcBef>
+                <a:spcPts val="0"/>
+              </a:spcBef>
+              <a:spcAft>
+                <a:spcPts val="0"/>
+              </a:spcAft>
+              <a:buClr>
+                <a:schemeClr val="lt1"/>
+              </a:buClr>
+              <a:buSzPts val="1050"/>
+              <a:buChar char="•"/>
+            </a:pPr>
+            <a:r>
+              <a:rPr b="1" lang="en" sz="1050">
+                <a:solidFill>
+                  <a:schemeClr val="lt1"/>
+                </a:solidFill>
+              </a:rPr>
+              <a:t>Tribal Affiliation				</a:t>
+            </a:r>
+            <a:r>
+              <a:rPr b="1" lang="en" sz="1050" u="sng">
+                <a:solidFill>
+                  <a:schemeClr val="hlink"/>
+                </a:solidFill>
+                <a:hlinkClick r:id="rId54"/>
+              </a:rPr>
+              <a:t>US Core Tribal Affiliation Extension</a:t>
+            </a:r>
+            <a:endParaRPr b="1" sz="1050">
+              <a:solidFill>
+                <a:schemeClr val="lt1"/>
+              </a:solidFill>
+            </a:endParaRPr>
+          </a:p>
+          <a:p>
+            <a:pPr indent="-160859" lvl="0" marL="160859" marR="0" rtl="0" algn="l">
+              <a:spcBef>
+                <a:spcPts val="0"/>
+              </a:spcBef>
+              <a:spcAft>
+                <a:spcPts val="0"/>
+              </a:spcAft>
+              <a:buClr>
+                <a:schemeClr val="lt1"/>
+              </a:buClr>
+              <a:buSzPts val="1050"/>
+              <a:buFont typeface="Arial"/>
+              <a:buChar char="•"/>
+            </a:pPr>
+            <a:r>
+              <a:rPr b="1" lang="en" sz="1050">
+                <a:solidFill>
+                  <a:schemeClr val="lt1"/>
+                </a:solidFill>
+                <a:latin typeface="Arial"/>
+                <a:ea typeface="Arial"/>
+                <a:cs typeface="Arial"/>
+                <a:sym typeface="Arial"/>
+              </a:rPr>
+              <a:t>Preferred Language</a:t>
+            </a:r>
+            <a:endParaRPr/>
+          </a:p>
+          <a:p>
+            <a:pPr indent="-160859" lvl="0" marL="160859" marR="0" rtl="0" algn="l">
+              <a:spcBef>
+                <a:spcPts val="0"/>
+              </a:spcBef>
+              <a:spcAft>
+                <a:spcPts val="0"/>
+              </a:spcAft>
+              <a:buClr>
+                <a:schemeClr val="lt1"/>
+              </a:buClr>
+              <a:buSzPts val="1050"/>
+              <a:buFont typeface="Arial"/>
+              <a:buChar char="•"/>
+            </a:pPr>
+            <a:r>
+              <a:rPr b="1" lang="en" sz="1050">
+                <a:solidFill>
+                  <a:schemeClr val="lt1"/>
+                </a:solidFill>
+                <a:latin typeface="Arial"/>
+                <a:ea typeface="Arial"/>
+                <a:cs typeface="Arial"/>
+                <a:sym typeface="Arial"/>
+              </a:rPr>
+              <a:t>Current Address </a:t>
+            </a:r>
+            <a:endParaRPr/>
+          </a:p>
+          <a:p>
+            <a:pPr indent="-160859" lvl="0" marL="160859" marR="0" rtl="0" algn="l">
+              <a:spcBef>
+                <a:spcPts val="0"/>
+              </a:spcBef>
+              <a:spcAft>
+                <a:spcPts val="0"/>
+              </a:spcAft>
+              <a:buClr>
+                <a:schemeClr val="lt1"/>
+              </a:buClr>
+              <a:buSzPts val="1050"/>
+              <a:buFont typeface="Arial"/>
+              <a:buChar char="•"/>
+            </a:pPr>
+            <a:r>
+              <a:rPr b="1" lang="en" sz="1050">
+                <a:solidFill>
+                  <a:schemeClr val="lt1"/>
+                </a:solidFill>
+                <a:latin typeface="Arial"/>
+                <a:ea typeface="Arial"/>
+                <a:cs typeface="Arial"/>
+                <a:sym typeface="Arial"/>
+              </a:rPr>
+              <a:t>Previous Address </a:t>
+            </a:r>
+            <a:endParaRPr/>
+          </a:p>
+          <a:p>
+            <a:pPr indent="-160859" lvl="0" marL="160859" marR="0" rtl="0" algn="l">
+              <a:spcBef>
+                <a:spcPts val="0"/>
+              </a:spcBef>
+              <a:spcAft>
+                <a:spcPts val="0"/>
+              </a:spcAft>
+              <a:buClr>
+                <a:schemeClr val="lt1"/>
+              </a:buClr>
+              <a:buSzPts val="1050"/>
+              <a:buFont typeface="Arial"/>
+              <a:buChar char="•"/>
+            </a:pPr>
+            <a:r>
+              <a:rPr b="1" lang="en" sz="1050">
+                <a:solidFill>
+                  <a:schemeClr val="lt1"/>
+                </a:solidFill>
+                <a:latin typeface="Arial"/>
+                <a:ea typeface="Arial"/>
+                <a:cs typeface="Arial"/>
+                <a:sym typeface="Arial"/>
+              </a:rPr>
+              <a:t>Phone Number</a:t>
+            </a:r>
+            <a:endParaRPr/>
+          </a:p>
+          <a:p>
+            <a:pPr indent="-160859" lvl="0" marL="160859" marR="0" rtl="0" algn="l">
+              <a:spcBef>
+                <a:spcPts val="0"/>
+              </a:spcBef>
+              <a:spcAft>
+                <a:spcPts val="0"/>
+              </a:spcAft>
+              <a:buClr>
+                <a:schemeClr val="lt1"/>
+              </a:buClr>
+              <a:buSzPts val="1050"/>
+              <a:buFont typeface="Arial"/>
+              <a:buChar char="•"/>
+            </a:pPr>
+            <a:r>
+              <a:rPr b="1" lang="en" sz="1050">
+                <a:solidFill>
+                  <a:schemeClr val="lt1"/>
+                </a:solidFill>
+                <a:latin typeface="Arial"/>
+                <a:ea typeface="Arial"/>
+                <a:cs typeface="Arial"/>
+                <a:sym typeface="Arial"/>
+              </a:rPr>
+              <a:t>Phone Number Type</a:t>
+            </a:r>
+            <a:endParaRPr/>
+          </a:p>
+          <a:p>
+            <a:pPr indent="-160859" lvl="0" marL="160859" marR="0" rtl="0" algn="l">
+              <a:spcBef>
+                <a:spcPts val="0"/>
+              </a:spcBef>
+              <a:spcAft>
+                <a:spcPts val="0"/>
+              </a:spcAft>
+              <a:buClr>
+                <a:schemeClr val="lt1"/>
+              </a:buClr>
+              <a:buSzPts val="1050"/>
+              <a:buFont typeface="Arial"/>
+              <a:buChar char="•"/>
+            </a:pPr>
+            <a:r>
+              <a:rPr b="1" lang="en" sz="1050">
+                <a:solidFill>
+                  <a:schemeClr val="lt1"/>
+                </a:solidFill>
+                <a:latin typeface="Arial"/>
+                <a:ea typeface="Arial"/>
+                <a:cs typeface="Arial"/>
+                <a:sym typeface="Arial"/>
+              </a:rPr>
+              <a:t>Email Address</a:t>
+            </a:r>
+            <a:endParaRPr b="1" sz="1050">
+              <a:solidFill>
+                <a:schemeClr val="lt1"/>
+              </a:solidFill>
+              <a:latin typeface="Arial"/>
+              <a:ea typeface="Arial"/>
+              <a:cs typeface="Arial"/>
+              <a:sym typeface="Arial"/>
+            </a:endParaRPr>
+          </a:p>
+          <a:p>
+            <a:pPr indent="-158115" lvl="0" marL="155448" rtl="0" algn="l">
+              <a:spcBef>
+                <a:spcPts val="0"/>
+              </a:spcBef>
+              <a:spcAft>
+                <a:spcPts val="0"/>
+              </a:spcAft>
+              <a:buClr>
+                <a:schemeClr val="lt1"/>
+              </a:buClr>
+              <a:buSzPts val="1050"/>
+              <a:buChar char="•"/>
+            </a:pPr>
+            <a:r>
+              <a:rPr b="1" lang="en" sz="1050">
+                <a:solidFill>
+                  <a:schemeClr val="lt1"/>
+                </a:solidFill>
+              </a:rPr>
+              <a:t>Related Person’s Name			</a:t>
+            </a:r>
+            <a:r>
+              <a:rPr b="1" lang="en" sz="1100" u="sng">
+                <a:solidFill>
+                  <a:schemeClr val="hlink"/>
+                </a:solidFill>
+                <a:hlinkClick r:id="rId55"/>
+              </a:rPr>
+              <a:t>US Core Related Person Profile</a:t>
+            </a:r>
+            <a:endParaRPr b="1" sz="1050">
+              <a:solidFill>
+                <a:schemeClr val="lt1"/>
+              </a:solidFill>
+            </a:endParaRPr>
+          </a:p>
+          <a:p>
+            <a:pPr indent="-158115" lvl="0" marL="155448" rtl="0" algn="l">
+              <a:spcBef>
+                <a:spcPts val="0"/>
+              </a:spcBef>
+              <a:spcAft>
+                <a:spcPts val="0"/>
+              </a:spcAft>
+              <a:buClr>
+                <a:schemeClr val="lt1"/>
+              </a:buClr>
+              <a:buSzPts val="1050"/>
+              <a:buChar char="•"/>
+            </a:pPr>
+            <a:r>
+              <a:rPr b="1" lang="en" sz="1050">
+                <a:solidFill>
+                  <a:schemeClr val="lt1"/>
+                </a:solidFill>
+              </a:rPr>
+              <a:t>Related Person’s Relationship		</a:t>
+            </a:r>
+            <a:r>
+              <a:rPr b="1" lang="en" sz="1100" u="sng">
+                <a:solidFill>
+                  <a:schemeClr val="lt1"/>
+                </a:solidFill>
+                <a:hlinkClick r:id="rId56">
+                  <a:extLst>
+                    <a:ext uri="{A12FA001-AC4F-418D-AE19-62706E023703}">
+                      <ahyp:hlinkClr val="tx"/>
+                    </a:ext>
+                  </a:extLst>
+                </a:hlinkClick>
+              </a:rPr>
+              <a:t>US Core Related Person Profile</a:t>
+            </a:r>
+            <a:endParaRPr b="1" sz="1050">
+              <a:solidFill>
+                <a:schemeClr val="lt1"/>
+              </a:solidFill>
+            </a:endParaRPr>
+          </a:p>
+          <a:p>
+            <a:pPr indent="-158115" lvl="0" marL="155448" rtl="0" algn="l">
+              <a:spcBef>
+                <a:spcPts val="0"/>
+              </a:spcBef>
+              <a:spcAft>
+                <a:spcPts val="0"/>
+              </a:spcAft>
+              <a:buClr>
+                <a:schemeClr val="lt1"/>
+              </a:buClr>
+              <a:buSzPts val="1050"/>
+              <a:buChar char="•"/>
+            </a:pPr>
+            <a:r>
+              <a:rPr b="1" lang="en" sz="1050">
+                <a:solidFill>
+                  <a:schemeClr val="lt1"/>
+                </a:solidFill>
+              </a:rPr>
+              <a:t>Occupation					</a:t>
+            </a:r>
+            <a:r>
+              <a:rPr b="1" lang="en" sz="1100" u="sng">
+                <a:solidFill>
+                  <a:schemeClr val="hlink"/>
+                </a:solidFill>
+                <a:hlinkClick r:id="rId57"/>
+              </a:rPr>
+              <a:t>US Core Observation Occupation Profile</a:t>
+            </a:r>
+            <a:endParaRPr b="1" sz="1050">
+              <a:solidFill>
+                <a:schemeClr val="lt1"/>
+              </a:solidFill>
+            </a:endParaRPr>
+          </a:p>
+          <a:p>
+            <a:pPr indent="-158115" lvl="0" marL="155448" rtl="0" algn="l">
+              <a:spcBef>
+                <a:spcPts val="0"/>
+              </a:spcBef>
+              <a:spcAft>
+                <a:spcPts val="0"/>
+              </a:spcAft>
+              <a:buClr>
+                <a:schemeClr val="lt1"/>
+              </a:buClr>
+              <a:buSzPts val="1050"/>
+              <a:buChar char="•"/>
+            </a:pPr>
+            <a:r>
+              <a:rPr b="1" lang="en" sz="1050">
+                <a:solidFill>
+                  <a:schemeClr val="lt1"/>
+                </a:solidFill>
+              </a:rPr>
+              <a:t>Occupation Industry			</a:t>
+            </a:r>
+            <a:r>
+              <a:rPr b="1" lang="en" sz="1100" u="sng">
+                <a:solidFill>
+                  <a:schemeClr val="lt1"/>
+                </a:solidFill>
+                <a:hlinkClick r:id="rId58">
+                  <a:extLst>
+                    <a:ext uri="{A12FA001-AC4F-418D-AE19-62706E023703}">
+                      <ahyp:hlinkClr val="tx"/>
+                    </a:ext>
+                  </a:extLst>
+                </a:hlinkClick>
+              </a:rPr>
+              <a:t>US Core Observation Occupation Profile</a:t>
+            </a:r>
+            <a:endParaRPr b="1" sz="1050">
+              <a:solidFill>
+                <a:schemeClr val="lt1"/>
+              </a:solidFill>
+            </a:endParaRPr>
+          </a:p>
+          <a:p>
+            <a:pPr indent="0" lvl="0" marL="457200" marR="0" rtl="0" algn="l">
+              <a:spcBef>
+                <a:spcPts val="0"/>
+              </a:spcBef>
+              <a:spcAft>
+                <a:spcPts val="0"/>
+              </a:spcAft>
+              <a:buNone/>
+            </a:pPr>
+            <a:r>
+              <a:t/>
+            </a:r>
+            <a:endParaRPr b="1" sz="1050">
+              <a:solidFill>
+                <a:schemeClr val="lt1"/>
+              </a:solidFill>
+            </a:endParaRPr>
+          </a:p>
+          <a:p>
+            <a:pPr indent="-94184" lvl="0" marL="160859" marR="0" rtl="0" algn="l">
+              <a:spcBef>
+                <a:spcPts val="0"/>
+              </a:spcBef>
+              <a:spcAft>
+                <a:spcPts val="0"/>
+              </a:spcAft>
+              <a:buClr>
+                <a:schemeClr val="dk1"/>
+              </a:buClr>
+              <a:buSzPts val="1050"/>
+              <a:buFont typeface="Arial"/>
+              <a:buNone/>
+            </a:pPr>
+            <a:r>
+              <a:t/>
+            </a:r>
             <a:endParaRPr b="1" sz="1050">
               <a:solidFill>
                 <a:schemeClr val="lt1"/>
@@ -35187,12 +36425,12 @@
       </p:sp>
       <p:pic>
         <p:nvPicPr>
-          <p:cNvPr id="325" name="Google Shape;325;p31"/>
+          <p:cNvPr id="326" name="Google Shape;326;p31"/>
           <p:cNvPicPr preferRelativeResize="0"/>
           <p:nvPr/>
         </p:nvPicPr>
         <p:blipFill rotWithShape="1">
-          <a:blip r:embed="rId43">
+          <a:blip r:embed="rId59">
             <a:alphaModFix/>
           </a:blip>
           <a:srcRect b="0" l="0" r="0" t="0"/>
@@ -35200,8 +36438,8 @@
         </p:blipFill>
         <p:spPr>
           <a:xfrm>
-            <a:off x="7543800" y="13052250"/>
-            <a:ext cx="237744" cy="283973"/>
+            <a:off x="7544319" y="25438552"/>
+            <a:ext cx="237745" cy="405674"/>
           </a:xfrm>
           <a:prstGeom prst="rect">
             <a:avLst/>
@@ -35214,108 +36452,14 @@
       </p:pic>
       <p:sp>
         <p:nvSpPr>
-          <p:cNvPr id="326" name="Google Shape;326;p31"/>
-          <p:cNvSpPr txBox="1"/>
-          <p:nvPr/>
-        </p:nvSpPr>
-        <p:spPr>
-          <a:xfrm>
-            <a:off x="6071616" y="13383760"/>
-            <a:ext cx="2318100" cy="430800"/>
-          </a:xfrm>
-          <a:prstGeom prst="rect">
-            <a:avLst/>
-          </a:prstGeom>
-          <a:noFill/>
-          <a:ln>
-            <a:noFill/>
-          </a:ln>
-        </p:spPr>
-        <p:txBody>
-          <a:bodyPr anchorCtr="0" anchor="t" bIns="45700" lIns="91425" spcFirstLastPara="1" rIns="91425" wrap="square" tIns="45700">
-            <a:spAutoFit/>
-          </a:bodyPr>
-          <a:lstStyle/>
-          <a:p>
-            <a:pPr indent="0" lvl="0" marL="0" marR="0" rtl="0" algn="l">
-              <a:spcBef>
-                <a:spcPts val="0"/>
-              </a:spcBef>
-              <a:spcAft>
-                <a:spcPts val="0"/>
-              </a:spcAft>
-              <a:buNone/>
-            </a:pPr>
-            <a:r>
-              <a:rPr b="1" lang="en" sz="1100">
-                <a:solidFill>
-                  <a:schemeClr val="lt1"/>
-                </a:solidFill>
-                <a:latin typeface="Arial"/>
-                <a:ea typeface="Arial"/>
-                <a:cs typeface="Arial"/>
-                <a:sym typeface="Arial"/>
-              </a:rPr>
-              <a:t>See: </a:t>
-            </a:r>
-            <a:r>
-              <a:rPr b="1" lang="en" sz="1100" u="sng">
-                <a:solidFill>
-                  <a:schemeClr val="hlink"/>
-                </a:solidFill>
-                <a:latin typeface="Arial"/>
-                <a:ea typeface="Arial"/>
-                <a:cs typeface="Arial"/>
-                <a:sym typeface="Arial"/>
-                <a:hlinkClick r:id="rId44"/>
-              </a:rPr>
-              <a:t>Medication List Guidance</a:t>
-            </a:r>
-            <a:endParaRPr b="1" sz="1100">
-              <a:solidFill>
-                <a:schemeClr val="lt1"/>
-              </a:solidFill>
-              <a:latin typeface="Arial"/>
-              <a:ea typeface="Arial"/>
-              <a:cs typeface="Arial"/>
-              <a:sym typeface="Arial"/>
-            </a:endParaRPr>
-          </a:p>
-          <a:p>
-            <a:pPr indent="0" lvl="0" marL="0" marR="0" rtl="0" algn="l">
-              <a:spcBef>
-                <a:spcPts val="0"/>
-              </a:spcBef>
-              <a:spcAft>
-                <a:spcPts val="0"/>
-              </a:spcAft>
-              <a:buNone/>
-            </a:pPr>
-            <a:r>
-              <a:t/>
-            </a:r>
-            <a:endParaRPr sz="1100">
-              <a:solidFill>
-                <a:schemeClr val="lt1"/>
-              </a:solidFill>
-              <a:latin typeface="Arial"/>
-              <a:ea typeface="Arial"/>
-              <a:cs typeface="Arial"/>
-              <a:sym typeface="Arial"/>
-            </a:endParaRPr>
-          </a:p>
-        </p:txBody>
-      </p:sp>
-      <p:sp>
-        <p:nvSpPr>
           <p:cNvPr id="327" name="Google Shape;327;p31"/>
           <p:cNvSpPr/>
           <p:nvPr/>
         </p:nvSpPr>
         <p:spPr>
           <a:xfrm>
-            <a:off x="1143290" y="13726433"/>
-            <a:ext cx="7135800" cy="3282600"/>
+            <a:off x="1142804" y="30316279"/>
+            <a:ext cx="7136700" cy="1827900"/>
           </a:xfrm>
           <a:prstGeom prst="rect">
             <a:avLst/>
@@ -35372,8 +36516,8 @@
         </p:nvSpPr>
         <p:spPr>
           <a:xfrm>
-            <a:off x="1004888" y="13818315"/>
-            <a:ext cx="7274700" cy="3232800"/>
+            <a:off x="1129900" y="30447534"/>
+            <a:ext cx="7118400" cy="1437600"/>
           </a:xfrm>
           <a:prstGeom prst="roundRect">
             <a:avLst>
@@ -35413,7 +36557,7 @@
                 <a:cs typeface="Arial"/>
                 <a:sym typeface="Arial"/>
               </a:rPr>
-              <a:t>Patient Demographics			</a:t>
+              <a:t>Problems					</a:t>
             </a:r>
             <a:r>
               <a:rPr b="1" lang="en" sz="1100" u="sng">
@@ -35424,9 +36568,9 @@
                 <a:ea typeface="Arial"/>
                 <a:cs typeface="Arial"/>
                 <a:sym typeface="Arial"/>
-                <a:hlinkClick r:id="rId45"/>
+                <a:hlinkClick r:id="rId60"/>
               </a:rPr>
-              <a:t>US Core Patient Profile</a:t>
+              <a:t>US Core Condition Problems and Health Concerns Profile</a:t>
             </a:r>
             <a:endParaRPr b="1" i="1" sz="1100">
               <a:solidFill>
@@ -35463,7 +36607,7 @@
                 <a:cs typeface="Arial"/>
                 <a:sym typeface="Arial"/>
               </a:rPr>
-              <a:t>Name</a:t>
+              <a:t>Problems</a:t>
             </a:r>
             <a:endParaRPr/>
           </a:p>
@@ -35492,7 +36636,7 @@
                 <a:cs typeface="Arial"/>
                 <a:sym typeface="Arial"/>
               </a:rPr>
-              <a:t>Last Name</a:t>
+              <a:t>SDOH Problems/Health Concerns</a:t>
             </a:r>
             <a:endParaRPr/>
           </a:p>
@@ -35521,7 +36665,7 @@
                 <a:cs typeface="Arial"/>
                 <a:sym typeface="Arial"/>
               </a:rPr>
-              <a:t>Previous Name</a:t>
+              <a:t>Date of Onset</a:t>
             </a:r>
             <a:endParaRPr/>
           </a:p>
@@ -35550,519 +36694,9 @@
                 <a:cs typeface="Arial"/>
                 <a:sym typeface="Arial"/>
               </a:rPr>
-              <a:t>Middle Name (incl. middle initial)</a:t>
+              <a:t>Date of Resolution</a:t>
             </a:r>
             <a:endParaRPr/>
-          </a:p>
-          <a:p>
-            <a:pPr indent="-160859" lvl="0" marL="160859" marR="0" rtl="0" algn="l">
-              <a:spcBef>
-                <a:spcPts val="0"/>
-              </a:spcBef>
-              <a:spcAft>
-                <a:spcPts val="0"/>
-              </a:spcAft>
-              <a:buClr>
-                <a:schemeClr val="lt1"/>
-              </a:buClr>
-              <a:buSzPts val="1050"/>
-              <a:buFont typeface="Arial"/>
-              <a:buChar char="•"/>
-            </a:pPr>
-            <a:r>
-              <a:rPr b="1" lang="en" sz="1050">
-                <a:solidFill>
-                  <a:schemeClr val="lt1"/>
-                </a:solidFill>
-                <a:latin typeface="Arial"/>
-                <a:ea typeface="Arial"/>
-                <a:cs typeface="Arial"/>
-                <a:sym typeface="Arial"/>
-              </a:rPr>
-              <a:t>Suffix</a:t>
-            </a:r>
-            <a:endParaRPr/>
-          </a:p>
-          <a:p>
-            <a:pPr indent="-160859" lvl="0" marL="160859" marR="0" rtl="0" algn="l">
-              <a:spcBef>
-                <a:spcPts val="0"/>
-              </a:spcBef>
-              <a:spcAft>
-                <a:spcPts val="0"/>
-              </a:spcAft>
-              <a:buClr>
-                <a:schemeClr val="lt1"/>
-              </a:buClr>
-              <a:buSzPts val="1050"/>
-              <a:buFont typeface="Arial"/>
-              <a:buChar char="•"/>
-            </a:pPr>
-            <a:r>
-              <a:rPr b="1" lang="en" sz="1050">
-                <a:solidFill>
-                  <a:schemeClr val="lt1"/>
-                </a:solidFill>
-                <a:latin typeface="Arial"/>
-                <a:ea typeface="Arial"/>
-                <a:cs typeface="Arial"/>
-                <a:sym typeface="Arial"/>
-              </a:rPr>
-              <a:t>Sex (Assigned at Birth)			</a:t>
-            </a:r>
-            <a:r>
-              <a:rPr b="1" lang="en" sz="1050" u="sng">
-                <a:solidFill>
-                  <a:schemeClr val="hlink"/>
-                </a:solidFill>
-                <a:latin typeface="Arial"/>
-                <a:ea typeface="Arial"/>
-                <a:cs typeface="Arial"/>
-                <a:sym typeface="Arial"/>
-                <a:hlinkClick r:id="rId46"/>
-              </a:rPr>
-              <a:t>US Core Birth Sex Extension</a:t>
-            </a:r>
-            <a:endParaRPr b="1" sz="1050">
-              <a:solidFill>
-                <a:schemeClr val="lt1"/>
-              </a:solidFill>
-              <a:latin typeface="Arial"/>
-              <a:ea typeface="Arial"/>
-              <a:cs typeface="Arial"/>
-              <a:sym typeface="Arial"/>
-            </a:endParaRPr>
-          </a:p>
-          <a:p>
-            <a:pPr indent="-160859" lvl="0" marL="160859" marR="0" rtl="0" algn="l">
-              <a:spcBef>
-                <a:spcPts val="0"/>
-              </a:spcBef>
-              <a:spcAft>
-                <a:spcPts val="0"/>
-              </a:spcAft>
-              <a:buClr>
-                <a:schemeClr val="lt1"/>
-              </a:buClr>
-              <a:buSzPts val="1050"/>
-              <a:buFont typeface="Arial"/>
-              <a:buChar char="•"/>
-            </a:pPr>
-            <a:r>
-              <a:rPr b="1" lang="en" sz="1050">
-                <a:solidFill>
-                  <a:schemeClr val="lt1"/>
-                </a:solidFill>
-                <a:latin typeface="Arial"/>
-                <a:ea typeface="Arial"/>
-                <a:cs typeface="Arial"/>
-                <a:sym typeface="Arial"/>
-              </a:rPr>
-              <a:t>Sexual Orientation				</a:t>
-            </a:r>
-            <a:r>
-              <a:rPr b="1" lang="en" sz="1050" u="sng">
-                <a:solidFill>
-                  <a:schemeClr val="hlink"/>
-                </a:solidFill>
-                <a:latin typeface="Arial"/>
-                <a:ea typeface="Arial"/>
-                <a:cs typeface="Arial"/>
-                <a:sym typeface="Arial"/>
-                <a:hlinkClick r:id="rId47"/>
-              </a:rPr>
-              <a:t>US Core Sexual Orientation Observation Profile</a:t>
-            </a:r>
-            <a:endParaRPr b="1" sz="1050">
-              <a:solidFill>
-                <a:schemeClr val="lt1"/>
-              </a:solidFill>
-              <a:latin typeface="Arial"/>
-              <a:ea typeface="Arial"/>
-              <a:cs typeface="Arial"/>
-              <a:sym typeface="Arial"/>
-            </a:endParaRPr>
-          </a:p>
-          <a:p>
-            <a:pPr indent="-160859" lvl="0" marL="160859" marR="0" rtl="0" algn="l">
-              <a:spcBef>
-                <a:spcPts val="0"/>
-              </a:spcBef>
-              <a:spcAft>
-                <a:spcPts val="0"/>
-              </a:spcAft>
-              <a:buClr>
-                <a:schemeClr val="lt1"/>
-              </a:buClr>
-              <a:buSzPts val="1050"/>
-              <a:buFont typeface="Arial"/>
-              <a:buChar char="•"/>
-            </a:pPr>
-            <a:r>
-              <a:rPr b="1" lang="en" sz="1050">
-                <a:solidFill>
-                  <a:schemeClr val="lt1"/>
-                </a:solidFill>
-                <a:latin typeface="Arial"/>
-                <a:ea typeface="Arial"/>
-                <a:cs typeface="Arial"/>
-                <a:sym typeface="Arial"/>
-              </a:rPr>
-              <a:t>Gender Identity				</a:t>
-            </a:r>
-            <a:r>
-              <a:rPr b="1" lang="en" sz="1050" u="sng">
-                <a:solidFill>
-                  <a:schemeClr val="hlink"/>
-                </a:solidFill>
-                <a:latin typeface="Arial"/>
-                <a:ea typeface="Arial"/>
-                <a:cs typeface="Arial"/>
-                <a:sym typeface="Arial"/>
-                <a:hlinkClick r:id="rId48"/>
-              </a:rPr>
-              <a:t>US Core Gender Identity Extension</a:t>
-            </a:r>
-            <a:endParaRPr b="1" sz="1050">
-              <a:solidFill>
-                <a:schemeClr val="lt1"/>
-              </a:solidFill>
-              <a:latin typeface="Arial"/>
-              <a:ea typeface="Arial"/>
-              <a:cs typeface="Arial"/>
-              <a:sym typeface="Arial"/>
-            </a:endParaRPr>
-          </a:p>
-          <a:p>
-            <a:pPr indent="-160859" lvl="0" marL="160859" marR="0" rtl="0" algn="l">
-              <a:spcBef>
-                <a:spcPts val="0"/>
-              </a:spcBef>
-              <a:spcAft>
-                <a:spcPts val="0"/>
-              </a:spcAft>
-              <a:buClr>
-                <a:schemeClr val="lt1"/>
-              </a:buClr>
-              <a:buSzPts val="1050"/>
-              <a:buFont typeface="Arial"/>
-              <a:buChar char="•"/>
-            </a:pPr>
-            <a:r>
-              <a:rPr b="1" lang="en" sz="1050">
-                <a:solidFill>
-                  <a:schemeClr val="lt1"/>
-                </a:solidFill>
-                <a:latin typeface="Arial"/>
-                <a:ea typeface="Arial"/>
-                <a:cs typeface="Arial"/>
-                <a:sym typeface="Arial"/>
-              </a:rPr>
-              <a:t>Date of Birth</a:t>
-            </a:r>
-            <a:endParaRPr/>
-          </a:p>
-          <a:p>
-            <a:pPr indent="-160859" lvl="0" marL="160859" marR="0" rtl="0" algn="l">
-              <a:spcBef>
-                <a:spcPts val="0"/>
-              </a:spcBef>
-              <a:spcAft>
-                <a:spcPts val="0"/>
-              </a:spcAft>
-              <a:buClr>
-                <a:schemeClr val="lt1"/>
-              </a:buClr>
-              <a:buSzPts val="1050"/>
-              <a:buFont typeface="Arial"/>
-              <a:buChar char="•"/>
-            </a:pPr>
-            <a:r>
-              <a:rPr b="1" lang="en" sz="1050">
-                <a:solidFill>
-                  <a:schemeClr val="lt1"/>
-                </a:solidFill>
-                <a:latin typeface="Arial"/>
-                <a:ea typeface="Arial"/>
-                <a:cs typeface="Arial"/>
-                <a:sym typeface="Arial"/>
-              </a:rPr>
-              <a:t>Race					</a:t>
-            </a:r>
-            <a:r>
-              <a:rPr b="1" lang="en" sz="1050" u="sng">
-                <a:solidFill>
-                  <a:schemeClr val="hlink"/>
-                </a:solidFill>
-                <a:latin typeface="Arial"/>
-                <a:ea typeface="Arial"/>
-                <a:cs typeface="Arial"/>
-                <a:sym typeface="Arial"/>
-                <a:hlinkClick r:id="rId49"/>
-              </a:rPr>
-              <a:t>US Core Race Extension</a:t>
-            </a:r>
-            <a:endParaRPr b="1" sz="1050">
-              <a:solidFill>
-                <a:schemeClr val="lt1"/>
-              </a:solidFill>
-              <a:latin typeface="Arial"/>
-              <a:ea typeface="Arial"/>
-              <a:cs typeface="Arial"/>
-              <a:sym typeface="Arial"/>
-            </a:endParaRPr>
-          </a:p>
-          <a:p>
-            <a:pPr indent="-160859" lvl="0" marL="160859" marR="0" rtl="0" algn="l">
-              <a:spcBef>
-                <a:spcPts val="0"/>
-              </a:spcBef>
-              <a:spcAft>
-                <a:spcPts val="0"/>
-              </a:spcAft>
-              <a:buClr>
-                <a:schemeClr val="lt1"/>
-              </a:buClr>
-              <a:buSzPts val="1050"/>
-              <a:buFont typeface="Arial"/>
-              <a:buChar char="•"/>
-            </a:pPr>
-            <a:r>
-              <a:rPr b="1" lang="en" sz="1050">
-                <a:solidFill>
-                  <a:schemeClr val="lt1"/>
-                </a:solidFill>
-                <a:latin typeface="Arial"/>
-                <a:ea typeface="Arial"/>
-                <a:cs typeface="Arial"/>
-                <a:sym typeface="Arial"/>
-              </a:rPr>
-              <a:t>Ethnicity					</a:t>
-            </a:r>
-            <a:r>
-              <a:rPr b="1" lang="en" sz="1050" u="sng">
-                <a:solidFill>
-                  <a:schemeClr val="hlink"/>
-                </a:solidFill>
-                <a:latin typeface="Arial"/>
-                <a:ea typeface="Arial"/>
-                <a:cs typeface="Arial"/>
-                <a:sym typeface="Arial"/>
-                <a:hlinkClick r:id="rId50"/>
-              </a:rPr>
-              <a:t>US Core Ethnicity Extension</a:t>
-            </a:r>
-            <a:endParaRPr b="1" sz="1050">
-              <a:solidFill>
-                <a:schemeClr val="lt1"/>
-              </a:solidFill>
-              <a:latin typeface="Arial"/>
-              <a:ea typeface="Arial"/>
-              <a:cs typeface="Arial"/>
-              <a:sym typeface="Arial"/>
-            </a:endParaRPr>
-          </a:p>
-          <a:p>
-            <a:pPr indent="-160859" lvl="0" marL="160859" marR="0" rtl="0" algn="l">
-              <a:spcBef>
-                <a:spcPts val="0"/>
-              </a:spcBef>
-              <a:spcAft>
-                <a:spcPts val="0"/>
-              </a:spcAft>
-              <a:buClr>
-                <a:schemeClr val="lt1"/>
-              </a:buClr>
-              <a:buSzPts val="1050"/>
-              <a:buFont typeface="Arial"/>
-              <a:buChar char="•"/>
-            </a:pPr>
-            <a:r>
-              <a:rPr b="1" lang="en" sz="1050">
-                <a:solidFill>
-                  <a:schemeClr val="lt1"/>
-                </a:solidFill>
-                <a:latin typeface="Arial"/>
-                <a:ea typeface="Arial"/>
-                <a:cs typeface="Arial"/>
-                <a:sym typeface="Arial"/>
-              </a:rPr>
-              <a:t>Preferred Language</a:t>
-            </a:r>
-            <a:endParaRPr/>
-          </a:p>
-          <a:p>
-            <a:pPr indent="-160859" lvl="0" marL="160859" marR="0" rtl="0" algn="l">
-              <a:spcBef>
-                <a:spcPts val="0"/>
-              </a:spcBef>
-              <a:spcAft>
-                <a:spcPts val="0"/>
-              </a:spcAft>
-              <a:buClr>
-                <a:schemeClr val="lt1"/>
-              </a:buClr>
-              <a:buSzPts val="1050"/>
-              <a:buFont typeface="Arial"/>
-              <a:buChar char="•"/>
-            </a:pPr>
-            <a:r>
-              <a:rPr b="1" lang="en" sz="1050">
-                <a:solidFill>
-                  <a:schemeClr val="lt1"/>
-                </a:solidFill>
-                <a:latin typeface="Arial"/>
-                <a:ea typeface="Arial"/>
-                <a:cs typeface="Arial"/>
-                <a:sym typeface="Arial"/>
-              </a:rPr>
-              <a:t>Current Address </a:t>
-            </a:r>
-            <a:endParaRPr/>
-          </a:p>
-          <a:p>
-            <a:pPr indent="-160859" lvl="0" marL="160859" marR="0" rtl="0" algn="l">
-              <a:spcBef>
-                <a:spcPts val="0"/>
-              </a:spcBef>
-              <a:spcAft>
-                <a:spcPts val="0"/>
-              </a:spcAft>
-              <a:buClr>
-                <a:schemeClr val="lt1"/>
-              </a:buClr>
-              <a:buSzPts val="1050"/>
-              <a:buFont typeface="Arial"/>
-              <a:buChar char="•"/>
-            </a:pPr>
-            <a:r>
-              <a:rPr b="1" lang="en" sz="1050">
-                <a:solidFill>
-                  <a:schemeClr val="lt1"/>
-                </a:solidFill>
-                <a:latin typeface="Arial"/>
-                <a:ea typeface="Arial"/>
-                <a:cs typeface="Arial"/>
-                <a:sym typeface="Arial"/>
-              </a:rPr>
-              <a:t>Previous Address </a:t>
-            </a:r>
-            <a:endParaRPr/>
-          </a:p>
-          <a:p>
-            <a:pPr indent="-160859" lvl="0" marL="160859" marR="0" rtl="0" algn="l">
-              <a:spcBef>
-                <a:spcPts val="0"/>
-              </a:spcBef>
-              <a:spcAft>
-                <a:spcPts val="0"/>
-              </a:spcAft>
-              <a:buClr>
-                <a:schemeClr val="lt1"/>
-              </a:buClr>
-              <a:buSzPts val="1050"/>
-              <a:buFont typeface="Arial"/>
-              <a:buChar char="•"/>
-            </a:pPr>
-            <a:r>
-              <a:rPr b="1" lang="en" sz="1050">
-                <a:solidFill>
-                  <a:schemeClr val="lt1"/>
-                </a:solidFill>
-                <a:latin typeface="Arial"/>
-                <a:ea typeface="Arial"/>
-                <a:cs typeface="Arial"/>
-                <a:sym typeface="Arial"/>
-              </a:rPr>
-              <a:t>Phone Number</a:t>
-            </a:r>
-            <a:endParaRPr/>
-          </a:p>
-          <a:p>
-            <a:pPr indent="-160859" lvl="0" marL="160859" marR="0" rtl="0" algn="l">
-              <a:spcBef>
-                <a:spcPts val="0"/>
-              </a:spcBef>
-              <a:spcAft>
-                <a:spcPts val="0"/>
-              </a:spcAft>
-              <a:buClr>
-                <a:schemeClr val="lt1"/>
-              </a:buClr>
-              <a:buSzPts val="1050"/>
-              <a:buFont typeface="Arial"/>
-              <a:buChar char="•"/>
-            </a:pPr>
-            <a:r>
-              <a:rPr b="1" lang="en" sz="1050">
-                <a:solidFill>
-                  <a:schemeClr val="lt1"/>
-                </a:solidFill>
-                <a:latin typeface="Arial"/>
-                <a:ea typeface="Arial"/>
-                <a:cs typeface="Arial"/>
-                <a:sym typeface="Arial"/>
-              </a:rPr>
-              <a:t>Phone Number Type</a:t>
-            </a:r>
-            <a:endParaRPr/>
-          </a:p>
-          <a:p>
-            <a:pPr indent="-160859" lvl="0" marL="160859" marR="0" rtl="0" algn="l">
-              <a:spcBef>
-                <a:spcPts val="0"/>
-              </a:spcBef>
-              <a:spcAft>
-                <a:spcPts val="0"/>
-              </a:spcAft>
-              <a:buClr>
-                <a:schemeClr val="lt1"/>
-              </a:buClr>
-              <a:buSzPts val="1050"/>
-              <a:buFont typeface="Arial"/>
-              <a:buChar char="•"/>
-            </a:pPr>
-            <a:r>
-              <a:rPr b="1" lang="en" sz="1050">
-                <a:solidFill>
-                  <a:schemeClr val="lt1"/>
-                </a:solidFill>
-                <a:latin typeface="Arial"/>
-                <a:ea typeface="Arial"/>
-                <a:cs typeface="Arial"/>
-                <a:sym typeface="Arial"/>
-              </a:rPr>
-              <a:t>Email Address</a:t>
-            </a:r>
-            <a:endParaRPr/>
-          </a:p>
-          <a:p>
-            <a:pPr indent="-94184" lvl="0" marL="160859" marR="0" rtl="0" algn="l">
-              <a:spcBef>
-                <a:spcPts val="0"/>
-              </a:spcBef>
-              <a:spcAft>
-                <a:spcPts val="0"/>
-              </a:spcAft>
-              <a:buClr>
-                <a:schemeClr val="dk1"/>
-              </a:buClr>
-              <a:buSzPts val="1050"/>
-              <a:buFont typeface="Arial"/>
-              <a:buNone/>
-            </a:pPr>
-            <a:r>
-              <a:t/>
-            </a:r>
-            <a:endParaRPr b="1" sz="1050">
-              <a:solidFill>
-                <a:schemeClr val="lt1"/>
-              </a:solidFill>
-              <a:latin typeface="Arial"/>
-              <a:ea typeface="Arial"/>
-              <a:cs typeface="Arial"/>
-              <a:sym typeface="Arial"/>
-            </a:endParaRPr>
           </a:p>
         </p:txBody>
       </p:sp>
@@ -36073,7 +36707,7 @@
           <p:nvPr/>
         </p:nvPicPr>
         <p:blipFill rotWithShape="1">
-          <a:blip r:embed="rId51">
+          <a:blip r:embed="rId61">
             <a:alphaModFix/>
           </a:blip>
           <a:srcRect b="0" l="0" r="0" t="0"/>
@@ -36081,8 +36715,35 @@
         </p:blipFill>
         <p:spPr>
           <a:xfrm>
-            <a:off x="7543800" y="14135442"/>
-            <a:ext cx="237745" cy="283973"/>
+            <a:off x="7544313" y="31102755"/>
+            <a:ext cx="320040" cy="320040"/>
+          </a:xfrm>
+          <a:prstGeom prst="rect">
+            <a:avLst/>
+          </a:prstGeom>
+          <a:noFill/>
+          <a:ln>
+            <a:noFill/>
+          </a:ln>
+        </p:spPr>
+      </p:pic>
+      <p:pic>
+        <p:nvPicPr>
+          <p:cNvPr id="330" name="Google Shape;330;p31"/>
+          <p:cNvPicPr preferRelativeResize="0"/>
+          <p:nvPr/>
+        </p:nvPicPr>
+        <p:blipFill rotWithShape="1">
+          <a:blip r:embed="rId62">
+            <a:alphaModFix/>
+          </a:blip>
+          <a:srcRect b="0" l="0" r="0" t="0"/>
+          <a:stretch/>
+        </p:blipFill>
+        <p:spPr>
+          <a:xfrm>
+            <a:off x="7544313" y="32475758"/>
+            <a:ext cx="246888" cy="390827"/>
           </a:xfrm>
           <a:prstGeom prst="rect">
             <a:avLst/>
@@ -36095,14 +36756,202 @@
       </p:pic>
       <p:sp>
         <p:nvSpPr>
-          <p:cNvPr id="330" name="Google Shape;330;p31"/>
+          <p:cNvPr id="331" name="Google Shape;331;p31"/>
+          <p:cNvSpPr txBox="1"/>
+          <p:nvPr/>
+        </p:nvSpPr>
+        <p:spPr>
+          <a:xfrm>
+            <a:off x="6075011" y="33555867"/>
+            <a:ext cx="2115600" cy="430800"/>
+          </a:xfrm>
+          <a:prstGeom prst="rect">
+            <a:avLst/>
+          </a:prstGeom>
+          <a:noFill/>
+          <a:ln>
+            <a:noFill/>
+          </a:ln>
+        </p:spPr>
+        <p:txBody>
+          <a:bodyPr anchorCtr="0" anchor="t" bIns="45700" lIns="91425" spcFirstLastPara="1" rIns="91425" wrap="square" tIns="45700">
+            <a:spAutoFit/>
+          </a:bodyPr>
+          <a:lstStyle/>
+          <a:p>
+            <a:pPr indent="0" lvl="0" marL="0" marR="0" rtl="0" algn="l">
+              <a:spcBef>
+                <a:spcPts val="0"/>
+              </a:spcBef>
+              <a:spcAft>
+                <a:spcPts val="0"/>
+              </a:spcAft>
+              <a:buNone/>
+            </a:pPr>
+            <a:r>
+              <a:rPr b="1" lang="en" sz="1100">
+                <a:solidFill>
+                  <a:schemeClr val="lt1"/>
+                </a:solidFill>
+                <a:latin typeface="Arial"/>
+                <a:ea typeface="Arial"/>
+                <a:cs typeface="Arial"/>
+                <a:sym typeface="Arial"/>
+              </a:rPr>
+              <a:t>See: </a:t>
+            </a:r>
+            <a:r>
+              <a:rPr b="1" lang="en" sz="1100" u="sng">
+                <a:solidFill>
+                  <a:schemeClr val="hlink"/>
+                </a:solidFill>
+                <a:latin typeface="Arial"/>
+                <a:ea typeface="Arial"/>
+                <a:cs typeface="Arial"/>
+                <a:sym typeface="Arial"/>
+                <a:hlinkClick r:id="rId63"/>
+              </a:rPr>
+              <a:t>SDOH Guidance</a:t>
+            </a:r>
+            <a:endParaRPr b="1" sz="1100">
+              <a:solidFill>
+                <a:schemeClr val="lt1"/>
+              </a:solidFill>
+              <a:latin typeface="Arial"/>
+              <a:ea typeface="Arial"/>
+              <a:cs typeface="Arial"/>
+              <a:sym typeface="Arial"/>
+            </a:endParaRPr>
+          </a:p>
+          <a:p>
+            <a:pPr indent="0" lvl="0" marL="0" marR="0" rtl="0" algn="l">
+              <a:spcBef>
+                <a:spcPts val="0"/>
+              </a:spcBef>
+              <a:spcAft>
+                <a:spcPts val="0"/>
+              </a:spcAft>
+              <a:buNone/>
+            </a:pPr>
+            <a:r>
+              <a:t/>
+            </a:r>
+            <a:endParaRPr sz="1100">
+              <a:solidFill>
+                <a:schemeClr val="lt1"/>
+              </a:solidFill>
+              <a:latin typeface="Arial"/>
+              <a:ea typeface="Arial"/>
+              <a:cs typeface="Arial"/>
+              <a:sym typeface="Arial"/>
+            </a:endParaRPr>
+          </a:p>
+        </p:txBody>
+      </p:sp>
+      <p:sp>
+        <p:nvSpPr>
+          <p:cNvPr id="332" name="Google Shape;332;p31"/>
+          <p:cNvSpPr txBox="1"/>
+          <p:nvPr/>
+        </p:nvSpPr>
+        <p:spPr>
+          <a:xfrm>
+            <a:off x="6073095" y="33868223"/>
+            <a:ext cx="2115600" cy="430800"/>
+          </a:xfrm>
+          <a:prstGeom prst="rect">
+            <a:avLst/>
+          </a:prstGeom>
+          <a:noFill/>
+          <a:ln>
+            <a:noFill/>
+          </a:ln>
+        </p:spPr>
+        <p:txBody>
+          <a:bodyPr anchorCtr="0" anchor="t" bIns="45700" lIns="91425" spcFirstLastPara="1" rIns="91425" wrap="square" tIns="45700">
+            <a:spAutoFit/>
+          </a:bodyPr>
+          <a:lstStyle/>
+          <a:p>
+            <a:pPr indent="0" lvl="0" marL="0" marR="0" rtl="0" algn="l">
+              <a:spcBef>
+                <a:spcPts val="0"/>
+              </a:spcBef>
+              <a:spcAft>
+                <a:spcPts val="0"/>
+              </a:spcAft>
+              <a:buNone/>
+            </a:pPr>
+            <a:r>
+              <a:rPr b="1" lang="en" sz="1100">
+                <a:solidFill>
+                  <a:schemeClr val="lt1"/>
+                </a:solidFill>
+                <a:latin typeface="Arial"/>
+                <a:ea typeface="Arial"/>
+                <a:cs typeface="Arial"/>
+                <a:sym typeface="Arial"/>
+              </a:rPr>
+              <a:t>See: </a:t>
+            </a:r>
+            <a:r>
+              <a:rPr b="1" lang="en" sz="1100" u="sng">
+                <a:solidFill>
+                  <a:schemeClr val="hlink"/>
+                </a:solidFill>
+                <a:latin typeface="Arial"/>
+                <a:ea typeface="Arial"/>
+                <a:cs typeface="Arial"/>
+                <a:sym typeface="Arial"/>
+                <a:hlinkClick r:id="rId64"/>
+              </a:rPr>
+              <a:t>SDOH Guidance</a:t>
+            </a:r>
+            <a:endParaRPr b="1" sz="1100">
+              <a:solidFill>
+                <a:schemeClr val="lt1"/>
+              </a:solidFill>
+              <a:latin typeface="Arial"/>
+              <a:ea typeface="Arial"/>
+              <a:cs typeface="Arial"/>
+              <a:sym typeface="Arial"/>
+            </a:endParaRPr>
+          </a:p>
+          <a:p>
+            <a:pPr indent="0" lvl="0" marL="0" marR="0" rtl="0" algn="l">
+              <a:spcBef>
+                <a:spcPts val="0"/>
+              </a:spcBef>
+              <a:spcAft>
+                <a:spcPts val="0"/>
+              </a:spcAft>
+              <a:buNone/>
+            </a:pPr>
+            <a:r>
+              <a:t/>
+            </a:r>
+            <a:endParaRPr sz="1100">
+              <a:solidFill>
+                <a:schemeClr val="lt1"/>
+              </a:solidFill>
+              <a:latin typeface="Arial"/>
+              <a:ea typeface="Arial"/>
+              <a:cs typeface="Arial"/>
+              <a:sym typeface="Arial"/>
+            </a:endParaRPr>
+          </a:p>
+        </p:txBody>
+      </p:sp>
+      <p:sp>
+        <p:nvSpPr>
+          <p:cNvPr id="333" name="Google Shape;333;p31"/>
           <p:cNvSpPr/>
           <p:nvPr/>
         </p:nvSpPr>
         <p:spPr>
           <a:xfrm>
-            <a:off x="1142292" y="17042048"/>
-            <a:ext cx="7136700" cy="1279200"/>
+            <a:off x="1149445" y="34034601"/>
+            <a:ext cx="7113300" cy="1165500"/>
           </a:xfrm>
           <a:prstGeom prst="rect">
             <a:avLst/>
@@ -36153,14 +37002,14 @@
       </p:sp>
       <p:sp>
         <p:nvSpPr>
-          <p:cNvPr id="331" name="Google Shape;331;p31"/>
+          <p:cNvPr id="334" name="Google Shape;334;p31"/>
           <p:cNvSpPr/>
           <p:nvPr/>
         </p:nvSpPr>
         <p:spPr>
           <a:xfrm>
-            <a:off x="1129388" y="17133926"/>
-            <a:ext cx="7118400" cy="1006200"/>
+            <a:off x="1143000" y="34188880"/>
+            <a:ext cx="7105500" cy="820800"/>
           </a:xfrm>
           <a:prstGeom prst="roundRect">
             <a:avLst>
@@ -36200,7 +37049,7 @@
                 <a:cs typeface="Arial"/>
                 <a:sym typeface="Arial"/>
               </a:rPr>
-              <a:t>Problems					</a:t>
+              <a:t>Provenance					</a:t>
             </a:r>
             <a:r>
               <a:rPr b="1" lang="en" sz="1100" u="sng">
@@ -36211,9 +37060,9 @@
                 <a:ea typeface="Arial"/>
                 <a:cs typeface="Arial"/>
                 <a:sym typeface="Arial"/>
-                <a:hlinkClick r:id="rId52"/>
+                <a:hlinkClick r:id="rId65"/>
               </a:rPr>
-              <a:t>US Core Condition Problems and Health Concerns Profile</a:t>
+              <a:t>US Core Provenance Profile</a:t>
             </a:r>
             <a:endParaRPr b="1" i="1" sz="1100">
               <a:solidFill>
@@ -36250,7 +37099,7 @@
                 <a:cs typeface="Arial"/>
                 <a:sym typeface="Arial"/>
               </a:rPr>
-              <a:t>Problems</a:t>
+              <a:t>Author Time Stamp</a:t>
             </a:r>
             <a:endParaRPr/>
           </a:p>
@@ -36279,133 +37128,21 @@
                 <a:cs typeface="Arial"/>
                 <a:sym typeface="Arial"/>
               </a:rPr>
-              <a:t>SDOH Problems/Health Concerns</a:t>
-            </a:r>
-            <a:endParaRPr/>
-          </a:p>
-          <a:p>
-            <a:pPr indent="-160859" lvl="0" marL="160859" marR="0" rtl="0" algn="l">
-              <a:spcBef>
-                <a:spcPts val="0"/>
-              </a:spcBef>
-              <a:spcAft>
-                <a:spcPts val="0"/>
-              </a:spcAft>
-              <a:buClr>
-                <a:schemeClr val="lt1"/>
-              </a:buClr>
-              <a:buSzPts val="1050"/>
-              <a:buFont typeface="Arial"/>
-              <a:buChar char="•"/>
-            </a:pPr>
-            <a:r>
-              <a:rPr b="1" lang="en" sz="1050">
-                <a:solidFill>
-                  <a:schemeClr val="lt1"/>
-                </a:solidFill>
-                <a:latin typeface="Arial"/>
-                <a:ea typeface="Arial"/>
-                <a:cs typeface="Arial"/>
-                <a:sym typeface="Arial"/>
-              </a:rPr>
-              <a:t>Date of Onset</a:t>
-            </a:r>
-            <a:endParaRPr/>
-          </a:p>
-          <a:p>
-            <a:pPr indent="-160859" lvl="0" marL="160859" marR="0" rtl="0" algn="l">
-              <a:spcBef>
-                <a:spcPts val="0"/>
-              </a:spcBef>
-              <a:spcAft>
-                <a:spcPts val="0"/>
-              </a:spcAft>
-              <a:buClr>
-                <a:schemeClr val="lt1"/>
-              </a:buClr>
-              <a:buSzPts val="1050"/>
-              <a:buFont typeface="Arial"/>
-              <a:buChar char="•"/>
-            </a:pPr>
-            <a:r>
-              <a:rPr b="1" lang="en" sz="1050">
-                <a:solidFill>
-                  <a:schemeClr val="lt1"/>
-                </a:solidFill>
-                <a:latin typeface="Arial"/>
-                <a:ea typeface="Arial"/>
-                <a:cs typeface="Arial"/>
-                <a:sym typeface="Arial"/>
-              </a:rPr>
-              <a:t>Date of Resolution</a:t>
+              <a:t>Author Organization</a:t>
             </a:r>
             <a:endParaRPr/>
           </a:p>
         </p:txBody>
       </p:sp>
-      <p:pic>
-        <p:nvPicPr>
-          <p:cNvPr id="332" name="Google Shape;332;p31"/>
-          <p:cNvPicPr preferRelativeResize="0"/>
-          <p:nvPr/>
-        </p:nvPicPr>
-        <p:blipFill rotWithShape="1">
-          <a:blip r:embed="rId53">
-            <a:alphaModFix/>
-          </a:blip>
-          <a:srcRect b="0" l="0" r="0" t="0"/>
-          <a:stretch/>
-        </p:blipFill>
-        <p:spPr>
-          <a:xfrm>
-            <a:off x="7543800" y="17592581"/>
-            <a:ext cx="320040" cy="320040"/>
-          </a:xfrm>
-          <a:prstGeom prst="rect">
-            <a:avLst/>
-          </a:prstGeom>
-          <a:noFill/>
-          <a:ln>
-            <a:noFill/>
-          </a:ln>
-        </p:spPr>
-      </p:pic>
-      <p:pic>
-        <p:nvPicPr>
-          <p:cNvPr id="333" name="Google Shape;333;p31"/>
-          <p:cNvPicPr preferRelativeResize="0"/>
-          <p:nvPr/>
-        </p:nvPicPr>
-        <p:blipFill rotWithShape="1">
-          <a:blip r:embed="rId54">
-            <a:alphaModFix/>
-          </a:blip>
-          <a:srcRect b="0" l="0" r="0" t="0"/>
-          <a:stretch/>
-        </p:blipFill>
-        <p:spPr>
-          <a:xfrm>
-            <a:off x="7543800" y="18553683"/>
-            <a:ext cx="246888" cy="273578"/>
-          </a:xfrm>
-          <a:prstGeom prst="rect">
-            <a:avLst/>
-          </a:prstGeom>
-          <a:noFill/>
-          <a:ln>
-            <a:noFill/>
-          </a:ln>
-        </p:spPr>
-      </p:pic>
       <p:sp>
         <p:nvSpPr>
-          <p:cNvPr id="334" name="Google Shape;334;p31"/>
+          <p:cNvPr id="335" name="Google Shape;335;p31"/>
           <p:cNvSpPr txBox="1"/>
           <p:nvPr/>
         </p:nvSpPr>
         <p:spPr>
           <a:xfrm>
-            <a:off x="6071616" y="19159336"/>
+            <a:off x="6075011" y="34773997"/>
             <a:ext cx="2115600" cy="430800"/>
           </a:xfrm>
           <a:prstGeom prst="rect">
@@ -36452,103 +37189,9 @@
                 <a:ea typeface="Arial"/>
                 <a:cs typeface="Arial"/>
                 <a:sym typeface="Arial"/>
-                <a:hlinkClick r:id="rId55"/>
+                <a:hlinkClick r:id="rId66"/>
               </a:rPr>
-              <a:t>SDOH Guidance</a:t>
-            </a:r>
-            <a:endParaRPr b="1" sz="1100">
-              <a:solidFill>
-                <a:schemeClr val="lt1"/>
-              </a:solidFill>
-              <a:latin typeface="Arial"/>
-              <a:ea typeface="Arial"/>
-              <a:cs typeface="Arial"/>
-              <a:sym typeface="Arial"/>
-            </a:endParaRPr>
-          </a:p>
-          <a:p>
-            <a:pPr indent="0" lvl="0" marL="0" marR="0" rtl="0" algn="l">
-              <a:spcBef>
-                <a:spcPts val="0"/>
-              </a:spcBef>
-              <a:spcAft>
-                <a:spcPts val="0"/>
-              </a:spcAft>
-              <a:buNone/>
-            </a:pPr>
-            <a:r>
-              <a:t/>
-            </a:r>
-            <a:endParaRPr sz="1100">
-              <a:solidFill>
-                <a:schemeClr val="lt1"/>
-              </a:solidFill>
-              <a:latin typeface="Arial"/>
-              <a:ea typeface="Arial"/>
-              <a:cs typeface="Arial"/>
-              <a:sym typeface="Arial"/>
-            </a:endParaRPr>
-          </a:p>
-        </p:txBody>
-      </p:sp>
-      <p:sp>
-        <p:nvSpPr>
-          <p:cNvPr id="335" name="Google Shape;335;p31"/>
-          <p:cNvSpPr txBox="1"/>
-          <p:nvPr/>
-        </p:nvSpPr>
-        <p:spPr>
-          <a:xfrm>
-            <a:off x="6069700" y="19377985"/>
-            <a:ext cx="2115600" cy="430800"/>
-          </a:xfrm>
-          <a:prstGeom prst="rect">
-            <a:avLst/>
-          </a:prstGeom>
-          <a:noFill/>
-          <a:ln>
-            <a:noFill/>
-          </a:ln>
-        </p:spPr>
-        <p:txBody>
-          <a:bodyPr anchorCtr="0" anchor="t" bIns="45700" lIns="91425" spcFirstLastPara="1" rIns="91425" wrap="square" tIns="45700">
-            <a:spAutoFit/>
-          </a:bodyPr>
-          <a:lstStyle/>
-          <a:p>
-            <a:pPr indent="0" lvl="0" marL="0" marR="0" rtl="0" algn="l">
-              <a:spcBef>
-                <a:spcPts val="0"/>
-              </a:spcBef>
-              <a:spcAft>
-                <a:spcPts val="0"/>
-              </a:spcAft>
-              <a:buNone/>
-            </a:pPr>
-            <a:r>
-              <a:rPr b="1" lang="en" sz="1100">
-                <a:solidFill>
-                  <a:schemeClr val="lt1"/>
-                </a:solidFill>
-                <a:latin typeface="Arial"/>
-                <a:ea typeface="Arial"/>
-                <a:cs typeface="Arial"/>
-                <a:sym typeface="Arial"/>
-              </a:rPr>
-              <a:t>See: </a:t>
-            </a:r>
-            <a:r>
-              <a:rPr b="1" lang="en" sz="1100" u="sng">
-                <a:solidFill>
-                  <a:schemeClr val="hlink"/>
-                </a:solidFill>
-                <a:latin typeface="Arial"/>
-                <a:ea typeface="Arial"/>
-                <a:cs typeface="Arial"/>
-                <a:sym typeface="Arial"/>
-                <a:hlinkClick r:id="rId56"/>
-              </a:rPr>
-              <a:t>SDOH Guidance</a:t>
+              <a:t>Basic Provenance</a:t>
             </a:r>
             <a:endParaRPr b="1" sz="1100">
               <a:solidFill>
@@ -36593,8 +37236,8 @@
         </p:nvSpPr>
         <p:spPr>
           <a:xfrm>
-            <a:off x="1146050" y="19494450"/>
-            <a:ext cx="7113300" cy="816000"/>
+            <a:off x="1144390" y="37733654"/>
+            <a:ext cx="7132500" cy="4279800"/>
           </a:xfrm>
           <a:prstGeom prst="rect">
             <a:avLst/>
@@ -36651,8 +37294,8 @@
         </p:nvSpPr>
         <p:spPr>
           <a:xfrm>
-            <a:off x="1139605" y="19602445"/>
-            <a:ext cx="7105500" cy="574500"/>
+            <a:off x="1156977" y="37806857"/>
+            <a:ext cx="7118400" cy="4182600"/>
           </a:xfrm>
           <a:prstGeom prst="roundRect">
             <a:avLst>
@@ -36692,7 +37335,7 @@
                 <a:cs typeface="Arial"/>
                 <a:sym typeface="Arial"/>
               </a:rPr>
-              <a:t>Provenance					</a:t>
+              <a:t>Vital Signs					</a:t>
             </a:r>
             <a:r>
               <a:rPr b="1" lang="en" sz="1100" u="sng">
@@ -36703,9 +37346,9 @@
                 <a:ea typeface="Arial"/>
                 <a:cs typeface="Arial"/>
                 <a:sym typeface="Arial"/>
-                <a:hlinkClick r:id="rId57"/>
+                <a:hlinkClick r:id="rId67"/>
               </a:rPr>
-              <a:t>US Core Provenance Profile</a:t>
+              <a:t>US Core Vitals Signs Profile</a:t>
             </a:r>
             <a:endParaRPr b="1" i="1" sz="1100">
               <a:solidFill>
@@ -36718,7 +37361,7 @@
             </a:endParaRPr>
           </a:p>
           <a:p>
-            <a:pPr indent="-160859" lvl="0" marL="160859" marR="0" rtl="0" algn="l">
+            <a:pPr indent="-123822" lvl="0" marL="123822" marR="0" rtl="0" algn="l">
               <a:spcBef>
                 <a:spcPts val="400"/>
               </a:spcBef>
@@ -36742,14 +37385,39 @@
                 <a:cs typeface="Arial"/>
                 <a:sym typeface="Arial"/>
               </a:rPr>
-              <a:t>Author Time Stamp</a:t>
+              <a:t>Diastolic Blood Pressure			</a:t>
+            </a:r>
+            <a:r>
+              <a:rPr b="1" lang="en" sz="1050" u="sng">
+                <a:solidFill>
+                  <a:schemeClr val="hlink"/>
+                </a:solidFill>
+                <a:latin typeface="Arial"/>
+                <a:ea typeface="Arial"/>
+                <a:cs typeface="Arial"/>
+                <a:sym typeface="Arial"/>
+                <a:hlinkClick r:id="rId68"/>
+              </a:rPr>
+              <a:t>US Core Blood Pressure Profile</a:t>
+            </a:r>
+            <a:r>
+              <a:rPr b="1" lang="en" sz="1050">
+                <a:solidFill>
+                  <a:schemeClr val="lt1"/>
+                </a:solidFill>
+                <a:latin typeface="Arial"/>
+                <a:ea typeface="Arial"/>
+                <a:cs typeface="Arial"/>
+                <a:sym typeface="Arial"/>
+              </a:rPr>
+              <a:t>	</a:t>
             </a:r>
             <a:endParaRPr/>
           </a:p>
           <a:p>
-            <a:pPr indent="-160859" lvl="0" marL="160859" marR="0" rtl="0" algn="l">
-              <a:spcBef>
-                <a:spcPts val="0"/>
+            <a:pPr indent="-123822" lvl="0" marL="123822" marR="0" rtl="0" algn="l">
+              <a:spcBef>
+                <a:spcPts val="100"/>
               </a:spcBef>
               <a:spcAft>
                 <a:spcPts val="0"/>
@@ -36771,60 +37439,10 @@
                 <a:cs typeface="Arial"/>
                 <a:sym typeface="Arial"/>
               </a:rPr>
-              <a:t>Author Organization</a:t>
-            </a:r>
-            <a:endParaRPr/>
-          </a:p>
-        </p:txBody>
-      </p:sp>
-      <p:sp>
-        <p:nvSpPr>
-          <p:cNvPr id="338" name="Google Shape;338;p31"/>
-          <p:cNvSpPr txBox="1"/>
-          <p:nvPr/>
-        </p:nvSpPr>
-        <p:spPr>
-          <a:xfrm>
-            <a:off x="6071616" y="20012026"/>
-            <a:ext cx="2115600" cy="430800"/>
-          </a:xfrm>
-          <a:prstGeom prst="rect">
-            <a:avLst/>
-          </a:prstGeom>
-          <a:noFill/>
-          <a:ln>
-            <a:noFill/>
-          </a:ln>
-        </p:spPr>
-        <p:txBody>
-          <a:bodyPr anchorCtr="0" anchor="t" bIns="45700" lIns="91425" spcFirstLastPara="1" rIns="91425" wrap="square" tIns="45700">
-            <a:spAutoFit/>
-          </a:bodyPr>
-          <a:lstStyle/>
-          <a:p>
-            <a:pPr indent="0" lvl="0" marL="0" marR="0" rtl="0" algn="l">
-              <a:spcBef>
-                <a:spcPts val="0"/>
-              </a:spcBef>
-              <a:spcAft>
-                <a:spcPts val="0"/>
-              </a:spcAft>
-              <a:buNone/>
-            </a:pPr>
-            <a:r>
-              <a:rPr b="1" lang="en" sz="1100">
-                <a:solidFill>
-                  <a:schemeClr val="lt1"/>
-                </a:solidFill>
-                <a:latin typeface="Arial"/>
-                <a:ea typeface="Arial"/>
-                <a:cs typeface="Arial"/>
-                <a:sym typeface="Arial"/>
-              </a:rPr>
-              <a:t>See: </a:t>
+              <a:t>Systolic Blood Pressure			</a:t>
             </a:r>
             <a:r>
-              <a:rPr b="1" lang="en" sz="1100" u="sng">
+              <a:rPr b="1" lang="en" sz="1050" u="sng">
                 <a:solidFill>
                   <a:schemeClr val="hlink"/>
                 </a:solidFill>
@@ -36832,11 +37450,11 @@
                 <a:ea typeface="Arial"/>
                 <a:cs typeface="Arial"/>
                 <a:sym typeface="Arial"/>
-                <a:hlinkClick r:id="rId58"/>
+                <a:hlinkClick r:id="rId69"/>
               </a:rPr>
-              <a:t>Basic Provenance</a:t>
+              <a:t>US Core Blood Pressure Profile</a:t>
             </a:r>
-            <a:endParaRPr b="1" sz="1100">
+            <a:endParaRPr b="1" sz="1050">
               <a:solidFill>
                 <a:schemeClr val="lt1"/>
               </a:solidFill>
@@ -36847,19 +37465,595 @@
             </a:endParaRPr>
           </a:p>
           <a:p>
-            <a:pPr indent="0" lvl="0" marL="0" marR="0" rtl="0" algn="l">
-              <a:spcBef>
-                <a:spcPts val="0"/>
-              </a:spcBef>
-              <a:spcAft>
-                <a:spcPts val="0"/>
-              </a:spcAft>
+            <a:pPr indent="-123822" lvl="0" marL="123822" marR="0" rtl="0" algn="l">
+              <a:spcBef>
+                <a:spcPts val="100"/>
+              </a:spcBef>
+              <a:spcAft>
+                <a:spcPts val="0"/>
+              </a:spcAft>
+              <a:buClr>
+                <a:schemeClr val="lt1"/>
+              </a:buClr>
+              <a:buSzPts val="1050"/>
+              <a:buFont typeface="Arial"/>
+              <a:buChar char="•"/>
+            </a:pPr>
+            <a:r>
+              <a:rPr b="1" lang="en" sz="1050">
+                <a:solidFill>
+                  <a:schemeClr val="lt1"/>
+                </a:solidFill>
+                <a:latin typeface="Arial"/>
+                <a:ea typeface="Arial"/>
+                <a:cs typeface="Arial"/>
+                <a:sym typeface="Arial"/>
+              </a:rPr>
+              <a:t>Body Height					</a:t>
+            </a:r>
+            <a:r>
+              <a:rPr b="1" lang="en" sz="1050" u="sng">
+                <a:solidFill>
+                  <a:schemeClr val="hlink"/>
+                </a:solidFill>
+                <a:latin typeface="Arial"/>
+                <a:ea typeface="Arial"/>
+                <a:cs typeface="Arial"/>
+                <a:sym typeface="Arial"/>
+                <a:hlinkClick r:id="rId70"/>
+              </a:rPr>
+              <a:t>US Core Body Height Profile</a:t>
+            </a:r>
+            <a:endParaRPr b="1" sz="1050">
+              <a:solidFill>
+                <a:schemeClr val="lt1"/>
+              </a:solidFill>
+              <a:latin typeface="Arial"/>
+              <a:ea typeface="Arial"/>
+              <a:cs typeface="Arial"/>
+              <a:sym typeface="Arial"/>
+            </a:endParaRPr>
+          </a:p>
+          <a:p>
+            <a:pPr indent="-123822" lvl="0" marL="123822" marR="0" rtl="0" algn="l">
+              <a:spcBef>
+                <a:spcPts val="100"/>
+              </a:spcBef>
+              <a:spcAft>
+                <a:spcPts val="0"/>
+              </a:spcAft>
+              <a:buClr>
+                <a:schemeClr val="lt1"/>
+              </a:buClr>
+              <a:buSzPts val="1050"/>
+              <a:buFont typeface="Arial"/>
+              <a:buChar char="•"/>
+            </a:pPr>
+            <a:r>
+              <a:rPr b="1" lang="en" sz="1050">
+                <a:solidFill>
+                  <a:schemeClr val="lt1"/>
+                </a:solidFill>
+                <a:latin typeface="Arial"/>
+                <a:ea typeface="Arial"/>
+                <a:cs typeface="Arial"/>
+                <a:sym typeface="Arial"/>
+              </a:rPr>
+              <a:t>Body Weight				</a:t>
+            </a:r>
+            <a:r>
+              <a:rPr b="1" lang="en" sz="1050" u="sng">
+                <a:solidFill>
+                  <a:schemeClr val="hlink"/>
+                </a:solidFill>
+                <a:latin typeface="Arial"/>
+                <a:ea typeface="Arial"/>
+                <a:cs typeface="Arial"/>
+                <a:sym typeface="Arial"/>
+                <a:hlinkClick r:id="rId71"/>
+              </a:rPr>
+              <a:t>US Core Body Weight Profile</a:t>
+            </a:r>
+            <a:endParaRPr b="1" sz="1050">
+              <a:solidFill>
+                <a:schemeClr val="lt1"/>
+              </a:solidFill>
+              <a:latin typeface="Arial"/>
+              <a:ea typeface="Arial"/>
+              <a:cs typeface="Arial"/>
+              <a:sym typeface="Arial"/>
+            </a:endParaRPr>
+          </a:p>
+          <a:p>
+            <a:pPr indent="-123822" lvl="0" marL="123822" marR="0" rtl="0" algn="l">
+              <a:spcBef>
+                <a:spcPts val="100"/>
+              </a:spcBef>
+              <a:spcAft>
+                <a:spcPts val="0"/>
+              </a:spcAft>
+              <a:buClr>
+                <a:schemeClr val="lt1"/>
+              </a:buClr>
+              <a:buSzPts val="1050"/>
+              <a:buFont typeface="Arial"/>
+              <a:buChar char="•"/>
+            </a:pPr>
+            <a:r>
+              <a:rPr b="1" lang="en" sz="1050">
+                <a:solidFill>
+                  <a:schemeClr val="lt1"/>
+                </a:solidFill>
+                <a:latin typeface="Arial"/>
+                <a:ea typeface="Arial"/>
+                <a:cs typeface="Arial"/>
+                <a:sym typeface="Arial"/>
+              </a:rPr>
+              <a:t>Heart Rate					</a:t>
+            </a:r>
+            <a:r>
+              <a:rPr b="1" lang="en" sz="1050" u="sng">
+                <a:solidFill>
+                  <a:schemeClr val="hlink"/>
+                </a:solidFill>
+                <a:latin typeface="Arial"/>
+                <a:ea typeface="Arial"/>
+                <a:cs typeface="Arial"/>
+                <a:sym typeface="Arial"/>
+                <a:hlinkClick r:id="rId72"/>
+              </a:rPr>
+              <a:t>US Core Heart Rate Profile</a:t>
+            </a:r>
+            <a:endParaRPr b="1" sz="1050">
+              <a:solidFill>
+                <a:schemeClr val="lt1"/>
+              </a:solidFill>
+              <a:latin typeface="Arial"/>
+              <a:ea typeface="Arial"/>
+              <a:cs typeface="Arial"/>
+              <a:sym typeface="Arial"/>
+            </a:endParaRPr>
+          </a:p>
+          <a:p>
+            <a:pPr indent="-123822" lvl="0" marL="123822" marR="0" rtl="0" algn="l">
+              <a:spcBef>
+                <a:spcPts val="100"/>
+              </a:spcBef>
+              <a:spcAft>
+                <a:spcPts val="0"/>
+              </a:spcAft>
+              <a:buClr>
+                <a:schemeClr val="lt1"/>
+              </a:buClr>
+              <a:buSzPts val="1050"/>
+              <a:buFont typeface="Arial"/>
+              <a:buChar char="•"/>
+            </a:pPr>
+            <a:r>
+              <a:rPr b="1" lang="en" sz="1050">
+                <a:solidFill>
+                  <a:schemeClr val="lt1"/>
+                </a:solidFill>
+                <a:latin typeface="Arial"/>
+                <a:ea typeface="Arial"/>
+                <a:cs typeface="Arial"/>
+                <a:sym typeface="Arial"/>
+              </a:rPr>
+              <a:t>Respiratory Rate				</a:t>
+            </a:r>
+            <a:r>
+              <a:rPr b="1" lang="en" sz="1050" u="sng">
+                <a:solidFill>
+                  <a:schemeClr val="hlink"/>
+                </a:solidFill>
+                <a:latin typeface="Arial"/>
+                <a:ea typeface="Arial"/>
+                <a:cs typeface="Arial"/>
+                <a:sym typeface="Arial"/>
+                <a:hlinkClick r:id="rId73"/>
+              </a:rPr>
+              <a:t>US Core Respiratory Rate Profile</a:t>
+            </a:r>
+            <a:endParaRPr b="1" sz="1050">
+              <a:solidFill>
+                <a:schemeClr val="lt1"/>
+              </a:solidFill>
+              <a:latin typeface="Arial"/>
+              <a:ea typeface="Arial"/>
+              <a:cs typeface="Arial"/>
+              <a:sym typeface="Arial"/>
+            </a:endParaRPr>
+          </a:p>
+          <a:p>
+            <a:pPr indent="-123822" lvl="0" marL="123822" marR="0" rtl="0" algn="l">
+              <a:spcBef>
+                <a:spcPts val="100"/>
+              </a:spcBef>
+              <a:spcAft>
+                <a:spcPts val="0"/>
+              </a:spcAft>
+              <a:buClr>
+                <a:schemeClr val="lt1"/>
+              </a:buClr>
+              <a:buSzPts val="1050"/>
+              <a:buFont typeface="Arial"/>
+              <a:buChar char="•"/>
+            </a:pPr>
+            <a:r>
+              <a:rPr b="1" lang="en" sz="1050">
+                <a:solidFill>
+                  <a:schemeClr val="lt1"/>
+                </a:solidFill>
+                <a:latin typeface="Arial"/>
+                <a:ea typeface="Arial"/>
+                <a:cs typeface="Arial"/>
+                <a:sym typeface="Arial"/>
+              </a:rPr>
+              <a:t>Body Temperature				</a:t>
+            </a:r>
+            <a:r>
+              <a:rPr b="1" lang="en" sz="1050" u="sng">
+                <a:solidFill>
+                  <a:schemeClr val="hlink"/>
+                </a:solidFill>
+                <a:latin typeface="Arial"/>
+                <a:ea typeface="Arial"/>
+                <a:cs typeface="Arial"/>
+                <a:sym typeface="Arial"/>
+                <a:hlinkClick r:id="rId74"/>
+              </a:rPr>
+              <a:t>US Core Body Temperature Profile</a:t>
+            </a:r>
+            <a:r>
+              <a:rPr b="1" lang="en" sz="1050">
+                <a:solidFill>
+                  <a:schemeClr val="lt1"/>
+                </a:solidFill>
+                <a:latin typeface="Arial"/>
+                <a:ea typeface="Arial"/>
+                <a:cs typeface="Arial"/>
+                <a:sym typeface="Arial"/>
+              </a:rPr>
+              <a:t> </a:t>
+            </a:r>
+            <a:endParaRPr/>
+          </a:p>
+          <a:p>
+            <a:pPr indent="-123822" lvl="0" marL="123822" marR="0" rtl="0" algn="l">
+              <a:spcBef>
+                <a:spcPts val="100"/>
+              </a:spcBef>
+              <a:spcAft>
+                <a:spcPts val="0"/>
+              </a:spcAft>
+              <a:buClr>
+                <a:schemeClr val="lt1"/>
+              </a:buClr>
+              <a:buSzPts val="1050"/>
+              <a:buFont typeface="Arial"/>
+              <a:buChar char="•"/>
+            </a:pPr>
+            <a:r>
+              <a:rPr b="1" lang="en" sz="1050">
+                <a:solidFill>
+                  <a:schemeClr val="lt1"/>
+                </a:solidFill>
+                <a:latin typeface="Arial"/>
+                <a:ea typeface="Arial"/>
+                <a:cs typeface="Arial"/>
+                <a:sym typeface="Arial"/>
+              </a:rPr>
+              <a:t>Pulse Oximetry				</a:t>
+            </a:r>
+            <a:r>
+              <a:rPr b="1" lang="en" sz="1050" u="sng">
+                <a:solidFill>
+                  <a:schemeClr val="hlink"/>
+                </a:solidFill>
+                <a:latin typeface="Arial"/>
+                <a:ea typeface="Arial"/>
+                <a:cs typeface="Arial"/>
+                <a:sym typeface="Arial"/>
+                <a:hlinkClick r:id="rId75"/>
+              </a:rPr>
+              <a:t>US Core Pulse Oximetry Profile</a:t>
+            </a:r>
+            <a:endParaRPr b="1" sz="1050">
+              <a:solidFill>
+                <a:schemeClr val="lt1"/>
+              </a:solidFill>
+              <a:latin typeface="Arial"/>
+              <a:ea typeface="Arial"/>
+              <a:cs typeface="Arial"/>
+              <a:sym typeface="Arial"/>
+            </a:endParaRPr>
+          </a:p>
+          <a:p>
+            <a:pPr indent="-123822" lvl="0" marL="123822" marR="0" rtl="0" algn="l">
+              <a:spcBef>
+                <a:spcPts val="100"/>
+              </a:spcBef>
+              <a:spcAft>
+                <a:spcPts val="0"/>
+              </a:spcAft>
+              <a:buClr>
+                <a:schemeClr val="lt1"/>
+              </a:buClr>
+              <a:buSzPts val="1050"/>
+              <a:buFont typeface="Arial"/>
+              <a:buChar char="•"/>
+            </a:pPr>
+            <a:r>
+              <a:rPr b="1" lang="en" sz="1050">
+                <a:solidFill>
+                  <a:schemeClr val="lt1"/>
+                </a:solidFill>
+                <a:latin typeface="Arial"/>
+                <a:ea typeface="Arial"/>
+                <a:cs typeface="Arial"/>
+                <a:sym typeface="Arial"/>
+              </a:rPr>
+              <a:t>Inhaled Oxygen Concentration</a:t>
+            </a:r>
+            <a:r>
+              <a:rPr b="1" lang="en" sz="1050">
+                <a:solidFill>
+                  <a:schemeClr val="lt1"/>
+                </a:solidFill>
+              </a:rPr>
+              <a:t>		</a:t>
+            </a:r>
+            <a:r>
+              <a:rPr b="1" lang="en" sz="1050" u="sng">
+                <a:solidFill>
+                  <a:schemeClr val="hlink"/>
+                </a:solidFill>
+                <a:latin typeface="Arial"/>
+                <a:ea typeface="Arial"/>
+                <a:cs typeface="Arial"/>
+                <a:sym typeface="Arial"/>
+                <a:hlinkClick r:id="rId76"/>
+              </a:rPr>
+              <a:t>US Core Pulse Oximetry Profile</a:t>
+            </a:r>
+            <a:endParaRPr/>
+          </a:p>
+          <a:p>
+            <a:pPr indent="-123822" lvl="0" marL="123822" marR="0" rtl="0" algn="l">
+              <a:spcBef>
+                <a:spcPts val="100"/>
+              </a:spcBef>
+              <a:spcAft>
+                <a:spcPts val="0"/>
+              </a:spcAft>
+              <a:buClr>
+                <a:schemeClr val="lt1"/>
+              </a:buClr>
+              <a:buSzPts val="1050"/>
+              <a:buFont typeface="Arial"/>
+              <a:buChar char="•"/>
+            </a:pPr>
+            <a:r>
+              <a:rPr b="1" lang="en" sz="1050">
+                <a:solidFill>
+                  <a:schemeClr val="lt1"/>
+                </a:solidFill>
+                <a:latin typeface="Arial"/>
+                <a:ea typeface="Arial"/>
+                <a:cs typeface="Arial"/>
+                <a:sym typeface="Arial"/>
+              </a:rPr>
+              <a:t>BMI Percentile (2-20 Years</a:t>
+            </a:r>
+            <a:r>
+              <a:rPr b="1" lang="en" sz="1050">
+                <a:solidFill>
+                  <a:schemeClr val="lt1"/>
+                </a:solidFill>
+              </a:rPr>
+              <a:t>)			</a:t>
+            </a:r>
+            <a:r>
+              <a:rPr b="1" lang="en" sz="1050" u="sng">
+                <a:solidFill>
+                  <a:schemeClr val="hlink"/>
+                </a:solidFill>
+                <a:latin typeface="Arial"/>
+                <a:ea typeface="Arial"/>
+                <a:cs typeface="Arial"/>
+                <a:sym typeface="Arial"/>
+                <a:hlinkClick r:id="rId77"/>
+              </a:rPr>
+              <a:t>US Core Pediatric BMI for Age Observation Profile</a:t>
+            </a:r>
+            <a:endParaRPr b="1" sz="1050">
+              <a:solidFill>
+                <a:schemeClr val="lt1"/>
+              </a:solidFill>
+              <a:latin typeface="Arial"/>
+              <a:ea typeface="Arial"/>
+              <a:cs typeface="Arial"/>
+              <a:sym typeface="Arial"/>
+            </a:endParaRPr>
+          </a:p>
+          <a:p>
+            <a:pPr indent="-123822" lvl="0" marL="123822" marR="0" rtl="0" algn="l">
+              <a:spcBef>
+                <a:spcPts val="100"/>
+              </a:spcBef>
+              <a:spcAft>
+                <a:spcPts val="0"/>
+              </a:spcAft>
+              <a:buClr>
+                <a:schemeClr val="lt1"/>
+              </a:buClr>
+              <a:buSzPts val="1050"/>
+              <a:buFont typeface="Arial"/>
+              <a:buChar char="•"/>
+            </a:pPr>
+            <a:r>
+              <a:rPr b="1" lang="en" sz="1050">
+                <a:solidFill>
+                  <a:schemeClr val="lt1"/>
+                </a:solidFill>
+                <a:latin typeface="Arial"/>
+                <a:ea typeface="Arial"/>
+                <a:cs typeface="Arial"/>
+                <a:sym typeface="Arial"/>
+              </a:rPr>
+              <a:t>Weight-for-length Percentile		</a:t>
+            </a:r>
+            <a:r>
+              <a:rPr b="1" lang="en" sz="1050" u="sng">
+                <a:solidFill>
+                  <a:schemeClr val="hlink"/>
+                </a:solidFill>
+                <a:latin typeface="Arial"/>
+                <a:ea typeface="Arial"/>
+                <a:cs typeface="Arial"/>
+                <a:sym typeface="Arial"/>
+                <a:hlinkClick r:id="rId78"/>
+              </a:rPr>
+              <a:t>US Core Pediatric Weight for Height Observation Profile</a:t>
+            </a:r>
+            <a:br>
+              <a:rPr b="1" lang="en" sz="1050">
+                <a:solidFill>
+                  <a:schemeClr val="lt1"/>
+                </a:solidFill>
+                <a:latin typeface="Arial"/>
+                <a:ea typeface="Arial"/>
+                <a:cs typeface="Arial"/>
+                <a:sym typeface="Arial"/>
+              </a:rPr>
+            </a:br>
+            <a:r>
+              <a:rPr b="1" lang="en" sz="1050">
+                <a:solidFill>
+                  <a:schemeClr val="lt1"/>
+                </a:solidFill>
+                <a:latin typeface="Arial"/>
+                <a:ea typeface="Arial"/>
+                <a:cs typeface="Arial"/>
+                <a:sym typeface="Arial"/>
+              </a:rPr>
+              <a:t>(Birth-36 Months)</a:t>
+            </a:r>
+            <a:endParaRPr b="1" i="1" sz="1050">
+              <a:solidFill>
+                <a:schemeClr val="lt1"/>
+              </a:solidFill>
+              <a:latin typeface="Arial"/>
+              <a:ea typeface="Arial"/>
+              <a:cs typeface="Arial"/>
+              <a:sym typeface="Arial"/>
+            </a:endParaRPr>
+          </a:p>
+          <a:p>
+            <a:pPr indent="-123822" lvl="0" marL="123822" marR="0" rtl="0" algn="l">
+              <a:spcBef>
+                <a:spcPts val="100"/>
+              </a:spcBef>
+              <a:spcAft>
+                <a:spcPts val="0"/>
+              </a:spcAft>
+              <a:buClr>
+                <a:schemeClr val="lt1"/>
+              </a:buClr>
+              <a:buSzPts val="1050"/>
+              <a:buFont typeface="Arial"/>
+              <a:buChar char="•"/>
+            </a:pPr>
+            <a:r>
+              <a:rPr b="1" lang="en" sz="1050">
+                <a:solidFill>
+                  <a:schemeClr val="lt1"/>
+                </a:solidFill>
+                <a:latin typeface="Arial"/>
+                <a:ea typeface="Arial"/>
+                <a:cs typeface="Arial"/>
+                <a:sym typeface="Arial"/>
+              </a:rPr>
+              <a:t>Occipital-frontal Head Circumference 	</a:t>
+            </a:r>
+            <a:r>
+              <a:rPr b="1" lang="en" sz="1050" u="sng">
+                <a:solidFill>
+                  <a:schemeClr val="hlink"/>
+                </a:solidFill>
+                <a:latin typeface="Arial"/>
+                <a:ea typeface="Arial"/>
+                <a:cs typeface="Arial"/>
+                <a:sym typeface="Arial"/>
+                <a:hlinkClick r:id="rId79"/>
+              </a:rPr>
+              <a:t>US Core Pediatric Head Occipital Frontal Circumference</a:t>
+            </a:r>
+            <a:br>
+              <a:rPr b="1" lang="en" sz="1050">
+                <a:solidFill>
+                  <a:schemeClr val="lt1"/>
+                </a:solidFill>
+                <a:latin typeface="Arial"/>
+                <a:ea typeface="Arial"/>
+                <a:cs typeface="Arial"/>
+                <a:sym typeface="Arial"/>
+              </a:rPr>
+            </a:br>
+            <a:r>
+              <a:rPr b="1" lang="en" sz="1050">
+                <a:solidFill>
+                  <a:schemeClr val="lt1"/>
+                </a:solidFill>
+                <a:latin typeface="Arial"/>
+                <a:ea typeface="Arial"/>
+                <a:cs typeface="Arial"/>
+                <a:sym typeface="Arial"/>
+              </a:rPr>
+              <a:t>Percentile (Birth-36 Months)		</a:t>
+            </a:r>
+            <a:r>
+              <a:rPr b="1" lang="en" sz="1050" u="sng">
+                <a:solidFill>
+                  <a:schemeClr val="hlink"/>
+                </a:solidFill>
+                <a:latin typeface="Arial"/>
+                <a:ea typeface="Arial"/>
+                <a:cs typeface="Arial"/>
+                <a:sym typeface="Arial"/>
+                <a:hlinkClick r:id="rId80"/>
+              </a:rPr>
+              <a:t>Percentile Profile</a:t>
+            </a:r>
+            <a:endParaRPr b="1" sz="1050">
+              <a:solidFill>
+                <a:schemeClr val="lt1"/>
+              </a:solidFill>
+              <a:latin typeface="Arial"/>
+              <a:ea typeface="Arial"/>
+              <a:cs typeface="Arial"/>
+              <a:sym typeface="Arial"/>
+            </a:endParaRPr>
+          </a:p>
+          <a:p>
+            <a:pPr indent="-94184" lvl="0" marL="160859" marR="0" rtl="0" algn="l">
+              <a:spcBef>
+                <a:spcPts val="100"/>
+              </a:spcBef>
+              <a:spcAft>
+                <a:spcPts val="0"/>
+              </a:spcAft>
+              <a:buClr>
+                <a:schemeClr val="dk1"/>
+              </a:buClr>
+              <a:buSzPts val="1050"/>
+              <a:buFont typeface="Arial"/>
               <a:buNone/>
             </a:pPr>
             <a:r>
               <a:t/>
             </a:r>
-            <a:endParaRPr sz="1100">
+            <a:endParaRPr b="1" sz="1050">
               <a:solidFill>
                 <a:schemeClr val="lt1"/>
               </a:solidFill>
@@ -36871,6 +38065,33 @@
           </a:p>
         </p:txBody>
       </p:sp>
+      <p:pic>
+        <p:nvPicPr>
+          <p:cNvPr id="338" name="Google Shape;338;p31"/>
+          <p:cNvPicPr preferRelativeResize="0"/>
+          <p:nvPr/>
+        </p:nvPicPr>
+        <p:blipFill rotWithShape="1">
+          <a:blip r:embed="rId81">
+            <a:alphaModFix/>
+          </a:blip>
+          <a:srcRect b="0" l="0" r="0" t="0"/>
+          <a:stretch/>
+        </p:blipFill>
+        <p:spPr>
+          <a:xfrm>
+            <a:off x="7550697" y="34287379"/>
+            <a:ext cx="329184" cy="329184"/>
+          </a:xfrm>
+          <a:prstGeom prst="rect">
+            <a:avLst/>
+          </a:prstGeom>
+          <a:noFill/>
+          <a:ln>
+            <a:noFill/>
+          </a:ln>
+        </p:spPr>
+      </p:pic>
       <p:sp>
         <p:nvSpPr>
           <p:cNvPr id="339" name="Google Shape;339;p31"/>
@@ -36879,8 +38100,8 @@
         </p:nvSpPr>
         <p:spPr>
           <a:xfrm>
-            <a:off x="1140995" y="22083787"/>
-            <a:ext cx="7132500" cy="2996100"/>
+            <a:off x="1144390" y="35269424"/>
+            <a:ext cx="7132500" cy="1165500"/>
           </a:xfrm>
           <a:prstGeom prst="rect">
             <a:avLst/>
@@ -36937,8 +38158,8 @@
         </p:nvSpPr>
         <p:spPr>
           <a:xfrm>
-            <a:off x="1004888" y="21971955"/>
-            <a:ext cx="7118400" cy="3313500"/>
+            <a:off x="1163425" y="35299816"/>
+            <a:ext cx="7105500" cy="820800"/>
           </a:xfrm>
           <a:prstGeom prst="roundRect">
             <a:avLst>
@@ -36978,7 +38199,7 @@
                 <a:cs typeface="Arial"/>
                 <a:sym typeface="Arial"/>
               </a:rPr>
-              <a:t>Vital Signs					</a:t>
+              <a:t>Smoking Status				</a:t>
             </a:r>
             <a:r>
               <a:rPr b="1" lang="en" sz="1100" u="sng">
@@ -36989,9 +38210,9 @@
                 <a:ea typeface="Arial"/>
                 <a:cs typeface="Arial"/>
                 <a:sym typeface="Arial"/>
-                <a:hlinkClick r:id="rId59"/>
+                <a:hlinkClick r:id="rId82"/>
               </a:rPr>
-              <a:t>US Core Vitals Signs Profile</a:t>
+              <a:t>US Core Smoking Status Observation Profile</a:t>
             </a:r>
             <a:endParaRPr b="1" i="1" sz="1100">
               <a:solidFill>
@@ -37004,7 +38225,7 @@
             </a:endParaRPr>
           </a:p>
           <a:p>
-            <a:pPr indent="-123822" lvl="0" marL="123822" marR="0" rtl="0" algn="l">
+            <a:pPr indent="-160859" lvl="0" marL="160859" marR="0" rtl="0" algn="l">
               <a:spcBef>
                 <a:spcPts val="400"/>
               </a:spcBef>
@@ -37028,683 +38249,9 @@
                 <a:cs typeface="Arial"/>
                 <a:sym typeface="Arial"/>
               </a:rPr>
-              <a:t>Diastolic Blood Pressure			</a:t>
-            </a:r>
-            <a:r>
-              <a:rPr b="1" lang="en" sz="1050" u="sng">
-                <a:solidFill>
-                  <a:schemeClr val="hlink"/>
-                </a:solidFill>
-                <a:latin typeface="Arial"/>
-                <a:ea typeface="Arial"/>
-                <a:cs typeface="Arial"/>
-                <a:sym typeface="Arial"/>
-                <a:hlinkClick r:id="rId60"/>
-              </a:rPr>
-              <a:t>US Core Blood Pressure Profile</a:t>
-            </a:r>
-            <a:r>
-              <a:rPr b="1" lang="en" sz="1050">
-                <a:solidFill>
-                  <a:schemeClr val="lt1"/>
-                </a:solidFill>
-                <a:latin typeface="Arial"/>
-                <a:ea typeface="Arial"/>
-                <a:cs typeface="Arial"/>
-                <a:sym typeface="Arial"/>
-              </a:rPr>
-              <a:t>	</a:t>
+              <a:t>Smoking Status</a:t>
             </a:r>
             <a:endParaRPr/>
-          </a:p>
-          <a:p>
-            <a:pPr indent="-123822" lvl="0" marL="123822" marR="0" rtl="0" algn="l">
-              <a:spcBef>
-                <a:spcPts val="100"/>
-              </a:spcBef>
-              <a:spcAft>
-                <a:spcPts val="0"/>
-              </a:spcAft>
-              <a:buClr>
-                <a:schemeClr val="lt1"/>
-              </a:buClr>
-              <a:buSzPts val="1050"/>
-              <a:buFont typeface="Arial"/>
-              <a:buChar char="•"/>
-            </a:pPr>
-            <a:r>
-              <a:rPr b="1" lang="en" sz="1050">
-                <a:solidFill>
-                  <a:schemeClr val="lt1"/>
-                </a:solidFill>
-                <a:latin typeface="Arial"/>
-                <a:ea typeface="Arial"/>
-                <a:cs typeface="Arial"/>
-                <a:sym typeface="Arial"/>
-              </a:rPr>
-              <a:t>Systolic Blood Pressure			</a:t>
-            </a:r>
-            <a:r>
-              <a:rPr b="1" lang="en" sz="1050" u="sng">
-                <a:solidFill>
-                  <a:schemeClr val="hlink"/>
-                </a:solidFill>
-                <a:latin typeface="Arial"/>
-                <a:ea typeface="Arial"/>
-                <a:cs typeface="Arial"/>
-                <a:sym typeface="Arial"/>
-                <a:hlinkClick r:id="rId61"/>
-              </a:rPr>
-              <a:t>US Core Blood Pressure Profile</a:t>
-            </a:r>
-            <a:endParaRPr b="1" sz="1050">
-              <a:solidFill>
-                <a:schemeClr val="lt1"/>
-              </a:solidFill>
-              <a:latin typeface="Arial"/>
-              <a:ea typeface="Arial"/>
-              <a:cs typeface="Arial"/>
-              <a:sym typeface="Arial"/>
-            </a:endParaRPr>
-          </a:p>
-          <a:p>
-            <a:pPr indent="-123822" lvl="0" marL="123822" marR="0" rtl="0" algn="l">
-              <a:spcBef>
-                <a:spcPts val="100"/>
-              </a:spcBef>
-              <a:spcAft>
-                <a:spcPts val="0"/>
-              </a:spcAft>
-              <a:buClr>
-                <a:schemeClr val="lt1"/>
-              </a:buClr>
-              <a:buSzPts val="1050"/>
-              <a:buFont typeface="Arial"/>
-              <a:buChar char="•"/>
-            </a:pPr>
-            <a:r>
-              <a:rPr b="1" lang="en" sz="1050">
-                <a:solidFill>
-                  <a:schemeClr val="lt1"/>
-                </a:solidFill>
-                <a:latin typeface="Arial"/>
-                <a:ea typeface="Arial"/>
-                <a:cs typeface="Arial"/>
-                <a:sym typeface="Arial"/>
-              </a:rPr>
-              <a:t>Body Height					</a:t>
-            </a:r>
-            <a:r>
-              <a:rPr b="1" lang="en" sz="1050" u="sng">
-                <a:solidFill>
-                  <a:schemeClr val="hlink"/>
-                </a:solidFill>
-                <a:latin typeface="Arial"/>
-                <a:ea typeface="Arial"/>
-                <a:cs typeface="Arial"/>
-                <a:sym typeface="Arial"/>
-                <a:hlinkClick r:id="rId62"/>
-              </a:rPr>
-              <a:t>US Core Body Height Profile</a:t>
-            </a:r>
-            <a:endParaRPr b="1" sz="1050">
-              <a:solidFill>
-                <a:schemeClr val="lt1"/>
-              </a:solidFill>
-              <a:latin typeface="Arial"/>
-              <a:ea typeface="Arial"/>
-              <a:cs typeface="Arial"/>
-              <a:sym typeface="Arial"/>
-            </a:endParaRPr>
-          </a:p>
-          <a:p>
-            <a:pPr indent="-123822" lvl="0" marL="123822" marR="0" rtl="0" algn="l">
-              <a:spcBef>
-                <a:spcPts val="100"/>
-              </a:spcBef>
-              <a:spcAft>
-                <a:spcPts val="0"/>
-              </a:spcAft>
-              <a:buClr>
-                <a:schemeClr val="lt1"/>
-              </a:buClr>
-              <a:buSzPts val="1050"/>
-              <a:buFont typeface="Arial"/>
-              <a:buChar char="•"/>
-            </a:pPr>
-            <a:r>
-              <a:rPr b="1" lang="en" sz="1050">
-                <a:solidFill>
-                  <a:schemeClr val="lt1"/>
-                </a:solidFill>
-                <a:latin typeface="Arial"/>
-                <a:ea typeface="Arial"/>
-                <a:cs typeface="Arial"/>
-                <a:sym typeface="Arial"/>
-              </a:rPr>
-              <a:t>Body Weight				</a:t>
-            </a:r>
-            <a:r>
-              <a:rPr b="1" lang="en" sz="1050" u="sng">
-                <a:solidFill>
-                  <a:schemeClr val="hlink"/>
-                </a:solidFill>
-                <a:latin typeface="Arial"/>
-                <a:ea typeface="Arial"/>
-                <a:cs typeface="Arial"/>
-                <a:sym typeface="Arial"/>
-                <a:hlinkClick r:id="rId63"/>
-              </a:rPr>
-              <a:t>US Core Body Weight Profile</a:t>
-            </a:r>
-            <a:endParaRPr b="1" sz="1050">
-              <a:solidFill>
-                <a:schemeClr val="lt1"/>
-              </a:solidFill>
-              <a:latin typeface="Arial"/>
-              <a:ea typeface="Arial"/>
-              <a:cs typeface="Arial"/>
-              <a:sym typeface="Arial"/>
-            </a:endParaRPr>
-          </a:p>
-          <a:p>
-            <a:pPr indent="-123822" lvl="0" marL="123822" marR="0" rtl="0" algn="l">
-              <a:spcBef>
-                <a:spcPts val="100"/>
-              </a:spcBef>
-              <a:spcAft>
-                <a:spcPts val="0"/>
-              </a:spcAft>
-              <a:buClr>
-                <a:schemeClr val="lt1"/>
-              </a:buClr>
-              <a:buSzPts val="1050"/>
-              <a:buFont typeface="Arial"/>
-              <a:buChar char="•"/>
-            </a:pPr>
-            <a:r>
-              <a:rPr b="1" lang="en" sz="1050">
-                <a:solidFill>
-                  <a:schemeClr val="lt1"/>
-                </a:solidFill>
-                <a:latin typeface="Arial"/>
-                <a:ea typeface="Arial"/>
-                <a:cs typeface="Arial"/>
-                <a:sym typeface="Arial"/>
-              </a:rPr>
-              <a:t>Heart Rate					</a:t>
-            </a:r>
-            <a:r>
-              <a:rPr b="1" lang="en" sz="1050" u="sng">
-                <a:solidFill>
-                  <a:schemeClr val="hlink"/>
-                </a:solidFill>
-                <a:latin typeface="Arial"/>
-                <a:ea typeface="Arial"/>
-                <a:cs typeface="Arial"/>
-                <a:sym typeface="Arial"/>
-                <a:hlinkClick r:id="rId64"/>
-              </a:rPr>
-              <a:t>US Core Heart Rate Profile</a:t>
-            </a:r>
-            <a:endParaRPr b="1" sz="1050">
-              <a:solidFill>
-                <a:schemeClr val="lt1"/>
-              </a:solidFill>
-              <a:latin typeface="Arial"/>
-              <a:ea typeface="Arial"/>
-              <a:cs typeface="Arial"/>
-              <a:sym typeface="Arial"/>
-            </a:endParaRPr>
-          </a:p>
-          <a:p>
-            <a:pPr indent="-123822" lvl="0" marL="123822" marR="0" rtl="0" algn="l">
-              <a:spcBef>
-                <a:spcPts val="100"/>
-              </a:spcBef>
-              <a:spcAft>
-                <a:spcPts val="0"/>
-              </a:spcAft>
-              <a:buClr>
-                <a:schemeClr val="lt1"/>
-              </a:buClr>
-              <a:buSzPts val="1050"/>
-              <a:buFont typeface="Arial"/>
-              <a:buChar char="•"/>
-            </a:pPr>
-            <a:r>
-              <a:rPr b="1" lang="en" sz="1050">
-                <a:solidFill>
-                  <a:schemeClr val="lt1"/>
-                </a:solidFill>
-                <a:latin typeface="Arial"/>
-                <a:ea typeface="Arial"/>
-                <a:cs typeface="Arial"/>
-                <a:sym typeface="Arial"/>
-              </a:rPr>
-              <a:t>Respiratory Rate				</a:t>
-            </a:r>
-            <a:r>
-              <a:rPr b="1" lang="en" sz="1050" u="sng">
-                <a:solidFill>
-                  <a:schemeClr val="hlink"/>
-                </a:solidFill>
-                <a:latin typeface="Arial"/>
-                <a:ea typeface="Arial"/>
-                <a:cs typeface="Arial"/>
-                <a:sym typeface="Arial"/>
-                <a:hlinkClick r:id="rId65"/>
-              </a:rPr>
-              <a:t>US Core Respiratory Rate Profile</a:t>
-            </a:r>
-            <a:endParaRPr b="1" sz="1050">
-              <a:solidFill>
-                <a:schemeClr val="lt1"/>
-              </a:solidFill>
-              <a:latin typeface="Arial"/>
-              <a:ea typeface="Arial"/>
-              <a:cs typeface="Arial"/>
-              <a:sym typeface="Arial"/>
-            </a:endParaRPr>
-          </a:p>
-          <a:p>
-            <a:pPr indent="-123822" lvl="0" marL="123822" marR="0" rtl="0" algn="l">
-              <a:spcBef>
-                <a:spcPts val="100"/>
-              </a:spcBef>
-              <a:spcAft>
-                <a:spcPts val="0"/>
-              </a:spcAft>
-              <a:buClr>
-                <a:schemeClr val="lt1"/>
-              </a:buClr>
-              <a:buSzPts val="1050"/>
-              <a:buFont typeface="Arial"/>
-              <a:buChar char="•"/>
-            </a:pPr>
-            <a:r>
-              <a:rPr b="1" lang="en" sz="1050">
-                <a:solidFill>
-                  <a:schemeClr val="lt1"/>
-                </a:solidFill>
-                <a:latin typeface="Arial"/>
-                <a:ea typeface="Arial"/>
-                <a:cs typeface="Arial"/>
-                <a:sym typeface="Arial"/>
-              </a:rPr>
-              <a:t>Body Temperature				</a:t>
-            </a:r>
-            <a:r>
-              <a:rPr b="1" lang="en" sz="1050" u="sng">
-                <a:solidFill>
-                  <a:schemeClr val="hlink"/>
-                </a:solidFill>
-                <a:latin typeface="Arial"/>
-                <a:ea typeface="Arial"/>
-                <a:cs typeface="Arial"/>
-                <a:sym typeface="Arial"/>
-                <a:hlinkClick r:id="rId66"/>
-              </a:rPr>
-              <a:t>US Core Body Temperature Profile</a:t>
-            </a:r>
-            <a:r>
-              <a:rPr b="1" lang="en" sz="1050">
-                <a:solidFill>
-                  <a:schemeClr val="lt1"/>
-                </a:solidFill>
-                <a:latin typeface="Arial"/>
-                <a:ea typeface="Arial"/>
-                <a:cs typeface="Arial"/>
-                <a:sym typeface="Arial"/>
-              </a:rPr>
-              <a:t> </a:t>
-            </a:r>
-            <a:endParaRPr/>
-          </a:p>
-          <a:p>
-            <a:pPr indent="-123822" lvl="0" marL="123822" marR="0" rtl="0" algn="l">
-              <a:spcBef>
-                <a:spcPts val="100"/>
-              </a:spcBef>
-              <a:spcAft>
-                <a:spcPts val="0"/>
-              </a:spcAft>
-              <a:buClr>
-                <a:schemeClr val="lt1"/>
-              </a:buClr>
-              <a:buSzPts val="1050"/>
-              <a:buFont typeface="Arial"/>
-              <a:buChar char="•"/>
-            </a:pPr>
-            <a:r>
-              <a:rPr b="1" lang="en" sz="1050">
-                <a:solidFill>
-                  <a:schemeClr val="lt1"/>
-                </a:solidFill>
-                <a:latin typeface="Arial"/>
-                <a:ea typeface="Arial"/>
-                <a:cs typeface="Arial"/>
-                <a:sym typeface="Arial"/>
-              </a:rPr>
-              <a:t>Pulse Oximetry				</a:t>
-            </a:r>
-            <a:r>
-              <a:rPr b="1" lang="en" sz="1050" u="sng">
-                <a:solidFill>
-                  <a:schemeClr val="hlink"/>
-                </a:solidFill>
-                <a:latin typeface="Arial"/>
-                <a:ea typeface="Arial"/>
-                <a:cs typeface="Arial"/>
-                <a:sym typeface="Arial"/>
-                <a:hlinkClick r:id="rId67"/>
-              </a:rPr>
-              <a:t>US Core Pulse Oximetry Profile</a:t>
-            </a:r>
-            <a:endParaRPr b="1" sz="1050">
-              <a:solidFill>
-                <a:schemeClr val="lt1"/>
-              </a:solidFill>
-              <a:latin typeface="Arial"/>
-              <a:ea typeface="Arial"/>
-              <a:cs typeface="Arial"/>
-              <a:sym typeface="Arial"/>
-            </a:endParaRPr>
-          </a:p>
-          <a:p>
-            <a:pPr indent="-123822" lvl="0" marL="123822" marR="0" rtl="0" algn="l">
-              <a:spcBef>
-                <a:spcPts val="100"/>
-              </a:spcBef>
-              <a:spcAft>
-                <a:spcPts val="0"/>
-              </a:spcAft>
-              <a:buClr>
-                <a:schemeClr val="lt1"/>
-              </a:buClr>
-              <a:buSzPts val="1050"/>
-              <a:buFont typeface="Arial"/>
-              <a:buChar char="•"/>
-            </a:pPr>
-            <a:r>
-              <a:rPr b="1" lang="en" sz="1050">
-                <a:solidFill>
-                  <a:schemeClr val="lt1"/>
-                </a:solidFill>
-                <a:latin typeface="Arial"/>
-                <a:ea typeface="Arial"/>
-                <a:cs typeface="Arial"/>
-                <a:sym typeface="Arial"/>
-              </a:rPr>
-              <a:t>Inhaled Oxygen Concentration</a:t>
-            </a:r>
-            <a:r>
-              <a:rPr b="1" lang="en" sz="1050">
-                <a:solidFill>
-                  <a:schemeClr val="lt1"/>
-                </a:solidFill>
-              </a:rPr>
-              <a:t>		</a:t>
-            </a:r>
-            <a:r>
-              <a:rPr b="1" lang="en" sz="1050" u="sng">
-                <a:solidFill>
-                  <a:schemeClr val="hlink"/>
-                </a:solidFill>
-                <a:latin typeface="Arial"/>
-                <a:ea typeface="Arial"/>
-                <a:cs typeface="Arial"/>
-                <a:sym typeface="Arial"/>
-                <a:hlinkClick r:id="rId68"/>
-              </a:rPr>
-              <a:t>US Core Pulse Oximetry Profile</a:t>
-            </a:r>
-            <a:endParaRPr/>
-          </a:p>
-          <a:p>
-            <a:pPr indent="-123822" lvl="0" marL="123822" marR="0" rtl="0" algn="l">
-              <a:spcBef>
-                <a:spcPts val="100"/>
-              </a:spcBef>
-              <a:spcAft>
-                <a:spcPts val="0"/>
-              </a:spcAft>
-              <a:buClr>
-                <a:schemeClr val="lt1"/>
-              </a:buClr>
-              <a:buSzPts val="1050"/>
-              <a:buFont typeface="Arial"/>
-              <a:buChar char="•"/>
-            </a:pPr>
-            <a:r>
-              <a:rPr b="1" lang="en" sz="1050">
-                <a:solidFill>
-                  <a:schemeClr val="lt1"/>
-                </a:solidFill>
-                <a:latin typeface="Arial"/>
-                <a:ea typeface="Arial"/>
-                <a:cs typeface="Arial"/>
-                <a:sym typeface="Arial"/>
-              </a:rPr>
-              <a:t>BMI Percentile (2-20 Years</a:t>
-            </a:r>
-            <a:r>
-              <a:rPr b="1" lang="en" sz="1050">
-                <a:solidFill>
-                  <a:schemeClr val="lt1"/>
-                </a:solidFill>
-              </a:rPr>
-              <a:t>)			</a:t>
-            </a:r>
-            <a:r>
-              <a:rPr b="1" lang="en" sz="1050" u="sng">
-                <a:solidFill>
-                  <a:schemeClr val="hlink"/>
-                </a:solidFill>
-                <a:latin typeface="Arial"/>
-                <a:ea typeface="Arial"/>
-                <a:cs typeface="Arial"/>
-                <a:sym typeface="Arial"/>
-                <a:hlinkClick r:id="rId69"/>
-              </a:rPr>
-              <a:t>US Core Pediatric BMI for Age Observation Profile</a:t>
-            </a:r>
-            <a:endParaRPr b="1" sz="1050">
-              <a:solidFill>
-                <a:schemeClr val="lt1"/>
-              </a:solidFill>
-              <a:latin typeface="Arial"/>
-              <a:ea typeface="Arial"/>
-              <a:cs typeface="Arial"/>
-              <a:sym typeface="Arial"/>
-            </a:endParaRPr>
-          </a:p>
-          <a:p>
-            <a:pPr indent="-123822" lvl="0" marL="123822" marR="0" rtl="0" algn="l">
-              <a:spcBef>
-                <a:spcPts val="100"/>
-              </a:spcBef>
-              <a:spcAft>
-                <a:spcPts val="0"/>
-              </a:spcAft>
-              <a:buClr>
-                <a:schemeClr val="lt1"/>
-              </a:buClr>
-              <a:buSzPts val="1050"/>
-              <a:buFont typeface="Arial"/>
-              <a:buChar char="•"/>
-            </a:pPr>
-            <a:r>
-              <a:rPr b="1" lang="en" sz="1050">
-                <a:solidFill>
-                  <a:schemeClr val="lt1"/>
-                </a:solidFill>
-                <a:latin typeface="Arial"/>
-                <a:ea typeface="Arial"/>
-                <a:cs typeface="Arial"/>
-                <a:sym typeface="Arial"/>
-              </a:rPr>
-              <a:t>Weight-for-length Percentile		</a:t>
-            </a:r>
-            <a:r>
-              <a:rPr b="1" lang="en" sz="1050" u="sng">
-                <a:solidFill>
-                  <a:schemeClr val="hlink"/>
-                </a:solidFill>
-                <a:latin typeface="Arial"/>
-                <a:ea typeface="Arial"/>
-                <a:cs typeface="Arial"/>
-                <a:sym typeface="Arial"/>
-                <a:hlinkClick r:id="rId70"/>
-              </a:rPr>
-              <a:t>US Core Pediatric Weight for Height Observation Profile</a:t>
-            </a:r>
-            <a:br>
-              <a:rPr b="1" lang="en" sz="1050">
-                <a:solidFill>
-                  <a:schemeClr val="lt1"/>
-                </a:solidFill>
-                <a:latin typeface="Arial"/>
-                <a:ea typeface="Arial"/>
-                <a:cs typeface="Arial"/>
-                <a:sym typeface="Arial"/>
-              </a:rPr>
-            </a:br>
-            <a:r>
-              <a:rPr b="1" lang="en" sz="1050">
-                <a:solidFill>
-                  <a:schemeClr val="lt1"/>
-                </a:solidFill>
-                <a:latin typeface="Arial"/>
-                <a:ea typeface="Arial"/>
-                <a:cs typeface="Arial"/>
-                <a:sym typeface="Arial"/>
-              </a:rPr>
-              <a:t>(Birth-36 Months)</a:t>
-            </a:r>
-            <a:endParaRPr b="1" i="1" sz="1050">
-              <a:solidFill>
-                <a:schemeClr val="lt1"/>
-              </a:solidFill>
-              <a:latin typeface="Arial"/>
-              <a:ea typeface="Arial"/>
-              <a:cs typeface="Arial"/>
-              <a:sym typeface="Arial"/>
-            </a:endParaRPr>
-          </a:p>
-          <a:p>
-            <a:pPr indent="-123822" lvl="0" marL="123822" marR="0" rtl="0" algn="l">
-              <a:spcBef>
-                <a:spcPts val="100"/>
-              </a:spcBef>
-              <a:spcAft>
-                <a:spcPts val="0"/>
-              </a:spcAft>
-              <a:buClr>
-                <a:schemeClr val="lt1"/>
-              </a:buClr>
-              <a:buSzPts val="1050"/>
-              <a:buFont typeface="Arial"/>
-              <a:buChar char="•"/>
-            </a:pPr>
-            <a:r>
-              <a:rPr b="1" lang="en" sz="1050">
-                <a:solidFill>
-                  <a:schemeClr val="lt1"/>
-                </a:solidFill>
-                <a:latin typeface="Arial"/>
-                <a:ea typeface="Arial"/>
-                <a:cs typeface="Arial"/>
-                <a:sym typeface="Arial"/>
-              </a:rPr>
-              <a:t>Occipital-frontal Head Circumference 	</a:t>
-            </a:r>
-            <a:r>
-              <a:rPr b="1" lang="en" sz="1050" u="sng">
-                <a:solidFill>
-                  <a:schemeClr val="hlink"/>
-                </a:solidFill>
-                <a:latin typeface="Arial"/>
-                <a:ea typeface="Arial"/>
-                <a:cs typeface="Arial"/>
-                <a:sym typeface="Arial"/>
-                <a:hlinkClick r:id="rId71"/>
-              </a:rPr>
-              <a:t>US Core Pediatric Head Occipital Frontal Circumference</a:t>
-            </a:r>
-            <a:br>
-              <a:rPr b="1" lang="en" sz="1050">
-                <a:solidFill>
-                  <a:schemeClr val="lt1"/>
-                </a:solidFill>
-                <a:latin typeface="Arial"/>
-                <a:ea typeface="Arial"/>
-                <a:cs typeface="Arial"/>
-                <a:sym typeface="Arial"/>
-              </a:rPr>
-            </a:br>
-            <a:r>
-              <a:rPr b="1" lang="en" sz="1050">
-                <a:solidFill>
-                  <a:schemeClr val="lt1"/>
-                </a:solidFill>
-                <a:latin typeface="Arial"/>
-                <a:ea typeface="Arial"/>
-                <a:cs typeface="Arial"/>
-                <a:sym typeface="Arial"/>
-              </a:rPr>
-              <a:t>Percentile (Birth-36 Months)		</a:t>
-            </a:r>
-            <a:r>
-              <a:rPr b="1" lang="en" sz="1050" u="sng">
-                <a:solidFill>
-                  <a:schemeClr val="hlink"/>
-                </a:solidFill>
-                <a:latin typeface="Arial"/>
-                <a:ea typeface="Arial"/>
-                <a:cs typeface="Arial"/>
-                <a:sym typeface="Arial"/>
-                <a:hlinkClick r:id="rId72"/>
-              </a:rPr>
-              <a:t>Percentile Profile</a:t>
-            </a:r>
-            <a:endParaRPr b="1" sz="1050">
-              <a:solidFill>
-                <a:schemeClr val="lt1"/>
-              </a:solidFill>
-              <a:latin typeface="Arial"/>
-              <a:ea typeface="Arial"/>
-              <a:cs typeface="Arial"/>
-              <a:sym typeface="Arial"/>
-            </a:endParaRPr>
-          </a:p>
-          <a:p>
-            <a:pPr indent="-94184" lvl="0" marL="160859" marR="0" rtl="0" algn="l">
-              <a:spcBef>
-                <a:spcPts val="100"/>
-              </a:spcBef>
-              <a:spcAft>
-                <a:spcPts val="0"/>
-              </a:spcAft>
-              <a:buClr>
-                <a:schemeClr val="dk1"/>
-              </a:buClr>
-              <a:buSzPts val="1050"/>
-              <a:buFont typeface="Arial"/>
-              <a:buNone/>
-            </a:pPr>
-            <a:r>
-              <a:t/>
-            </a:r>
-            <a:endParaRPr b="1" sz="1050">
-              <a:solidFill>
-                <a:schemeClr val="lt1"/>
-              </a:solidFill>
-              <a:latin typeface="Arial"/>
-              <a:ea typeface="Arial"/>
-              <a:cs typeface="Arial"/>
-              <a:sym typeface="Arial"/>
-            </a:endParaRPr>
           </a:p>
         </p:txBody>
       </p:sp>
@@ -37715,7 +38262,7 @@
           <p:nvPr/>
         </p:nvPicPr>
         <p:blipFill rotWithShape="1">
-          <a:blip r:embed="rId73">
+          <a:blip r:embed="rId83">
             <a:alphaModFix/>
           </a:blip>
           <a:srcRect b="0" l="0" r="0" t="0"/>
@@ -37723,8 +38270,8 @@
         </p:blipFill>
         <p:spPr>
           <a:xfrm>
-            <a:off x="7547302" y="19671394"/>
-            <a:ext cx="329184" cy="329184"/>
+            <a:off x="7572021" y="35561608"/>
+            <a:ext cx="329184" cy="260453"/>
           </a:xfrm>
           <a:prstGeom prst="rect">
             <a:avLst/>
@@ -37743,8 +38290,8 @@
         </p:nvSpPr>
         <p:spPr>
           <a:xfrm>
-            <a:off x="1140995" y="20358826"/>
-            <a:ext cx="7132500" cy="816000"/>
+            <a:off x="1144390" y="36498004"/>
+            <a:ext cx="7132500" cy="1165500"/>
           </a:xfrm>
           <a:prstGeom prst="rect">
             <a:avLst/>
@@ -37801,8 +38348,8 @@
         </p:nvSpPr>
         <p:spPr>
           <a:xfrm>
-            <a:off x="1160030" y="20380100"/>
-            <a:ext cx="7105500" cy="574500"/>
+            <a:off x="1163425" y="36528395"/>
+            <a:ext cx="7105500" cy="820800"/>
           </a:xfrm>
           <a:prstGeom prst="roundRect">
             <a:avLst>
@@ -37842,7 +38389,7 @@
                 <a:cs typeface="Arial"/>
                 <a:sym typeface="Arial"/>
               </a:rPr>
-              <a:t>Smoking Status				</a:t>
+              <a:t>Unique Device Identifier(s)			</a:t>
             </a:r>
             <a:r>
               <a:rPr b="1" lang="en" sz="1100" u="sng">
@@ -37853,11 +38400,11 @@
                 <a:ea typeface="Arial"/>
                 <a:cs typeface="Arial"/>
                 <a:sym typeface="Arial"/>
-                <a:hlinkClick r:id="rId74"/>
+                <a:hlinkClick r:id="rId84"/>
               </a:rPr>
-              <a:t>US Core Smoking Status Observation Profile</a:t>
+              <a:t>US Core Implantable Device Profile</a:t>
             </a:r>
-            <a:endParaRPr b="1" i="1" sz="1100">
+            <a:endParaRPr b="1" sz="1100">
               <a:solidFill>
                 <a:schemeClr val="lt1"/>
               </a:solidFill>
@@ -37868,7 +38415,7 @@
             </a:endParaRPr>
           </a:p>
           <a:p>
-            <a:pPr indent="-160859" lvl="0" marL="160859" marR="0" rtl="0" algn="l">
+            <a:pPr indent="-122235" lvl="0" marL="122235" marR="0" rtl="0" algn="l">
               <a:spcBef>
                 <a:spcPts val="400"/>
               </a:spcBef>
@@ -37892,9 +38439,17 @@
                 <a:cs typeface="Arial"/>
                 <a:sym typeface="Arial"/>
               </a:rPr>
-              <a:t>Smoking Status</a:t>
+              <a:t>Unique Device Identifier(s) for a Patient’s Implantable Device(s)</a:t>
             </a:r>
-            <a:endParaRPr/>
+            <a:endParaRPr b="1" i="1" sz="1050">
+              <a:solidFill>
+                <a:schemeClr val="lt1"/>
+              </a:solidFill>
+              <a:latin typeface="Arial"/>
+              <a:ea typeface="Arial"/>
+              <a:cs typeface="Arial"/>
+              <a:sym typeface="Arial"/>
+            </a:endParaRPr>
           </a:p>
         </p:txBody>
       </p:sp>
@@ -37905,7 +38460,7 @@
           <p:nvPr/>
         </p:nvPicPr>
         <p:blipFill rotWithShape="1">
-          <a:blip r:embed="rId75">
+          <a:blip r:embed="rId85">
             <a:alphaModFix/>
           </a:blip>
           <a:srcRect b="0" l="0" r="0" t="0"/>
@@ -37913,8 +38468,35 @@
         </p:blipFill>
         <p:spPr>
           <a:xfrm>
-            <a:off x="7568626" y="20563354"/>
-            <a:ext cx="329184" cy="227896"/>
+            <a:off x="7571635" y="36908091"/>
+            <a:ext cx="283464" cy="404945"/>
+          </a:xfrm>
+          <a:prstGeom prst="rect">
+            <a:avLst/>
+          </a:prstGeom>
+          <a:noFill/>
+          <a:ln>
+            <a:noFill/>
+          </a:ln>
+        </p:spPr>
+      </p:pic>
+      <p:pic>
+        <p:nvPicPr>
+          <p:cNvPr id="345" name="Google Shape;345;p31"/>
+          <p:cNvPicPr preferRelativeResize="0"/>
+          <p:nvPr/>
+        </p:nvPicPr>
+        <p:blipFill rotWithShape="1">
+          <a:blip r:embed="rId86">
+            <a:alphaModFix/>
+          </a:blip>
+          <a:srcRect b="0" l="0" r="0" t="0"/>
+          <a:stretch/>
+        </p:blipFill>
+        <p:spPr>
+          <a:xfrm>
+            <a:off x="7569574" y="38073494"/>
+            <a:ext cx="329184" cy="560698"/>
           </a:xfrm>
           <a:prstGeom prst="rect">
             <a:avLst/>
@@ -37927,14 +38509,298 @@
       </p:pic>
       <p:sp>
         <p:nvSpPr>
-          <p:cNvPr id="345" name="Google Shape;345;p31"/>
+          <p:cNvPr id="346" name="Google Shape;346;p31"/>
+          <p:cNvSpPr txBox="1"/>
+          <p:nvPr/>
+        </p:nvSpPr>
+        <p:spPr>
+          <a:xfrm>
+            <a:off x="6071616" y="14473321"/>
+            <a:ext cx="2115600" cy="430800"/>
+          </a:xfrm>
+          <a:prstGeom prst="rect">
+            <a:avLst/>
+          </a:prstGeom>
+          <a:noFill/>
+          <a:ln>
+            <a:noFill/>
+          </a:ln>
+        </p:spPr>
+        <p:txBody>
+          <a:bodyPr anchorCtr="0" anchor="ctr" bIns="45700" lIns="91425" spcFirstLastPara="1" rIns="91425" wrap="square" tIns="45700">
+            <a:spAutoFit/>
+          </a:bodyPr>
+          <a:lstStyle/>
+          <a:p>
+            <a:pPr indent="0" lvl="0" marL="0" marR="0" rtl="0" algn="l">
+              <a:spcBef>
+                <a:spcPts val="0"/>
+              </a:spcBef>
+              <a:spcAft>
+                <a:spcPts val="0"/>
+              </a:spcAft>
+              <a:buNone/>
+            </a:pPr>
+            <a:r>
+              <a:rPr b="1" lang="en" sz="1100">
+                <a:solidFill>
+                  <a:schemeClr val="lt1"/>
+                </a:solidFill>
+                <a:latin typeface="Arial"/>
+                <a:ea typeface="Arial"/>
+                <a:cs typeface="Arial"/>
+                <a:sym typeface="Arial"/>
+              </a:rPr>
+              <a:t>See: </a:t>
+            </a:r>
+            <a:r>
+              <a:rPr b="1" lang="en" sz="1100" u="sng">
+                <a:solidFill>
+                  <a:schemeClr val="lt1"/>
+                </a:solidFill>
+                <a:hlinkClick r:id="rId87">
+                  <a:extLst>
+                    <a:ext uri="{A12FA001-AC4F-418D-AE19-62706E023703}">
+                      <ahyp:hlinkClr val="tx"/>
+                    </a:ext>
+                  </a:extLst>
+                </a:hlinkClick>
+              </a:rPr>
+              <a:t>SDOH Guidance</a:t>
+            </a:r>
+            <a:endParaRPr b="1" sz="1100">
+              <a:solidFill>
+                <a:schemeClr val="lt1"/>
+              </a:solidFill>
+              <a:latin typeface="Arial"/>
+              <a:ea typeface="Arial"/>
+              <a:cs typeface="Arial"/>
+              <a:sym typeface="Arial"/>
+            </a:endParaRPr>
+          </a:p>
+          <a:p>
+            <a:pPr indent="0" lvl="0" marL="0" marR="0" rtl="0" algn="l">
+              <a:spcBef>
+                <a:spcPts val="0"/>
+              </a:spcBef>
+              <a:spcAft>
+                <a:spcPts val="0"/>
+              </a:spcAft>
+              <a:buNone/>
+            </a:pPr>
+            <a:r>
+              <a:t/>
+            </a:r>
+            <a:endParaRPr sz="1100">
+              <a:solidFill>
+                <a:schemeClr val="lt1"/>
+              </a:solidFill>
+              <a:latin typeface="Arial"/>
+              <a:ea typeface="Arial"/>
+              <a:cs typeface="Arial"/>
+              <a:sym typeface="Arial"/>
+            </a:endParaRPr>
+          </a:p>
+        </p:txBody>
+      </p:sp>
+      <p:sp>
+        <p:nvSpPr>
+          <p:cNvPr id="347" name="Google Shape;347;p31"/>
+          <p:cNvSpPr txBox="1"/>
+          <p:nvPr/>
+        </p:nvSpPr>
+        <p:spPr>
+          <a:xfrm>
+            <a:off x="6072129" y="31716834"/>
+            <a:ext cx="2115600" cy="430800"/>
+          </a:xfrm>
+          <a:prstGeom prst="rect">
+            <a:avLst/>
+          </a:prstGeom>
+          <a:noFill/>
+          <a:ln>
+            <a:noFill/>
+          </a:ln>
+        </p:spPr>
+        <p:txBody>
+          <a:bodyPr anchorCtr="0" anchor="t" bIns="45700" lIns="91425" spcFirstLastPara="1" rIns="91425" wrap="square" tIns="45700">
+            <a:spAutoFit/>
+          </a:bodyPr>
+          <a:lstStyle/>
+          <a:p>
+            <a:pPr indent="0" lvl="0" marL="0" marR="0" rtl="0" algn="l">
+              <a:spcBef>
+                <a:spcPts val="0"/>
+              </a:spcBef>
+              <a:spcAft>
+                <a:spcPts val="0"/>
+              </a:spcAft>
+              <a:buNone/>
+            </a:pPr>
+            <a:r>
+              <a:rPr b="1" lang="en" sz="1100">
+                <a:solidFill>
+                  <a:schemeClr val="lt1"/>
+                </a:solidFill>
+                <a:latin typeface="Arial"/>
+                <a:ea typeface="Arial"/>
+                <a:cs typeface="Arial"/>
+                <a:sym typeface="Arial"/>
+              </a:rPr>
+              <a:t>See: </a:t>
+            </a:r>
+            <a:r>
+              <a:rPr b="1" lang="en" sz="1100" u="sng">
+                <a:solidFill>
+                  <a:schemeClr val="hlink"/>
+                </a:solidFill>
+                <a:latin typeface="Arial"/>
+                <a:ea typeface="Arial"/>
+                <a:cs typeface="Arial"/>
+                <a:sym typeface="Arial"/>
+                <a:hlinkClick r:id="rId88"/>
+              </a:rPr>
+              <a:t>SDOH Guidance</a:t>
+            </a:r>
+            <a:endParaRPr b="1" sz="1100">
+              <a:solidFill>
+                <a:schemeClr val="lt1"/>
+              </a:solidFill>
+              <a:latin typeface="Arial"/>
+              <a:ea typeface="Arial"/>
+              <a:cs typeface="Arial"/>
+              <a:sym typeface="Arial"/>
+            </a:endParaRPr>
+          </a:p>
+          <a:p>
+            <a:pPr indent="0" lvl="0" marL="0" marR="0" rtl="0" algn="l">
+              <a:spcBef>
+                <a:spcPts val="0"/>
+              </a:spcBef>
+              <a:spcAft>
+                <a:spcPts val="0"/>
+              </a:spcAft>
+              <a:buNone/>
+            </a:pPr>
+            <a:r>
+              <a:t/>
+            </a:r>
+            <a:endParaRPr sz="1100">
+              <a:solidFill>
+                <a:schemeClr val="lt1"/>
+              </a:solidFill>
+              <a:latin typeface="Arial"/>
+              <a:ea typeface="Arial"/>
+              <a:cs typeface="Arial"/>
+              <a:sym typeface="Arial"/>
+            </a:endParaRPr>
+          </a:p>
+        </p:txBody>
+      </p:sp>
+      <p:sp>
+        <p:nvSpPr>
+          <p:cNvPr id="348" name="Google Shape;348;p31"/>
+          <p:cNvSpPr txBox="1"/>
+          <p:nvPr/>
+        </p:nvSpPr>
+        <p:spPr>
+          <a:xfrm>
+            <a:off x="6045397" y="14901354"/>
+            <a:ext cx="2115600" cy="430800"/>
+          </a:xfrm>
+          <a:prstGeom prst="rect">
+            <a:avLst/>
+          </a:prstGeom>
+          <a:noFill/>
+          <a:ln>
+            <a:noFill/>
+          </a:ln>
+        </p:spPr>
+        <p:txBody>
+          <a:bodyPr anchorCtr="0" anchor="t" bIns="45700" lIns="91425" spcFirstLastPara="1" rIns="91425" wrap="square" tIns="45700">
+            <a:spAutoFit/>
+          </a:bodyPr>
+          <a:lstStyle/>
+          <a:p>
+            <a:pPr indent="0" lvl="0" marL="0" marR="0" rtl="0" algn="l">
+              <a:spcBef>
+                <a:spcPts val="0"/>
+              </a:spcBef>
+              <a:spcAft>
+                <a:spcPts val="0"/>
+              </a:spcAft>
+              <a:buNone/>
+            </a:pPr>
+            <a:r>
+              <a:rPr b="1" lang="en" sz="1100">
+                <a:solidFill>
+                  <a:schemeClr val="lt1"/>
+                </a:solidFill>
+                <a:latin typeface="Arial"/>
+                <a:ea typeface="Arial"/>
+                <a:cs typeface="Arial"/>
+                <a:sym typeface="Arial"/>
+              </a:rPr>
+              <a:t>See: </a:t>
+            </a:r>
+            <a:r>
+              <a:rPr b="1" lang="en" sz="1100" u="sng">
+                <a:solidFill>
+                  <a:schemeClr val="hlink"/>
+                </a:solidFill>
+                <a:latin typeface="Arial"/>
+                <a:ea typeface="Arial"/>
+                <a:cs typeface="Arial"/>
+                <a:sym typeface="Arial"/>
+                <a:hlinkClick r:id="rId89"/>
+              </a:rPr>
+              <a:t>SDOH Guidance</a:t>
+            </a:r>
+            <a:endParaRPr b="1" sz="1100">
+              <a:solidFill>
+                <a:schemeClr val="lt1"/>
+              </a:solidFill>
+              <a:latin typeface="Arial"/>
+              <a:ea typeface="Arial"/>
+              <a:cs typeface="Arial"/>
+              <a:sym typeface="Arial"/>
+            </a:endParaRPr>
+          </a:p>
+          <a:p>
+            <a:pPr indent="0" lvl="0" marL="0" marR="0" rtl="0" algn="l">
+              <a:spcBef>
+                <a:spcPts val="0"/>
+              </a:spcBef>
+              <a:spcAft>
+                <a:spcPts val="0"/>
+              </a:spcAft>
+              <a:buNone/>
+            </a:pPr>
+            <a:r>
+              <a:t/>
+            </a:r>
+            <a:endParaRPr sz="1100">
+              <a:solidFill>
+                <a:schemeClr val="lt1"/>
+              </a:solidFill>
+              <a:latin typeface="Arial"/>
+              <a:ea typeface="Arial"/>
+              <a:cs typeface="Arial"/>
+              <a:sym typeface="Arial"/>
+            </a:endParaRPr>
+          </a:p>
+        </p:txBody>
+      </p:sp>
+      <p:sp>
+        <p:nvSpPr>
+          <p:cNvPr id="349" name="Google Shape;349;p31"/>
           <p:cNvSpPr/>
           <p:nvPr/>
         </p:nvSpPr>
         <p:spPr>
           <a:xfrm>
-            <a:off x="1140995" y="21218831"/>
-            <a:ext cx="7132500" cy="816000"/>
+            <a:off x="1129950" y="14981400"/>
+            <a:ext cx="7113300" cy="2094300"/>
           </a:xfrm>
           <a:prstGeom prst="rect">
             <a:avLst/>
@@ -37985,14 +38851,14 @@
       </p:sp>
       <p:sp>
         <p:nvSpPr>
-          <p:cNvPr id="346" name="Google Shape;346;p31"/>
+          <p:cNvPr id="350" name="Google Shape;350;p31"/>
           <p:cNvSpPr/>
           <p:nvPr/>
         </p:nvSpPr>
         <p:spPr>
           <a:xfrm>
-            <a:off x="1160030" y="21240105"/>
-            <a:ext cx="7105500" cy="574500"/>
+            <a:off x="1119750" y="14958428"/>
+            <a:ext cx="7105500" cy="1948800"/>
           </a:xfrm>
           <a:prstGeom prst="roundRect">
             <a:avLst>
@@ -38005,7 +38871,7 @@
           </a:ln>
         </p:spPr>
         <p:txBody>
-          <a:bodyPr anchorCtr="0" anchor="ctr" bIns="45700" lIns="91425" spcFirstLastPara="1" rIns="91425" wrap="square" tIns="45700">
+          <a:bodyPr anchorCtr="0" anchor="t" bIns="45700" lIns="91425" spcFirstLastPara="1" rIns="91425" wrap="square" tIns="45700">
             <a:noAutofit/>
           </a:bodyPr>
           <a:lstStyle/>
@@ -38027,12 +38893,20 @@
                 <a:solidFill>
                   <a:schemeClr val="lt1"/>
                 </a:solidFill>
-                <a:latin typeface="Arial"/>
-                <a:ea typeface="Arial"/>
-                <a:cs typeface="Arial"/>
-                <a:sym typeface="Arial"/>
               </a:rPr>
-              <a:t>Unique Device Identifier(s)			</a:t>
+              <a:t>Health Insurance Information</a:t>
+            </a:r>
+            <a:r>
+              <a:rPr b="1" lang="en" sz="1100">
+                <a:solidFill>
+                  <a:schemeClr val="lt1"/>
+                </a:solidFill>
+                <a:latin typeface="Arial"/>
+                <a:ea typeface="Arial"/>
+                <a:cs typeface="Arial"/>
+                <a:sym typeface="Arial"/>
+              </a:rPr>
+              <a:t>		</a:t>
             </a:r>
             <a:r>
               <a:rPr b="1" lang="en" sz="1100" u="sng">
@@ -38043,9 +38917,18 @@
                 <a:ea typeface="Arial"/>
                 <a:cs typeface="Arial"/>
                 <a:sym typeface="Arial"/>
-                <a:hlinkClick r:id="rId76"/>
+                <a:hlinkClick r:id="rId90"/>
               </a:rPr>
-              <a:t>US Core Implantable Device Profile</a:t>
+              <a:t>US Core </a:t>
+            </a:r>
+            <a:r>
+              <a:rPr b="1" lang="en" sz="1100" u="sng">
+                <a:solidFill>
+                  <a:schemeClr val="hlink"/>
+                </a:solidFill>
+                <a:hlinkClick r:id="rId91"/>
+              </a:rPr>
+              <a:t>Coverage</a:t>
             </a:r>
             <a:endParaRPr b="1" sz="1100">
               <a:solidFill>
@@ -38058,9 +38941,9 @@
             </a:endParaRPr>
           </a:p>
           <a:p>
-            <a:pPr indent="-122235" lvl="0" marL="122235" marR="0" rtl="0" algn="l">
-              <a:spcBef>
-                <a:spcPts val="400"/>
+            <a:pPr indent="-158115" lvl="0" marL="155448" rtl="0" algn="l">
+              <a:spcBef>
+                <a:spcPts val="0"/>
               </a:spcBef>
               <a:spcAft>
                 <a:spcPts val="0"/>
@@ -38069,7 +38952,6 @@
                 <a:schemeClr val="lt1"/>
               </a:buClr>
               <a:buSzPts val="1050"/>
-              <a:buFont typeface="Arial"/>
               <a:buChar char="•"/>
             </a:pPr>
             <a:r>
@@ -38077,69 +38959,354 @@
                 <a:solidFill>
                   <a:schemeClr val="lt1"/>
                 </a:solidFill>
-                <a:latin typeface="Arial"/>
-                <a:ea typeface="Arial"/>
-                <a:cs typeface="Arial"/>
-                <a:sym typeface="Arial"/>
               </a:rPr>
-              <a:t>Unique Device Identifier(s) for a Patient’s Implantable Device(s)</a:t>
+              <a:t>Coverage Status</a:t>
             </a:r>
-            <a:endParaRPr b="1" i="1" sz="1050">
+            <a:endParaRPr b="1" sz="1050">
               <a:solidFill>
                 <a:schemeClr val="lt1"/>
               </a:solidFill>
-              <a:latin typeface="Arial"/>
-              <a:ea typeface="Arial"/>
-              <a:cs typeface="Arial"/>
-              <a:sym typeface="Arial"/>
+            </a:endParaRPr>
+          </a:p>
+          <a:p>
+            <a:pPr indent="-158115" lvl="0" marL="155448" rtl="0" algn="l">
+              <a:spcBef>
+                <a:spcPts val="0"/>
+              </a:spcBef>
+              <a:spcAft>
+                <a:spcPts val="0"/>
+              </a:spcAft>
+              <a:buClr>
+                <a:schemeClr val="lt1"/>
+              </a:buClr>
+              <a:buSzPts val="1050"/>
+              <a:buChar char="•"/>
+            </a:pPr>
+            <a:r>
+              <a:rPr b="1" lang="en" sz="1050">
+                <a:solidFill>
+                  <a:schemeClr val="lt1"/>
+                </a:solidFill>
+              </a:rPr>
+              <a:t>Coverage Type</a:t>
+            </a:r>
+            <a:endParaRPr b="1" sz="1050">
+              <a:solidFill>
+                <a:schemeClr val="lt1"/>
+              </a:solidFill>
+            </a:endParaRPr>
+          </a:p>
+          <a:p>
+            <a:pPr indent="-158115" lvl="0" marL="155448" rtl="0" algn="l">
+              <a:spcBef>
+                <a:spcPts val="0"/>
+              </a:spcBef>
+              <a:spcAft>
+                <a:spcPts val="0"/>
+              </a:spcAft>
+              <a:buClr>
+                <a:schemeClr val="lt1"/>
+              </a:buClr>
+              <a:buSzPts val="1050"/>
+              <a:buChar char="•"/>
+            </a:pPr>
+            <a:r>
+              <a:rPr b="1" lang="en" sz="1050">
+                <a:solidFill>
+                  <a:schemeClr val="lt1"/>
+                </a:solidFill>
+              </a:rPr>
+              <a:t>Relationship to Subscriber</a:t>
+            </a:r>
+            <a:endParaRPr b="1" sz="1050">
+              <a:solidFill>
+                <a:schemeClr val="lt1"/>
+              </a:solidFill>
+            </a:endParaRPr>
+          </a:p>
+          <a:p>
+            <a:pPr indent="-158115" lvl="0" marL="155448" rtl="0" algn="l">
+              <a:spcBef>
+                <a:spcPts val="0"/>
+              </a:spcBef>
+              <a:spcAft>
+                <a:spcPts val="0"/>
+              </a:spcAft>
+              <a:buClr>
+                <a:schemeClr val="lt1"/>
+              </a:buClr>
+              <a:buSzPts val="1050"/>
+              <a:buChar char="•"/>
+            </a:pPr>
+            <a:r>
+              <a:rPr b="1" lang="en" sz="1050">
+                <a:solidFill>
+                  <a:schemeClr val="lt1"/>
+                </a:solidFill>
+              </a:rPr>
+              <a:t>Member Identifier</a:t>
+            </a:r>
+            <a:endParaRPr b="1" sz="1050">
+              <a:solidFill>
+                <a:schemeClr val="lt1"/>
+              </a:solidFill>
+            </a:endParaRPr>
+          </a:p>
+          <a:p>
+            <a:pPr indent="-158115" lvl="0" marL="155448" rtl="0" algn="l">
+              <a:spcBef>
+                <a:spcPts val="0"/>
+              </a:spcBef>
+              <a:spcAft>
+                <a:spcPts val="0"/>
+              </a:spcAft>
+              <a:buClr>
+                <a:schemeClr val="lt1"/>
+              </a:buClr>
+              <a:buSzPts val="1050"/>
+              <a:buChar char="•"/>
+            </a:pPr>
+            <a:r>
+              <a:rPr b="1" lang="en" sz="1050">
+                <a:solidFill>
+                  <a:schemeClr val="lt1"/>
+                </a:solidFill>
+              </a:rPr>
+              <a:t>Subscriber Identifier</a:t>
+            </a:r>
+            <a:endParaRPr b="1" sz="1050">
+              <a:solidFill>
+                <a:schemeClr val="lt1"/>
+              </a:solidFill>
+            </a:endParaRPr>
+          </a:p>
+          <a:p>
+            <a:pPr indent="-158115" lvl="0" marL="155448" rtl="0" algn="l">
+              <a:spcBef>
+                <a:spcPts val="0"/>
+              </a:spcBef>
+              <a:spcAft>
+                <a:spcPts val="0"/>
+              </a:spcAft>
+              <a:buClr>
+                <a:schemeClr val="lt1"/>
+              </a:buClr>
+              <a:buSzPts val="1050"/>
+              <a:buChar char="•"/>
+            </a:pPr>
+            <a:r>
+              <a:rPr b="1" lang="en" sz="1050">
+                <a:solidFill>
+                  <a:schemeClr val="lt1"/>
+                </a:solidFill>
+              </a:rPr>
+              <a:t>Group Number</a:t>
+            </a:r>
+            <a:endParaRPr b="1" sz="1050">
+              <a:solidFill>
+                <a:schemeClr val="lt1"/>
+              </a:solidFill>
+            </a:endParaRPr>
+          </a:p>
+          <a:p>
+            <a:pPr indent="-158115" lvl="0" marL="155448" rtl="0" algn="l">
+              <a:spcBef>
+                <a:spcPts val="0"/>
+              </a:spcBef>
+              <a:spcAft>
+                <a:spcPts val="0"/>
+              </a:spcAft>
+              <a:buClr>
+                <a:schemeClr val="lt1"/>
+              </a:buClr>
+              <a:buSzPts val="1050"/>
+              <a:buChar char="•"/>
+            </a:pPr>
+            <a:r>
+              <a:rPr b="1" lang="en" sz="1050">
+                <a:solidFill>
+                  <a:schemeClr val="lt1"/>
+                </a:solidFill>
+              </a:rPr>
+              <a:t>Payer Identifier</a:t>
+            </a:r>
+            <a:endParaRPr b="1" sz="1050">
+              <a:solidFill>
+                <a:schemeClr val="lt1"/>
+              </a:solidFill>
+            </a:endParaRPr>
+          </a:p>
+          <a:p>
+            <a:pPr indent="0" lvl="0" marL="0" rtl="0" algn="l">
+              <a:spcBef>
+                <a:spcPts val="0"/>
+              </a:spcBef>
+              <a:spcAft>
+                <a:spcPts val="0"/>
+              </a:spcAft>
+              <a:buNone/>
+            </a:pPr>
+            <a:r>
+              <a:t/>
+            </a:r>
+            <a:endParaRPr b="1" sz="1050">
+              <a:solidFill>
+                <a:schemeClr val="lt1"/>
+              </a:solidFill>
+            </a:endParaRPr>
+          </a:p>
+          <a:p>
+            <a:pPr indent="0" lvl="0" marL="0" rtl="0" algn="l">
+              <a:spcBef>
+                <a:spcPts val="0"/>
+              </a:spcBef>
+              <a:spcAft>
+                <a:spcPts val="0"/>
+              </a:spcAft>
+              <a:buNone/>
+            </a:pPr>
+            <a:r>
+              <a:t/>
+            </a:r>
+            <a:endParaRPr b="1" sz="1050">
+              <a:solidFill>
+                <a:schemeClr val="lt1"/>
+              </a:solidFill>
+            </a:endParaRPr>
+          </a:p>
+          <a:p>
+            <a:pPr indent="0" lvl="0" marL="0" rtl="0" algn="l">
+              <a:spcBef>
+                <a:spcPts val="0"/>
+              </a:spcBef>
+              <a:spcAft>
+                <a:spcPts val="0"/>
+              </a:spcAft>
+              <a:buNone/>
+            </a:pPr>
+            <a:r>
+              <a:t/>
+            </a:r>
+            <a:endParaRPr b="1" sz="1050">
+              <a:solidFill>
+                <a:schemeClr val="lt1"/>
+              </a:solidFill>
+            </a:endParaRPr>
+          </a:p>
+          <a:p>
+            <a:pPr indent="0" lvl="0" marL="0" rtl="0" algn="l">
+              <a:spcBef>
+                <a:spcPts val="0"/>
+              </a:spcBef>
+              <a:spcAft>
+                <a:spcPts val="0"/>
+              </a:spcAft>
+              <a:buNone/>
+            </a:pPr>
+            <a:r>
+              <a:t/>
+            </a:r>
+            <a:endParaRPr b="1" sz="1050">
+              <a:solidFill>
+                <a:schemeClr val="lt1"/>
+              </a:solidFill>
+            </a:endParaRPr>
+          </a:p>
+          <a:p>
+            <a:pPr indent="-158115" lvl="0" marL="155448" rtl="0" algn="l">
+              <a:spcBef>
+                <a:spcPts val="0"/>
+              </a:spcBef>
+              <a:spcAft>
+                <a:spcPts val="0"/>
+              </a:spcAft>
+              <a:buClr>
+                <a:schemeClr val="lt1"/>
+              </a:buClr>
+              <a:buSzPts val="1050"/>
+              <a:buChar char="•"/>
+            </a:pPr>
+            <a:r>
+              <a:rPr b="1" lang="en" sz="1050">
+                <a:solidFill>
+                  <a:schemeClr val="lt1"/>
+                </a:solidFill>
+              </a:rPr>
+              <a:t>Group Number</a:t>
+            </a:r>
+            <a:endParaRPr b="1" sz="1050">
+              <a:solidFill>
+                <a:schemeClr val="lt1"/>
+              </a:solidFill>
+            </a:endParaRPr>
+          </a:p>
+          <a:p>
+            <a:pPr indent="-158115" lvl="0" marL="155448" rtl="0" algn="l">
+              <a:spcBef>
+                <a:spcPts val="0"/>
+              </a:spcBef>
+              <a:spcAft>
+                <a:spcPts val="0"/>
+              </a:spcAft>
+              <a:buClr>
+                <a:schemeClr val="lt1"/>
+              </a:buClr>
+              <a:buSzPts val="1050"/>
+              <a:buChar char="•"/>
+            </a:pPr>
+            <a:r>
+              <a:rPr b="1" lang="en" sz="1050">
+                <a:solidFill>
+                  <a:schemeClr val="lt1"/>
+                </a:solidFill>
+              </a:rPr>
+              <a:t>Payer Identifier</a:t>
+            </a:r>
+            <a:endParaRPr b="1" sz="1050">
+              <a:solidFill>
+                <a:schemeClr val="lt1"/>
+              </a:solidFill>
+            </a:endParaRPr>
+          </a:p>
+          <a:p>
+            <a:pPr indent="0" lvl="0" marL="457200" marR="0" rtl="0" algn="l">
+              <a:spcBef>
+                <a:spcPts val="400"/>
+              </a:spcBef>
+              <a:spcAft>
+                <a:spcPts val="0"/>
+              </a:spcAft>
+              <a:buNone/>
+            </a:pPr>
+            <a:r>
+              <a:t/>
+            </a:r>
+            <a:endParaRPr b="1" sz="1050">
+              <a:solidFill>
+                <a:schemeClr val="lt1"/>
+              </a:solidFill>
             </a:endParaRPr>
           </a:p>
         </p:txBody>
       </p:sp>
       <p:pic>
         <p:nvPicPr>
-          <p:cNvPr id="347" name="Google Shape;347;p31"/>
+          <p:cNvPr id="351" name="Google Shape;351;p31"/>
           <p:cNvPicPr preferRelativeResize="0"/>
           <p:nvPr/>
         </p:nvPicPr>
-        <p:blipFill rotWithShape="1">
-          <a:blip r:embed="rId77">
+        <p:blipFill>
+          <a:blip r:embed="rId92">
             <a:alphaModFix/>
           </a:blip>
-          <a:srcRect b="0" l="0" r="0" t="0"/>
-          <a:stretch/>
+          <a:stretch>
+            <a:fillRect/>
+          </a:stretch>
         </p:blipFill>
         <p:spPr>
           <a:xfrm>
-            <a:off x="7568240" y="21505892"/>
-            <a:ext cx="283464" cy="283463"/>
-          </a:xfrm>
-          <a:prstGeom prst="rect">
-            <a:avLst/>
-          </a:prstGeom>
-          <a:noFill/>
-          <a:ln>
-            <a:noFill/>
-          </a:ln>
-        </p:spPr>
-      </p:pic>
-      <p:pic>
-        <p:nvPicPr>
-          <p:cNvPr id="348" name="Google Shape;348;p31"/>
-          <p:cNvPicPr preferRelativeResize="0"/>
-          <p:nvPr/>
-        </p:nvPicPr>
-        <p:blipFill rotWithShape="1">
-          <a:blip r:embed="rId78">
-            <a:alphaModFix/>
-          </a:blip>
-          <a:srcRect b="0" l="0" r="0" t="0"/>
-          <a:stretch/>
-        </p:blipFill>
-        <p:spPr>
-          <a:xfrm>
-            <a:off x="7566179" y="22321675"/>
-            <a:ext cx="329184" cy="392489"/>
+            <a:off x="7527700" y="15344951"/>
+            <a:ext cx="347472" cy="393800"/>
           </a:xfrm>
           <a:prstGeom prst="rect">
             <a:avLst/>
@@ -38152,77 +39319,39 @@
       </p:pic>
       <p:sp>
         <p:nvSpPr>
-          <p:cNvPr id="349" name="Google Shape;349;p31"/>
-          <p:cNvSpPr txBox="1"/>
+          <p:cNvPr id="352" name="Google Shape;352;p31"/>
+          <p:cNvSpPr/>
           <p:nvPr/>
         </p:nvSpPr>
         <p:spPr>
           <a:xfrm>
-            <a:off x="6071616" y="10131325"/>
-            <a:ext cx="2115600" cy="430800"/>
+            <a:off x="1129950" y="17174943"/>
+            <a:ext cx="7113300" cy="2344200"/>
           </a:xfrm>
           <a:prstGeom prst="rect">
             <a:avLst/>
           </a:prstGeom>
-          <a:noFill/>
+          <a:solidFill>
+            <a:srgbClr val="1869A5"/>
+          </a:solidFill>
           <a:ln>
             <a:noFill/>
           </a:ln>
+          <a:effectLst>
+            <a:outerShdw blurRad="50800" rotWithShape="0" algn="tl" dir="2700000" dist="38100">
+              <a:srgbClr val="3F3F3F">
+                <a:alpha val="40000"/>
+              </a:srgbClr>
+            </a:outerShdw>
+          </a:effectLst>
         </p:spPr>
         <p:txBody>
           <a:bodyPr anchorCtr="0" anchor="ctr" bIns="45700" lIns="91425" spcFirstLastPara="1" rIns="91425" wrap="square" tIns="45700">
-            <a:spAutoFit/>
+            <a:noAutofit/>
           </a:bodyPr>
           <a:lstStyle/>
           <a:p>
-            <a:pPr indent="0" lvl="0" marL="0" marR="0" rtl="0" algn="l">
-              <a:spcBef>
-                <a:spcPts val="0"/>
-              </a:spcBef>
-              <a:spcAft>
-                <a:spcPts val="0"/>
-              </a:spcAft>
-              <a:buNone/>
-            </a:pPr>
-            <a:r>
-              <a:rPr b="1" lang="en" sz="1100">
-                <a:solidFill>
-                  <a:schemeClr val="lt1"/>
-                </a:solidFill>
-                <a:latin typeface="Arial"/>
-                <a:ea typeface="Arial"/>
-                <a:cs typeface="Arial"/>
-                <a:sym typeface="Arial"/>
-              </a:rPr>
-              <a:t>See: </a:t>
-            </a:r>
-            <a:r>
-              <a:rPr b="1" lang="en" sz="1100" u="sng">
-                <a:solidFill>
-                  <a:schemeClr val="lt1"/>
-                </a:solidFill>
-                <a:hlinkClick r:id="rId79">
-                  <a:extLst>
-                    <a:ext uri="{A12FA001-AC4F-418D-AE19-62706E023703}">
-                      <ahyp:hlinkClr val="tx"/>
-                    </a:ext>
-                  </a:extLst>
-                </a:hlinkClick>
-              </a:rPr>
-              <a:t>SDOH Guidance</a:t>
-            </a:r>
-            <a:endParaRPr b="1" sz="1100">
-              <a:solidFill>
-                <a:schemeClr val="lt1"/>
-              </a:solidFill>
-              <a:latin typeface="Arial"/>
-              <a:ea typeface="Arial"/>
-              <a:cs typeface="Arial"/>
-              <a:sym typeface="Arial"/>
-            </a:endParaRPr>
-          </a:p>
-          <a:p>
-            <a:pPr indent="0" lvl="0" marL="0" marR="0" rtl="0" algn="l">
+            <a:pPr indent="0" lvl="0" marL="0" marR="0" rtl="0" algn="ctr">
               <a:spcBef>
                 <a:spcPts val="0"/>
               </a:spcBef>
@@ -38234,9 +39363,9 @@
             <a:r>
               <a:t/>
             </a:r>
-            <a:endParaRPr sz="1100">
+            <a:endParaRPr b="1" sz="2000">
               <a:solidFill>
-                <a:schemeClr val="lt1"/>
+                <a:srgbClr val="FFFFFF"/>
               </a:solidFill>
               <a:latin typeface="Arial"/>
               <a:ea typeface="Arial"/>
@@ -38248,14 +39377,409 @@
       </p:sp>
       <p:sp>
         <p:nvSpPr>
-          <p:cNvPr id="350" name="Google Shape;350;p31"/>
-          <p:cNvSpPr txBox="1"/>
+          <p:cNvPr id="353" name="Google Shape;353;p31"/>
+          <p:cNvSpPr/>
           <p:nvPr/>
         </p:nvSpPr>
         <p:spPr>
           <a:xfrm>
-            <a:off x="6071616" y="18022436"/>
-            <a:ext cx="2115600" cy="430800"/>
+            <a:off x="1119750" y="17151971"/>
+            <a:ext cx="7105500" cy="2135700"/>
+          </a:xfrm>
+          <a:prstGeom prst="roundRect">
+            <a:avLst>
+              <a:gd fmla="val 16667" name="adj"/>
+            </a:avLst>
+          </a:prstGeom>
+          <a:noFill/>
+          <a:ln>
+            <a:noFill/>
+          </a:ln>
+        </p:spPr>
+        <p:txBody>
+          <a:bodyPr anchorCtr="0" anchor="t" bIns="45700" lIns="91425" spcFirstLastPara="1" rIns="91425" wrap="square" tIns="45700">
+            <a:noAutofit/>
+          </a:bodyPr>
+          <a:lstStyle/>
+          <a:p>
+            <a:pPr indent="0" lvl="0" marL="0" rtl="0" algn="l">
+              <a:spcBef>
+                <a:spcPts val="0"/>
+              </a:spcBef>
+              <a:spcAft>
+                <a:spcPts val="0"/>
+              </a:spcAft>
+              <a:buNone/>
+            </a:pPr>
+            <a:r>
+              <a:rPr b="1" lang="en" sz="1200">
+                <a:solidFill>
+                  <a:schemeClr val="lt1"/>
+                </a:solidFill>
+                <a:latin typeface="Calibri"/>
+                <a:ea typeface="Calibri"/>
+                <a:cs typeface="Calibri"/>
+                <a:sym typeface="Calibri"/>
+              </a:rPr>
+              <a:t>Health Status/Assessments</a:t>
+            </a:r>
+            <a:endParaRPr b="1" sz="1200">
+              <a:solidFill>
+                <a:schemeClr val="lt1"/>
+              </a:solidFill>
+              <a:latin typeface="Calibri"/>
+              <a:ea typeface="Calibri"/>
+              <a:cs typeface="Calibri"/>
+              <a:sym typeface="Calibri"/>
+            </a:endParaRPr>
+          </a:p>
+          <a:p>
+            <a:pPr indent="0" lvl="0" marL="0" rtl="0" algn="l">
+              <a:spcBef>
+                <a:spcPts val="0"/>
+              </a:spcBef>
+              <a:spcAft>
+                <a:spcPts val="0"/>
+              </a:spcAft>
+              <a:buNone/>
+            </a:pPr>
+            <a:r>
+              <a:t/>
+            </a:r>
+            <a:endParaRPr b="1" sz="1200">
+              <a:solidFill>
+                <a:schemeClr val="lt1"/>
+              </a:solidFill>
+              <a:latin typeface="Calibri"/>
+              <a:ea typeface="Calibri"/>
+              <a:cs typeface="Calibri"/>
+              <a:sym typeface="Calibri"/>
+            </a:endParaRPr>
+          </a:p>
+          <a:p>
+            <a:pPr indent="-158115" lvl="0" marL="155448" rtl="0" algn="l">
+              <a:spcBef>
+                <a:spcPts val="0"/>
+              </a:spcBef>
+              <a:spcAft>
+                <a:spcPts val="0"/>
+              </a:spcAft>
+              <a:buClr>
+                <a:schemeClr val="lt1"/>
+              </a:buClr>
+              <a:buSzPts val="1050"/>
+              <a:buChar char="•"/>
+            </a:pPr>
+            <a:r>
+              <a:rPr b="1" lang="en" sz="1050">
+                <a:solidFill>
+                  <a:schemeClr val="lt1"/>
+                </a:solidFill>
+              </a:rPr>
+              <a:t>Health Concerns			</a:t>
+            </a:r>
+            <a:r>
+              <a:rPr b="1" lang="en" sz="1100" u="sng">
+                <a:solidFill>
+                  <a:schemeClr val="lt1"/>
+                </a:solidFill>
+                <a:hlinkClick r:id="rId93">
+                  <a:extLst>
+                    <a:ext uri="{A12FA001-AC4F-418D-AE19-62706E023703}">
+                      <ahyp:hlinkClr val="tx"/>
+                    </a:ext>
+                  </a:extLst>
+                </a:hlinkClick>
+              </a:rPr>
+              <a:t>US Core Condition Problems and Health Concerns Profile</a:t>
+            </a:r>
+            <a:r>
+              <a:rPr b="1" lang="en" sz="1050">
+                <a:solidFill>
+                  <a:schemeClr val="lt1"/>
+                </a:solidFill>
+              </a:rPr>
+              <a:t>	</a:t>
+            </a:r>
+            <a:endParaRPr b="1" sz="1050">
+              <a:solidFill>
+                <a:schemeClr val="lt1"/>
+              </a:solidFill>
+            </a:endParaRPr>
+          </a:p>
+          <a:p>
+            <a:pPr indent="-158115" lvl="0" marL="155448" rtl="0" algn="l">
+              <a:spcBef>
+                <a:spcPts val="0"/>
+              </a:spcBef>
+              <a:spcAft>
+                <a:spcPts val="0"/>
+              </a:spcAft>
+              <a:buClr>
+                <a:schemeClr val="lt1"/>
+              </a:buClr>
+              <a:buSzPts val="1050"/>
+              <a:buChar char="•"/>
+            </a:pPr>
+            <a:r>
+              <a:rPr b="1" lang="en" sz="1050">
+                <a:solidFill>
+                  <a:schemeClr val="lt1"/>
+                </a:solidFill>
+              </a:rPr>
+              <a:t>Functional Status			TODO</a:t>
+            </a:r>
+            <a:endParaRPr b="1" sz="1050">
+              <a:solidFill>
+                <a:schemeClr val="lt1"/>
+              </a:solidFill>
+            </a:endParaRPr>
+          </a:p>
+          <a:p>
+            <a:pPr indent="-158115" lvl="0" marL="155448" rtl="0" algn="l">
+              <a:spcBef>
+                <a:spcPts val="0"/>
+              </a:spcBef>
+              <a:spcAft>
+                <a:spcPts val="0"/>
+              </a:spcAft>
+              <a:buClr>
+                <a:schemeClr val="lt1"/>
+              </a:buClr>
+              <a:buSzPts val="1050"/>
+              <a:buChar char="•"/>
+            </a:pPr>
+            <a:r>
+              <a:rPr b="1" lang="en" sz="1050">
+                <a:solidFill>
+                  <a:schemeClr val="lt1"/>
+                </a:solidFill>
+              </a:rPr>
+              <a:t>Disability Status			TODO</a:t>
+            </a:r>
+            <a:endParaRPr b="1" sz="1050">
+              <a:solidFill>
+                <a:schemeClr val="lt1"/>
+              </a:solidFill>
+            </a:endParaRPr>
+          </a:p>
+          <a:p>
+            <a:pPr indent="-158115" lvl="0" marL="155448" rtl="0" algn="l">
+              <a:spcBef>
+                <a:spcPts val="0"/>
+              </a:spcBef>
+              <a:spcAft>
+                <a:spcPts val="0"/>
+              </a:spcAft>
+              <a:buClr>
+                <a:schemeClr val="lt1"/>
+              </a:buClr>
+              <a:buSzPts val="1050"/>
+              <a:buChar char="•"/>
+            </a:pPr>
+            <a:r>
+              <a:rPr b="1" lang="en" sz="1050">
+                <a:solidFill>
+                  <a:schemeClr val="lt1"/>
+                </a:solidFill>
+              </a:rPr>
+              <a:t>Mental/Cognitive Status		TODO</a:t>
+            </a:r>
+            <a:endParaRPr b="1" sz="1050">
+              <a:solidFill>
+                <a:schemeClr val="lt1"/>
+              </a:solidFill>
+            </a:endParaRPr>
+          </a:p>
+          <a:p>
+            <a:pPr indent="-158115" lvl="0" marL="155448" rtl="0" algn="l">
+              <a:spcBef>
+                <a:spcPts val="0"/>
+              </a:spcBef>
+              <a:spcAft>
+                <a:spcPts val="0"/>
+              </a:spcAft>
+              <a:buClr>
+                <a:schemeClr val="lt1"/>
+              </a:buClr>
+              <a:buSzPts val="1050"/>
+              <a:buChar char="•"/>
+            </a:pPr>
+            <a:r>
+              <a:rPr b="1" lang="en" sz="1050">
+                <a:solidFill>
+                  <a:schemeClr val="lt1"/>
+                </a:solidFill>
+              </a:rPr>
+              <a:t>Pregnancy Status			</a:t>
+            </a:r>
+            <a:r>
+              <a:rPr b="1" lang="en" sz="1050" u="sng">
+                <a:solidFill>
+                  <a:schemeClr val="hlink"/>
+                </a:solidFill>
+                <a:hlinkClick r:id="rId94"/>
+              </a:rPr>
+              <a:t>US Core Observation Pregnancy Status Profile</a:t>
+            </a:r>
+            <a:r>
+              <a:rPr b="1" lang="en" sz="1050">
+                <a:solidFill>
+                  <a:schemeClr val="lt1"/>
+                </a:solidFill>
+              </a:rPr>
+              <a:t>,</a:t>
+            </a:r>
+            <a:endParaRPr b="1" sz="1050">
+              <a:solidFill>
+                <a:schemeClr val="lt1"/>
+              </a:solidFill>
+            </a:endParaRPr>
+          </a:p>
+          <a:p>
+            <a:pPr indent="457200" lvl="0" marL="1828800" rtl="0" algn="l">
+              <a:spcBef>
+                <a:spcPts val="0"/>
+              </a:spcBef>
+              <a:spcAft>
+                <a:spcPts val="0"/>
+              </a:spcAft>
+              <a:buNone/>
+            </a:pPr>
+            <a:r>
+              <a:rPr b="1" lang="en" sz="1050" u="sng">
+                <a:solidFill>
+                  <a:schemeClr val="hlink"/>
+                </a:solidFill>
+                <a:hlinkClick r:id="rId95"/>
+              </a:rPr>
+              <a:t>US Core Observation Pregnancy Intent Profile</a:t>
+            </a:r>
+            <a:endParaRPr b="1" sz="1050">
+              <a:solidFill>
+                <a:schemeClr val="lt1"/>
+              </a:solidFill>
+            </a:endParaRPr>
+          </a:p>
+          <a:p>
+            <a:pPr indent="-158115" lvl="0" marL="155448" rtl="0" algn="l">
+              <a:spcBef>
+                <a:spcPts val="0"/>
+              </a:spcBef>
+              <a:spcAft>
+                <a:spcPts val="0"/>
+              </a:spcAft>
+              <a:buClr>
+                <a:schemeClr val="lt1"/>
+              </a:buClr>
+              <a:buSzPts val="1050"/>
+              <a:buChar char="•"/>
+            </a:pPr>
+            <a:r>
+              <a:rPr b="1" lang="en" sz="1050">
+                <a:solidFill>
+                  <a:schemeClr val="lt1"/>
+                </a:solidFill>
+              </a:rPr>
+              <a:t>Smoking Status			</a:t>
+            </a:r>
+            <a:r>
+              <a:rPr b="1" lang="en" sz="1100" u="sng">
+                <a:solidFill>
+                  <a:schemeClr val="lt1"/>
+                </a:solidFill>
+                <a:hlinkClick r:id="rId96">
+                  <a:extLst>
+                    <a:ext uri="{A12FA001-AC4F-418D-AE19-62706E023703}">
+                      <ahyp:hlinkClr val="tx"/>
+                    </a:ext>
+                  </a:extLst>
+                </a:hlinkClick>
+              </a:rPr>
+              <a:t>US Core Smoking Status Observation Profile</a:t>
+            </a:r>
+            <a:endParaRPr b="1" sz="1050">
+              <a:solidFill>
+                <a:schemeClr val="lt1"/>
+              </a:solidFill>
+            </a:endParaRPr>
+          </a:p>
+          <a:p>
+            <a:pPr indent="0" lvl="0" marL="0" rtl="0" algn="l">
+              <a:spcBef>
+                <a:spcPts val="0"/>
+              </a:spcBef>
+              <a:spcAft>
+                <a:spcPts val="0"/>
+              </a:spcAft>
+              <a:buNone/>
+            </a:pPr>
+            <a:r>
+              <a:t/>
+            </a:r>
+            <a:endParaRPr b="1" sz="1100">
+              <a:solidFill>
+                <a:schemeClr val="lt1"/>
+              </a:solidFill>
+            </a:endParaRPr>
+          </a:p>
+          <a:p>
+            <a:pPr indent="0" lvl="0" marL="0" rtl="0" algn="l">
+              <a:spcBef>
+                <a:spcPts val="0"/>
+              </a:spcBef>
+              <a:spcAft>
+                <a:spcPts val="0"/>
+              </a:spcAft>
+              <a:buNone/>
+            </a:pPr>
+            <a:r>
+              <a:t/>
+            </a:r>
+            <a:endParaRPr b="1" sz="1050">
+              <a:solidFill>
+                <a:schemeClr val="lt1"/>
+              </a:solidFill>
+            </a:endParaRPr>
+          </a:p>
+          <a:p>
+            <a:pPr indent="0" lvl="0" marL="0" marR="0" rtl="0" algn="l">
+              <a:spcBef>
+                <a:spcPts val="400"/>
+              </a:spcBef>
+              <a:spcAft>
+                <a:spcPts val="0"/>
+              </a:spcAft>
+              <a:buNone/>
+            </a:pPr>
+            <a:r>
+              <a:t/>
+            </a:r>
+            <a:endParaRPr b="1" sz="1050">
+              <a:solidFill>
+                <a:schemeClr val="lt1"/>
+              </a:solidFill>
+            </a:endParaRPr>
+          </a:p>
+        </p:txBody>
+      </p:sp>
+      <p:pic>
+        <p:nvPicPr>
+          <p:cNvPr id="354" name="Google Shape;354;p31"/>
+          <p:cNvPicPr preferRelativeResize="0"/>
+          <p:nvPr/>
+        </p:nvPicPr>
+        <p:blipFill rotWithShape="1">
+          <a:blip r:embed="rId97">
+            <a:alphaModFix/>
+          </a:blip>
+          <a:srcRect b="0" l="0" r="0" t="0"/>
+          <a:stretch/>
+        </p:blipFill>
+        <p:spPr>
+          <a:xfrm>
+            <a:off x="7579650" y="18617985"/>
+            <a:ext cx="347472" cy="249467"/>
           </a:xfrm>
           <a:prstGeom prst="rect">
             <a:avLst/>
@@ -38265,81 +39789,7 @@
             <a:noFill/>
           </a:ln>
         </p:spPr>
-        <p:txBody>
-          <a:bodyPr anchorCtr="0" anchor="t" bIns="45700" lIns="91425" spcFirstLastPara="1" rIns="91425" wrap="square" tIns="45700">
-            <a:spAutoFit/>
-          </a:bodyPr>
-          <a:lstStyle/>
-          <a:p>
-            <a:pPr indent="0" lvl="0" marL="0" marR="0" rtl="0" algn="l">
-              <a:spcBef>
-                <a:spcPts val="0"/>
-              </a:spcBef>
-              <a:spcAft>
-                <a:spcPts val="0"/>
-              </a:spcAft>
-              <a:buNone/>
-            </a:pPr>
-            <a:r>
-              <a:rPr b="1" lang="en" sz="1100">
-                <a:solidFill>
-                  <a:schemeClr val="lt1"/>
-                </a:solidFill>
-                <a:latin typeface="Arial"/>
-                <a:ea typeface="Arial"/>
-                <a:cs typeface="Arial"/>
-                <a:sym typeface="Arial"/>
-              </a:rPr>
-              <a:t>See: </a:t>
-            </a:r>
-            <a:r>
-              <a:rPr b="1" lang="en" sz="1100" u="sng">
-                <a:solidFill>
-                  <a:schemeClr val="hlink"/>
-                </a:solidFill>
-                <a:latin typeface="Arial"/>
-                <a:ea typeface="Arial"/>
-                <a:cs typeface="Arial"/>
-                <a:sym typeface="Arial"/>
-                <a:hlinkClick r:id="rId80"/>
-              </a:rPr>
-              <a:t>SDOH Guidance</a:t>
-            </a:r>
-            <a:endParaRPr b="1" sz="1100">
-              <a:solidFill>
-                <a:schemeClr val="lt1"/>
-              </a:solidFill>
-              <a:latin typeface="Arial"/>
-              <a:ea typeface="Arial"/>
-              <a:cs typeface="Arial"/>
-              <a:sym typeface="Arial"/>
-            </a:endParaRPr>
-          </a:p>
-          <a:p>
-            <a:pPr indent="0" lvl="0" marL="0" marR="0" rtl="0" algn="l">
-              <a:spcBef>
-                <a:spcPts val="0"/>
-              </a:spcBef>
-              <a:spcAft>
-                <a:spcPts val="0"/>
-              </a:spcAft>
-              <a:buNone/>
-            </a:pPr>
-            <a:r>
-              <a:t/>
-            </a:r>
-            <a:endParaRPr sz="1100">
-              <a:solidFill>
-                <a:schemeClr val="lt1"/>
-              </a:solidFill>
-              <a:latin typeface="Arial"/>
-              <a:ea typeface="Arial"/>
-              <a:cs typeface="Arial"/>
-              <a:sym typeface="Arial"/>
-            </a:endParaRPr>
-          </a:p>
-        </p:txBody>
-      </p:sp>
+      </p:pic>
     </p:spTree>
   </p:cSld>
   <p:clrMapOvr>
@@ -38349,285 +39799,6 @@
 </file>
 
 <file path=ppt/theme/theme1.xml><?xml version="1.0" encoding="utf-8"?>
-<a:theme xmlns:a="http://schemas.openxmlformats.org/drawingml/2006/main" xmlns:r="http://schemas.openxmlformats.org/officeDocument/2006/relationships" name="Simple Light">
-  <a:themeElements>
-    <a:clrScheme name="Simple Light">
-      <a:dk1>
-        <a:srgbClr val="000000"/>
-      </a:dk1>
-      <a:lt1>
-        <a:srgbClr val="FFFFFF"/>
-      </a:lt1>
-      <a:dk2>
-        <a:srgbClr val="595959"/>
-      </a:dk2>
-      <a:lt2>
-        <a:srgbClr val="EEEEEE"/>
-      </a:lt2>
-      <a:accent1>
-        <a:srgbClr val="4285F4"/>
-      </a:accent1>
-      <a:accent2>
-        <a:srgbClr val="212121"/>
-      </a:accent2>
-      <a:accent3>
-        <a:srgbClr val="78909C"/>
-      </a:accent3>
-      <a:accent4>
-        <a:srgbClr val="FFAB40"/>
-      </a:accent4>
-      <a:accent5>
-        <a:srgbClr val="0097A7"/>
-      </a:accent5>
-      <a:accent6>
-        <a:srgbClr val="EEFF41"/>
-      </a:accent6>
-      <a:hlink>
-        <a:srgbClr val="0097A7"/>
-      </a:hlink>
-      <a:folHlink>
-        <a:srgbClr val="0097A7"/>
-      </a:folHlink>
-    </a:clrScheme>
-    <a:fontScheme name="Office">
-      <a:majorFont>
-        <a:latin typeface="Arial"/>
-        <a:ea typeface=""/>
-        <a:cs typeface=""/>
-        <a:font script="Jpan" typeface="ＭＳ Ｐゴシック"/>
-        <a:font script="Hang" typeface="맑은 고딕"/>
-        <a:font script="Hans" typeface="宋体"/>
-        <a:font script="Hant" typeface="新細明體"/>
-        <a:font script="Arab" typeface="Times New Roman"/>
-        <a:font script="Hebr" typeface="Times New Roman"/>
-        <a:font script="Thai" typeface="Angsana New"/>
-        <a:font script="Ethi" typeface="Nyala"/>
-        <a:font script="Beng" typeface="Vrinda"/>
-        <a:font script="Gujr" typeface="Shruti"/>
-        <a:font script="Khmr" typeface="MoolBoran"/>
-        <a:font script="Knda" typeface="Tunga"/>
-        <a:font script="Guru" typeface="Raavi"/>
-        <a:font script="Cans" typeface="Euphemia"/>
-        <a:font script="Cher" typeface="Plantagenet Cherokee"/>
-        <a:font script="Yiii" typeface="Microsoft Yi Baiti"/>
-        <a:font script="Tibt" typeface="Microsoft Himalaya"/>
-        <a:font script="Thaa" typeface="MV Boli"/>
-        <a:font script="Deva" typeface="Mangal"/>
-        <a:font script="Telu" typeface="Gautami"/>
-        <a:font script="Taml" typeface="Latha"/>
-        <a:font script="Syrc" typeface="Estrangelo Edessa"/>
-        <a:font script="Orya" typeface="Kalinga"/>
-        <a:font script="Mlym" typeface="Kartika"/>
-        <a:font script="Laoo" typeface="DokChampa"/>
-        <a:font script="Sinh" typeface="Iskoola Pota"/>
-        <a:font script="Mong" typeface="Mongolian Baiti"/>
-        <a:font script="Viet" typeface="Times New Roman"/>
-        <a:font script="Uigh" typeface="Microsoft Uighur"/>
-        <a:font script="Geor" typeface="Sylfaen"/>
-      </a:majorFont>
-      <a:minorFont>
-        <a:latin typeface="Arial"/>
-        <a:ea typeface=""/>
-        <a:cs typeface=""/>
-        <a:font script="Jpan" typeface="ＭＳ Ｐゴシック"/>
-        <a:font script="Hang" typeface="맑은 고딕"/>
-        <a:font script="Hans" typeface="宋体"/>
-        <a:font script="Hant" typeface="新細明體"/>
-        <a:font script="Arab" typeface="Arial"/>
-        <a:font script="Hebr" typeface="Arial"/>
-        <a:font script="Thai" typeface="Cordia New"/>
-        <a:font script="Ethi" typeface="Nyala"/>
-        <a:font script="Beng" typeface="Vrinda"/>
-        <a:font script="Gujr" typeface="Shruti"/>
-        <a:font script="Khmr" typeface="DaunPenh"/>
-        <a:font script="Knda" typeface="Tunga"/>
-        <a:font script="Guru" typeface="Raavi"/>
-        <a:font script="Cans" typeface="Euphemia"/>
-        <a:font script="Cher" typeface="Plantagenet Cherokee"/>
-        <a:font script="Yiii" typeface="Microsoft Yi Baiti"/>
-        <a:font script="Tibt" typeface="Microsoft Himalaya"/>
-        <a:font script="Thaa" typeface="MV Boli"/>
-        <a:font script="Deva" typeface="Mangal"/>
-        <a:font script="Telu" typeface="Gautami"/>
-        <a:font script="Taml" typeface="Latha"/>
-        <a:font script="Syrc" typeface="Estrangelo Edessa"/>
-        <a:font script="Orya" typeface="Kalinga"/>
-        <a:font script="Mlym" typeface="Kartika"/>
-        <a:font script="Laoo" typeface="DokChampa"/>
-        <a:font script="Sinh" typeface="Iskoola Pota"/>
-        <a:font script="Mong" typeface="Mongolian Baiti"/>
-        <a:font script="Viet" typeface="Arial"/>
-        <a:font script="Uigh" typeface="Microsoft Uighur"/>
-        <a:font script="Geor" typeface="Sylfaen"/>
-      </a:minorFont>
-    </a:fontScheme>
-    <a:fmtScheme name="Office">
-      <a:fillStyleLst>
-        <a:solidFill>
-          <a:schemeClr val="phClr"/>
-        </a:solidFill>
-        <a:gradFill rotWithShape="1">
-          <a:gsLst>
-            <a:gs pos="0">
-              <a:schemeClr val="phClr">
-                <a:tint val="50000"/>
-                <a:satMod val="300000"/>
-              </a:schemeClr>
-            </a:gs>
-            <a:gs pos="35000">
-              <a:schemeClr val="phClr">
-                <a:tint val="37000"/>
-                <a:satMod val="300000"/>
-              </a:schemeClr>
-            </a:gs>
-            <a:gs pos="100000">
-              <a:schemeClr val="phClr">
-                <a:tint val="15000"/>
-                <a:satMod val="350000"/>
-              </a:schemeClr>
-            </a:gs>
-          </a:gsLst>
-          <a:lin ang="16200000" scaled="1"/>
-        </a:gradFill>
-        <a:gradFill rotWithShape="1">
-          <a:gsLst>
-            <a:gs pos="0">
-              <a:schemeClr val="phClr">
-                <a:tint val="100000"/>
-                <a:shade val="100000"/>
-                <a:satMod val="130000"/>
-              </a:schemeClr>
-            </a:gs>
-            <a:gs pos="100000">
-              <a:schemeClr val="phClr">
-                <a:tint val="50000"/>
-                <a:shade val="100000"/>
-                <a:satMod val="350000"/>
-              </a:schemeClr>
-            </a:gs>
-          </a:gsLst>
-          <a:lin ang="16200000" scaled="0"/>
-        </a:gradFill>
-      </a:fillStyleLst>
-      <a:lnStyleLst>
-        <a:ln w="9525" cap="flat" cmpd="sng" algn="ctr">
-          <a:solidFill>
-            <a:schemeClr val="phClr">
-              <a:shade val="95000"/>
-              <a:satMod val="105000"/>
-            </a:schemeClr>
-          </a:solidFill>
-          <a:prstDash val="solid"/>
-        </a:ln>
-        <a:ln w="25400" cap="flat" cmpd="sng" algn="ctr">
-          <a:solidFill>
-            <a:schemeClr val="phClr"/>
-          </a:solidFill>
-          <a:prstDash val="solid"/>
-        </a:ln>
-        <a:ln w="38100" cap="flat" cmpd="sng" algn="ctr">
-          <a:solidFill>
-            <a:schemeClr val="phClr"/>
-          </a:solidFill>
-          <a:prstDash val="solid"/>
-        </a:ln>
-      </a:lnStyleLst>
-      <a:effectStyleLst>
-        <a:effectStyle>
-          <a:effectLst>
-            <a:outerShdw blurRad="40000" dist="20000" dir="5400000" rotWithShape="0">
-              <a:srgbClr val="000000">
-                <a:alpha val="38000"/>
-              </a:srgbClr>
-            </a:outerShdw>
-          </a:effectLst>
-        </a:effectStyle>
-        <a:effectStyle>
-          <a:effectLst>
-            <a:outerShdw blurRad="40000" dist="23000" dir="5400000" rotWithShape="0">
-              <a:srgbClr val="000000">
-                <a:alpha val="35000"/>
-              </a:srgbClr>
-            </a:outerShdw>
-          </a:effectLst>
-        </a:effectStyle>
-        <a:effectStyle>
-          <a:effectLst>
-            <a:outerShdw blurRad="40000" dist="23000" dir="5400000" rotWithShape="0">
-              <a:srgbClr val="000000">
-                <a:alpha val="35000"/>
-              </a:srgbClr>
-            </a:outerShdw>
-          </a:effectLst>
-          <a:scene3d>
-            <a:camera prst="orthographicFront">
-              <a:rot lat="0" lon="0" rev="0"/>
-            </a:camera>
-            <a:lightRig rig="threePt" dir="t">
-              <a:rot lat="0" lon="0" rev="1200000"/>
-            </a:lightRig>
-          </a:scene3d>
-          <a:sp3d>
-            <a:bevelT w="63500" h="25400"/>
-          </a:sp3d>
-        </a:effectStyle>
-      </a:effectStyleLst>
-      <a:bgFillStyleLst>
-        <a:solidFill>
-          <a:schemeClr val="phClr"/>
-        </a:solidFill>
-        <a:gradFill rotWithShape="1">
-          <a:gsLst>
-            <a:gs pos="0">
-              <a:schemeClr val="phClr">
-                <a:tint val="40000"/>
-                <a:satMod val="350000"/>
-              </a:schemeClr>
-            </a:gs>
-            <a:gs pos="40000">
-              <a:schemeClr val="phClr">
-                <a:tint val="45000"/>
-                <a:shade val="99000"/>
-                <a:satMod val="350000"/>
-              </a:schemeClr>
-            </a:gs>
-            <a:gs pos="100000">
-              <a:schemeClr val="phClr">
-                <a:shade val="20000"/>
-                <a:satMod val="255000"/>
-              </a:schemeClr>
-            </a:gs>
-          </a:gsLst>
-          <a:path path="circle">
-            <a:fillToRect l="50000" t="-80000" r="50000" b="180000"/>
-          </a:path>
-        </a:gradFill>
-        <a:gradFill rotWithShape="1">
-          <a:gsLst>
-            <a:gs pos="0">
-              <a:schemeClr val="phClr">
-                <a:tint val="80000"/>
-                <a:satMod val="300000"/>
-              </a:schemeClr>
-            </a:gs>
-            <a:gs pos="100000">
-              <a:schemeClr val="phClr">
-                <a:shade val="30000"/>
-                <a:satMod val="200000"/>
-              </a:schemeClr>
-            </a:gs>
-          </a:gsLst>
-          <a:path path="circle">
-            <a:fillToRect l="50000" t="50000" r="50000" b="50000"/>
-          </a:path>
-        </a:gradFill>
-      </a:bgFillStyleLst>
-    </a:fmtScheme>
-  </a:themeElements>
-</a:theme>
-</file>
-
-<file path=ppt/theme/theme2.xml><?xml version="1.0" encoding="utf-8"?>
 <a:theme xmlns:a="http://schemas.openxmlformats.org/drawingml/2006/main" xmlns:r="http://schemas.openxmlformats.org/officeDocument/2006/relationships">
   <a:themeElements>
     <a:clrScheme name="Default">
@@ -38906,7 +40077,7 @@
 </a:theme>
 </file>
 
-<file path=ppt/theme/theme3.xml><?xml version="1.0" encoding="utf-8"?>
+<file path=ppt/theme/theme2.xml><?xml version="1.0" encoding="utf-8"?>
 <a:theme xmlns:a="http://schemas.openxmlformats.org/drawingml/2006/main" xmlns:r="http://schemas.openxmlformats.org/officeDocument/2006/relationships" name="1_Office Theme">
   <a:themeElements>
     <a:clrScheme name="ONC Palette">
@@ -39183,4 +40354,283 @@
     </a:fmtScheme>
   </a:themeElements>
 </a:theme>
+</file>
+
+<file path=ppt/theme/theme3.xml><?xml version="1.0" encoding="utf-8"?>
+<a:theme xmlns:a="http://schemas.openxmlformats.org/drawingml/2006/main" xmlns:r="http://schemas.openxmlformats.org/officeDocument/2006/relationships" name="Simple Light">
+  <a:themeElements>
+    <a:clrScheme name="Simple Light">
+      <a:dk1>
+        <a:srgbClr val="000000"/>
+      </a:dk1>
+      <a:lt1>
+        <a:srgbClr val="FFFFFF"/>
+      </a:lt1>
+      <a:dk2>
+        <a:srgbClr val="595959"/>
+      </a:dk2>
+      <a:lt2>
+        <a:srgbClr val="EEEEEE"/>
+      </a:lt2>
+      <a:accent1>
+        <a:srgbClr val="4285F4"/>
+      </a:accent1>
+      <a:accent2>
+        <a:srgbClr val="212121"/>
+      </a:accent2>
+      <a:accent3>
+        <a:srgbClr val="78909C"/>
+      </a:accent3>
+      <a:accent4>
+        <a:srgbClr val="FFAB40"/>
+      </a:accent4>
+      <a:accent5>
+        <a:srgbClr val="0097A7"/>
+      </a:accent5>
+      <a:accent6>
+        <a:srgbClr val="EEFF41"/>
+      </a:accent6>
+      <a:hlink>
+        <a:srgbClr val="0097A7"/>
+      </a:hlink>
+      <a:folHlink>
+        <a:srgbClr val="0097A7"/>
+      </a:folHlink>
+    </a:clrScheme>
+    <a:fontScheme name="Office">
+      <a:majorFont>
+        <a:latin typeface="Arial"/>
+        <a:ea typeface=""/>
+        <a:cs typeface=""/>
+        <a:font script="Jpan" typeface="ＭＳ Ｐゴシック"/>
+        <a:font script="Hang" typeface="맑은 고딕"/>
+        <a:font script="Hans" typeface="宋体"/>
+        <a:font script="Hant" typeface="新細明體"/>
+        <a:font script="Arab" typeface="Times New Roman"/>
+        <a:font script="Hebr" typeface="Times New Roman"/>
+        <a:font script="Thai" typeface="Angsana New"/>
+        <a:font script="Ethi" typeface="Nyala"/>
+        <a:font script="Beng" typeface="Vrinda"/>
+        <a:font script="Gujr" typeface="Shruti"/>
+        <a:font script="Khmr" typeface="MoolBoran"/>
+        <a:font script="Knda" typeface="Tunga"/>
+        <a:font script="Guru" typeface="Raavi"/>
+        <a:font script="Cans" typeface="Euphemia"/>
+        <a:font script="Cher" typeface="Plantagenet Cherokee"/>
+        <a:font script="Yiii" typeface="Microsoft Yi Baiti"/>
+        <a:font script="Tibt" typeface="Microsoft Himalaya"/>
+        <a:font script="Thaa" typeface="MV Boli"/>
+        <a:font script="Deva" typeface="Mangal"/>
+        <a:font script="Telu" typeface="Gautami"/>
+        <a:font script="Taml" typeface="Latha"/>
+        <a:font script="Syrc" typeface="Estrangelo Edessa"/>
+        <a:font script="Orya" typeface="Kalinga"/>
+        <a:font script="Mlym" typeface="Kartika"/>
+        <a:font script="Laoo" typeface="DokChampa"/>
+        <a:font script="Sinh" typeface="Iskoola Pota"/>
+        <a:font script="Mong" typeface="Mongolian Baiti"/>
+        <a:font script="Viet" typeface="Times New Roman"/>
+        <a:font script="Uigh" typeface="Microsoft Uighur"/>
+        <a:font script="Geor" typeface="Sylfaen"/>
+      </a:majorFont>
+      <a:minorFont>
+        <a:latin typeface="Arial"/>
+        <a:ea typeface=""/>
+        <a:cs typeface=""/>
+        <a:font script="Jpan" typeface="ＭＳ Ｐゴシック"/>
+        <a:font script="Hang" typeface="맑은 고딕"/>
+        <a:font script="Hans" typeface="宋体"/>
+        <a:font script="Hant" typeface="新細明體"/>
+        <a:font script="Arab" typeface="Arial"/>
+        <a:font script="Hebr" typeface="Arial"/>
+        <a:font script="Thai" typeface="Cordia New"/>
+        <a:font script="Ethi" typeface="Nyala"/>
+        <a:font script="Beng" typeface="Vrinda"/>
+        <a:font script="Gujr" typeface="Shruti"/>
+        <a:font script="Khmr" typeface="DaunPenh"/>
+        <a:font script="Knda" typeface="Tunga"/>
+        <a:font script="Guru" typeface="Raavi"/>
+        <a:font script="Cans" typeface="Euphemia"/>
+        <a:font script="Cher" typeface="Plantagenet Cherokee"/>
+        <a:font script="Yiii" typeface="Microsoft Yi Baiti"/>
+        <a:font script="Tibt" typeface="Microsoft Himalaya"/>
+        <a:font script="Thaa" typeface="MV Boli"/>
+        <a:font script="Deva" typeface="Mangal"/>
+        <a:font script="Telu" typeface="Gautami"/>
+        <a:font script="Taml" typeface="Latha"/>
+        <a:font script="Syrc" typeface="Estrangelo Edessa"/>
+        <a:font script="Orya" typeface="Kalinga"/>
+        <a:font script="Mlym" typeface="Kartika"/>
+        <a:font script="Laoo" typeface="DokChampa"/>
+        <a:font script="Sinh" typeface="Iskoola Pota"/>
+        <a:font script="Mong" typeface="Mongolian Baiti"/>
+        <a:font script="Viet" typeface="Arial"/>
+        <a:font script="Uigh" typeface="Microsoft Uighur"/>
+        <a:font script="Geor" typeface="Sylfaen"/>
+      </a:minorFont>
+    </a:fontScheme>
+    <a:fmtScheme name="Office">
+      <a:fillStyleLst>
+        <a:solidFill>
+          <a:schemeClr val="phClr"/>
+        </a:solidFill>
+        <a:gradFill rotWithShape="1">
+          <a:gsLst>
+            <a:gs pos="0">
+              <a:schemeClr val="phClr">
+                <a:tint val="50000"/>
+                <a:satMod val="300000"/>
+              </a:schemeClr>
+            </a:gs>
+            <a:gs pos="35000">
+              <a:schemeClr val="phClr">
+                <a:tint val="37000"/>
+                <a:satMod val="300000"/>
+              </a:schemeClr>
+            </a:gs>
+            <a:gs pos="100000">
+              <a:schemeClr val="phClr">
+                <a:tint val="15000"/>
+                <a:satMod val="350000"/>
+              </a:schemeClr>
+            </a:gs>
+          </a:gsLst>
+          <a:lin ang="16200000" scaled="1"/>
+        </a:gradFill>
+        <a:gradFill rotWithShape="1">
+          <a:gsLst>
+            <a:gs pos="0">
+              <a:schemeClr val="phClr">
+                <a:tint val="100000"/>
+                <a:shade val="100000"/>
+                <a:satMod val="130000"/>
+              </a:schemeClr>
+            </a:gs>
+            <a:gs pos="100000">
+              <a:schemeClr val="phClr">
+                <a:tint val="50000"/>
+                <a:shade val="100000"/>
+                <a:satMod val="350000"/>
+              </a:schemeClr>
+            </a:gs>
+          </a:gsLst>
+          <a:lin ang="16200000" scaled="0"/>
+        </a:gradFill>
+      </a:fillStyleLst>
+      <a:lnStyleLst>
+        <a:ln w="9525" cap="flat" cmpd="sng" algn="ctr">
+          <a:solidFill>
+            <a:schemeClr val="phClr">
+              <a:shade val="95000"/>
+              <a:satMod val="105000"/>
+            </a:schemeClr>
+          </a:solidFill>
+          <a:prstDash val="solid"/>
+        </a:ln>
+        <a:ln w="25400" cap="flat" cmpd="sng" algn="ctr">
+          <a:solidFill>
+            <a:schemeClr val="phClr"/>
+          </a:solidFill>
+          <a:prstDash val="solid"/>
+        </a:ln>
+        <a:ln w="38100" cap="flat" cmpd="sng" algn="ctr">
+          <a:solidFill>
+            <a:schemeClr val="phClr"/>
+          </a:solidFill>
+          <a:prstDash val="solid"/>
+        </a:ln>
+      </a:lnStyleLst>
+      <a:effectStyleLst>
+        <a:effectStyle>
+          <a:effectLst>
+            <a:outerShdw blurRad="40000" dist="20000" dir="5400000" rotWithShape="0">
+              <a:srgbClr val="000000">
+                <a:alpha val="38000"/>
+              </a:srgbClr>
+            </a:outerShdw>
+          </a:effectLst>
+        </a:effectStyle>
+        <a:effectStyle>
+          <a:effectLst>
+            <a:outerShdw blurRad="40000" dist="23000" dir="5400000" rotWithShape="0">
+              <a:srgbClr val="000000">
+                <a:alpha val="35000"/>
+              </a:srgbClr>
+            </a:outerShdw>
+          </a:effectLst>
+        </a:effectStyle>
+        <a:effectStyle>
+          <a:effectLst>
+            <a:outerShdw blurRad="40000" dist="23000" dir="5400000" rotWithShape="0">
+              <a:srgbClr val="000000">
+                <a:alpha val="35000"/>
+              </a:srgbClr>
+            </a:outerShdw>
+          </a:effectLst>
+          <a:scene3d>
+            <a:camera prst="orthographicFront">
+              <a:rot lat="0" lon="0" rev="0"/>
+            </a:camera>
+            <a:lightRig rig="threePt" dir="t">
+              <a:rot lat="0" lon="0" rev="1200000"/>
+            </a:lightRig>
+          </a:scene3d>
+          <a:sp3d>
+            <a:bevelT w="63500" h="25400"/>
+          </a:sp3d>
+        </a:effectStyle>
+      </a:effectStyleLst>
+      <a:bgFillStyleLst>
+        <a:solidFill>
+          <a:schemeClr val="phClr"/>
+        </a:solidFill>
+        <a:gradFill rotWithShape="1">
+          <a:gsLst>
+            <a:gs pos="0">
+              <a:schemeClr val="phClr">
+                <a:tint val="40000"/>
+                <a:satMod val="350000"/>
+              </a:schemeClr>
+            </a:gs>
+            <a:gs pos="40000">
+              <a:schemeClr val="phClr">
+                <a:tint val="45000"/>
+                <a:shade val="99000"/>
+                <a:satMod val="350000"/>
+              </a:schemeClr>
+            </a:gs>
+            <a:gs pos="100000">
+              <a:schemeClr val="phClr">
+                <a:shade val="20000"/>
+                <a:satMod val="255000"/>
+              </a:schemeClr>
+            </a:gs>
+          </a:gsLst>
+          <a:path path="circle">
+            <a:fillToRect l="50000" t="-80000" r="50000" b="180000"/>
+          </a:path>
+        </a:gradFill>
+        <a:gradFill rotWithShape="1">
+          <a:gsLst>
+            <a:gs pos="0">
+              <a:schemeClr val="phClr">
+                <a:tint val="80000"/>
+                <a:satMod val="300000"/>
+              </a:schemeClr>
+            </a:gs>
+            <a:gs pos="100000">
+              <a:schemeClr val="phClr">
+                <a:shade val="30000"/>
+                <a:satMod val="200000"/>
+              </a:schemeClr>
+            </a:gs>
+          </a:gsLst>
+          <a:path path="circle">
+            <a:fillToRect l="50000" t="50000" r="50000" b="50000"/>
+          </a:path>
+        </a:gradFill>
+      </a:bgFillStyleLst>
+    </a:fmtScheme>
+  </a:themeElements>
+</a:theme>
 </file>